--- a/Slide/07-What is Function.pptx
+++ b/Slide/07-What is Function.pptx
@@ -5,10 +5,10 @@
     <p:sldMasterId id="2147483714" r:id="rId4"/>
   </p:sldMasterIdLst>
   <p:notesMasterIdLst>
-    <p:notesMasterId r:id="rId36"/>
+    <p:notesMasterId r:id="rId38"/>
   </p:notesMasterIdLst>
   <p:handoutMasterIdLst>
-    <p:handoutMasterId r:id="rId37"/>
+    <p:handoutMasterId r:id="rId39"/>
   </p:handoutMasterIdLst>
   <p:sldIdLst>
     <p:sldId id="263" r:id="rId5"/>
@@ -18,30 +18,32 @@
     <p:sldId id="267" r:id="rId9"/>
     <p:sldId id="301" r:id="rId10"/>
     <p:sldId id="332" r:id="rId11"/>
-    <p:sldId id="346" r:id="rId12"/>
-    <p:sldId id="289" r:id="rId13"/>
-    <p:sldId id="407" r:id="rId14"/>
-    <p:sldId id="408" r:id="rId15"/>
-    <p:sldId id="412" r:id="rId16"/>
-    <p:sldId id="413" r:id="rId17"/>
-    <p:sldId id="415" r:id="rId18"/>
-    <p:sldId id="369" r:id="rId19"/>
-    <p:sldId id="414" r:id="rId20"/>
-    <p:sldId id="378" r:id="rId21"/>
-    <p:sldId id="409" r:id="rId22"/>
-    <p:sldId id="410" r:id="rId23"/>
-    <p:sldId id="411" r:id="rId24"/>
-    <p:sldId id="356" r:id="rId25"/>
-    <p:sldId id="380" r:id="rId26"/>
-    <p:sldId id="359" r:id="rId27"/>
-    <p:sldId id="405" r:id="rId28"/>
-    <p:sldId id="361" r:id="rId29"/>
-    <p:sldId id="339" r:id="rId30"/>
-    <p:sldId id="345" r:id="rId31"/>
-    <p:sldId id="337" r:id="rId32"/>
-    <p:sldId id="367" r:id="rId33"/>
-    <p:sldId id="368" r:id="rId34"/>
-    <p:sldId id="269" r:id="rId35"/>
+    <p:sldId id="289" r:id="rId12"/>
+    <p:sldId id="407" r:id="rId13"/>
+    <p:sldId id="408" r:id="rId14"/>
+    <p:sldId id="412" r:id="rId15"/>
+    <p:sldId id="413" r:id="rId16"/>
+    <p:sldId id="415" r:id="rId17"/>
+    <p:sldId id="369" r:id="rId18"/>
+    <p:sldId id="414" r:id="rId19"/>
+    <p:sldId id="416" r:id="rId20"/>
+    <p:sldId id="419" r:id="rId21"/>
+    <p:sldId id="417" r:id="rId22"/>
+    <p:sldId id="378" r:id="rId23"/>
+    <p:sldId id="409" r:id="rId24"/>
+    <p:sldId id="410" r:id="rId25"/>
+    <p:sldId id="411" r:id="rId26"/>
+    <p:sldId id="356" r:id="rId27"/>
+    <p:sldId id="380" r:id="rId28"/>
+    <p:sldId id="359" r:id="rId29"/>
+    <p:sldId id="405" r:id="rId30"/>
+    <p:sldId id="361" r:id="rId31"/>
+    <p:sldId id="339" r:id="rId32"/>
+    <p:sldId id="345" r:id="rId33"/>
+    <p:sldId id="337" r:id="rId34"/>
+    <p:sldId id="367" r:id="rId35"/>
+    <p:sldId id="368" r:id="rId36"/>
+    <p:sldId id="269" r:id="rId37"/>
   </p:sldIdLst>
   <p:sldSz cx="12192000" cy="6858000"/>
   <p:notesSz cx="6858000" cy="9144000"/>
@@ -149,6 +151,3075 @@
     </p:ext>
   </p:extLst>
 </p:presentation>
+</file>
+
+<file path=ppt/diagrams/colors1.xml><?xml version="1.0" encoding="utf-8"?>
+<dgm:colorsDef xmlns:dgm="http://schemas.openxmlformats.org/drawingml/2006/diagram" xmlns:a="http://schemas.openxmlformats.org/drawingml/2006/main" uniqueId="urn:microsoft.com/office/officeart/2005/8/colors/colorful1">
+  <dgm:title val=""/>
+  <dgm:desc val=""/>
+  <dgm:catLst>
+    <dgm:cat type="colorful" pri="10100"/>
+  </dgm:catLst>
+  <dgm:styleLbl name="node0">
+    <dgm:fillClrLst meth="repeat">
+      <a:schemeClr val="accent1"/>
+    </dgm:fillClrLst>
+    <dgm:linClrLst meth="repeat">
+      <a:schemeClr val="lt1"/>
+    </dgm:linClrLst>
+    <dgm:effectClrLst/>
+    <dgm:txLinClrLst/>
+    <dgm:txFillClrLst/>
+    <dgm:txEffectClrLst/>
+  </dgm:styleLbl>
+  <dgm:styleLbl name="node1">
+    <dgm:fillClrLst meth="repeat">
+      <a:schemeClr val="accent2"/>
+      <a:schemeClr val="accent3"/>
+      <a:schemeClr val="accent4"/>
+      <a:schemeClr val="accent5"/>
+      <a:schemeClr val="accent6"/>
+    </dgm:fillClrLst>
+    <dgm:linClrLst meth="repeat">
+      <a:schemeClr val="lt1"/>
+    </dgm:linClrLst>
+    <dgm:effectClrLst/>
+    <dgm:txLinClrLst/>
+    <dgm:txFillClrLst/>
+    <dgm:txEffectClrLst/>
+  </dgm:styleLbl>
+  <dgm:styleLbl name="alignNode1">
+    <dgm:fillClrLst meth="repeat">
+      <a:schemeClr val="accent2"/>
+      <a:schemeClr val="accent3"/>
+      <a:schemeClr val="accent4"/>
+      <a:schemeClr val="accent5"/>
+      <a:schemeClr val="accent6"/>
+    </dgm:fillClrLst>
+    <dgm:linClrLst meth="repeat">
+      <a:schemeClr val="accent2"/>
+      <a:schemeClr val="accent3"/>
+      <a:schemeClr val="accent4"/>
+      <a:schemeClr val="accent5"/>
+      <a:schemeClr val="accent6"/>
+    </dgm:linClrLst>
+    <dgm:effectClrLst/>
+    <dgm:txLinClrLst/>
+    <dgm:txFillClrLst/>
+    <dgm:txEffectClrLst/>
+  </dgm:styleLbl>
+  <dgm:styleLbl name="lnNode1">
+    <dgm:fillClrLst meth="repeat">
+      <a:schemeClr val="accent2"/>
+      <a:schemeClr val="accent3"/>
+      <a:schemeClr val="accent4"/>
+      <a:schemeClr val="accent5"/>
+      <a:schemeClr val="accent6"/>
+    </dgm:fillClrLst>
+    <dgm:linClrLst meth="repeat">
+      <a:schemeClr val="lt1"/>
+    </dgm:linClrLst>
+    <dgm:effectClrLst/>
+    <dgm:txLinClrLst/>
+    <dgm:txFillClrLst/>
+    <dgm:txEffectClrLst/>
+  </dgm:styleLbl>
+  <dgm:styleLbl name="vennNode1">
+    <dgm:fillClrLst meth="repeat">
+      <a:schemeClr val="accent2">
+        <a:alpha val="50000"/>
+      </a:schemeClr>
+      <a:schemeClr val="accent3">
+        <a:alpha val="50000"/>
+      </a:schemeClr>
+      <a:schemeClr val="accent4">
+        <a:alpha val="50000"/>
+      </a:schemeClr>
+      <a:schemeClr val="accent5">
+        <a:alpha val="50000"/>
+      </a:schemeClr>
+      <a:schemeClr val="accent6">
+        <a:alpha val="50000"/>
+      </a:schemeClr>
+    </dgm:fillClrLst>
+    <dgm:linClrLst meth="repeat">
+      <a:schemeClr val="lt1"/>
+    </dgm:linClrLst>
+    <dgm:effectClrLst/>
+    <dgm:txLinClrLst/>
+    <dgm:txFillClrLst/>
+    <dgm:txEffectClrLst/>
+  </dgm:styleLbl>
+  <dgm:styleLbl name="node2">
+    <dgm:fillClrLst>
+      <a:schemeClr val="accent2"/>
+    </dgm:fillClrLst>
+    <dgm:linClrLst meth="repeat">
+      <a:schemeClr val="lt1"/>
+    </dgm:linClrLst>
+    <dgm:effectClrLst/>
+    <dgm:txLinClrLst/>
+    <dgm:txFillClrLst/>
+    <dgm:txEffectClrLst/>
+  </dgm:styleLbl>
+  <dgm:styleLbl name="node3">
+    <dgm:fillClrLst>
+      <a:schemeClr val="accent3"/>
+    </dgm:fillClrLst>
+    <dgm:linClrLst meth="repeat">
+      <a:schemeClr val="lt1"/>
+    </dgm:linClrLst>
+    <dgm:effectClrLst/>
+    <dgm:txLinClrLst/>
+    <dgm:txFillClrLst/>
+    <dgm:txEffectClrLst/>
+  </dgm:styleLbl>
+  <dgm:styleLbl name="node4">
+    <dgm:fillClrLst>
+      <a:schemeClr val="accent4"/>
+    </dgm:fillClrLst>
+    <dgm:linClrLst meth="repeat">
+      <a:schemeClr val="lt1"/>
+    </dgm:linClrLst>
+    <dgm:effectClrLst/>
+    <dgm:txLinClrLst/>
+    <dgm:txFillClrLst/>
+    <dgm:txEffectClrLst/>
+  </dgm:styleLbl>
+  <dgm:styleLbl name="fgImgPlace1">
+    <dgm:fillClrLst meth="repeat">
+      <a:schemeClr val="accent2">
+        <a:tint val="50000"/>
+      </a:schemeClr>
+      <a:schemeClr val="accent3">
+        <a:tint val="50000"/>
+      </a:schemeClr>
+      <a:schemeClr val="accent4">
+        <a:tint val="50000"/>
+      </a:schemeClr>
+      <a:schemeClr val="accent5">
+        <a:tint val="50000"/>
+      </a:schemeClr>
+      <a:schemeClr val="accent6">
+        <a:tint val="50000"/>
+      </a:schemeClr>
+    </dgm:fillClrLst>
+    <dgm:linClrLst meth="repeat">
+      <a:schemeClr val="lt1"/>
+    </dgm:linClrLst>
+    <dgm:effectClrLst/>
+    <dgm:txLinClrLst/>
+    <dgm:txFillClrLst meth="repeat">
+      <a:schemeClr val="lt1"/>
+    </dgm:txFillClrLst>
+    <dgm:txEffectClrLst/>
+  </dgm:styleLbl>
+  <dgm:styleLbl name="alignImgPlace1">
+    <dgm:fillClrLst>
+      <a:schemeClr val="accent1">
+        <a:tint val="50000"/>
+      </a:schemeClr>
+      <a:schemeClr val="accent2">
+        <a:tint val="20000"/>
+      </a:schemeClr>
+    </dgm:fillClrLst>
+    <dgm:linClrLst meth="repeat">
+      <a:schemeClr val="lt1"/>
+    </dgm:linClrLst>
+    <dgm:effectClrLst/>
+    <dgm:txLinClrLst/>
+    <dgm:txFillClrLst meth="repeat">
+      <a:schemeClr val="lt1"/>
+    </dgm:txFillClrLst>
+    <dgm:txEffectClrLst/>
+  </dgm:styleLbl>
+  <dgm:styleLbl name="bgImgPlace1">
+    <dgm:fillClrLst>
+      <a:schemeClr val="accent1">
+        <a:tint val="50000"/>
+      </a:schemeClr>
+      <a:schemeClr val="accent2">
+        <a:tint val="20000"/>
+      </a:schemeClr>
+    </dgm:fillClrLst>
+    <dgm:linClrLst meth="repeat">
+      <a:schemeClr val="lt1"/>
+    </dgm:linClrLst>
+    <dgm:effectClrLst/>
+    <dgm:txLinClrLst/>
+    <dgm:txFillClrLst meth="repeat">
+      <a:schemeClr val="lt1"/>
+    </dgm:txFillClrLst>
+    <dgm:txEffectClrLst/>
+  </dgm:styleLbl>
+  <dgm:styleLbl name="sibTrans2D1">
+    <dgm:fillClrLst meth="repeat">
+      <a:schemeClr val="accent2"/>
+      <a:schemeClr val="accent3"/>
+      <a:schemeClr val="accent4"/>
+      <a:schemeClr val="accent5"/>
+      <a:schemeClr val="accent6"/>
+    </dgm:fillClrLst>
+    <dgm:linClrLst meth="cycle">
+      <a:schemeClr val="lt1"/>
+    </dgm:linClrLst>
+    <dgm:effectClrLst/>
+    <dgm:txLinClrLst/>
+    <dgm:txFillClrLst/>
+    <dgm:txEffectClrLst/>
+  </dgm:styleLbl>
+  <dgm:styleLbl name="fgSibTrans2D1">
+    <dgm:fillClrLst meth="repeat">
+      <a:schemeClr val="accent2"/>
+      <a:schemeClr val="accent3"/>
+      <a:schemeClr val="accent4"/>
+      <a:schemeClr val="accent5"/>
+      <a:schemeClr val="accent6"/>
+    </dgm:fillClrLst>
+    <dgm:linClrLst meth="cycle">
+      <a:schemeClr val="lt1"/>
+    </dgm:linClrLst>
+    <dgm:effectClrLst/>
+    <dgm:txLinClrLst/>
+    <dgm:txFillClrLst meth="repeat">
+      <a:schemeClr val="lt1"/>
+    </dgm:txFillClrLst>
+    <dgm:txEffectClrLst/>
+  </dgm:styleLbl>
+  <dgm:styleLbl name="bgSibTrans2D1">
+    <dgm:fillClrLst meth="repeat">
+      <a:schemeClr val="accent2"/>
+      <a:schemeClr val="accent3"/>
+      <a:schemeClr val="accent4"/>
+      <a:schemeClr val="accent5"/>
+      <a:schemeClr val="accent6"/>
+    </dgm:fillClrLst>
+    <dgm:linClrLst meth="cycle">
+      <a:schemeClr val="lt1"/>
+    </dgm:linClrLst>
+    <dgm:effectClrLst/>
+    <dgm:txLinClrLst/>
+    <dgm:txFillClrLst meth="repeat">
+      <a:schemeClr val="lt1"/>
+    </dgm:txFillClrLst>
+    <dgm:txEffectClrLst/>
+  </dgm:styleLbl>
+  <dgm:styleLbl name="sibTrans1D1">
+    <dgm:fillClrLst meth="repeat">
+      <a:schemeClr val="accent2"/>
+      <a:schemeClr val="accent3"/>
+      <a:schemeClr val="accent4"/>
+      <a:schemeClr val="accent5"/>
+      <a:schemeClr val="accent6"/>
+    </dgm:fillClrLst>
+    <dgm:linClrLst meth="repeat">
+      <a:schemeClr val="accent2"/>
+      <a:schemeClr val="accent3"/>
+      <a:schemeClr val="accent4"/>
+      <a:schemeClr val="accent5"/>
+      <a:schemeClr val="accent6"/>
+    </dgm:linClrLst>
+    <dgm:effectClrLst/>
+    <dgm:txLinClrLst/>
+    <dgm:txFillClrLst meth="repeat">
+      <a:schemeClr val="tx1"/>
+    </dgm:txFillClrLst>
+    <dgm:txEffectClrLst/>
+  </dgm:styleLbl>
+  <dgm:styleLbl name="callout">
+    <dgm:fillClrLst meth="repeat">
+      <a:schemeClr val="accent2"/>
+    </dgm:fillClrLst>
+    <dgm:linClrLst meth="repeat">
+      <a:schemeClr val="accent2">
+        <a:tint val="50000"/>
+      </a:schemeClr>
+    </dgm:linClrLst>
+    <dgm:effectClrLst/>
+    <dgm:txLinClrLst/>
+    <dgm:txFillClrLst meth="repeat">
+      <a:schemeClr val="tx1"/>
+    </dgm:txFillClrLst>
+    <dgm:txEffectClrLst/>
+  </dgm:styleLbl>
+  <dgm:styleLbl name="asst0">
+    <dgm:fillClrLst meth="repeat">
+      <a:schemeClr val="accent1"/>
+    </dgm:fillClrLst>
+    <dgm:linClrLst meth="repeat">
+      <a:schemeClr val="lt1"/>
+    </dgm:linClrLst>
+    <dgm:effectClrLst/>
+    <dgm:txLinClrLst/>
+    <dgm:txFillClrLst/>
+    <dgm:txEffectClrLst/>
+  </dgm:styleLbl>
+  <dgm:styleLbl name="asst1">
+    <dgm:fillClrLst meth="repeat">
+      <a:schemeClr val="accent2"/>
+    </dgm:fillClrLst>
+    <dgm:linClrLst meth="repeat">
+      <a:schemeClr val="lt1"/>
+    </dgm:linClrLst>
+    <dgm:effectClrLst/>
+    <dgm:txLinClrLst/>
+    <dgm:txFillClrLst/>
+    <dgm:txEffectClrLst/>
+  </dgm:styleLbl>
+  <dgm:styleLbl name="asst2">
+    <dgm:fillClrLst>
+      <a:schemeClr val="accent3"/>
+    </dgm:fillClrLst>
+    <dgm:linClrLst meth="repeat">
+      <a:schemeClr val="lt1"/>
+    </dgm:linClrLst>
+    <dgm:effectClrLst/>
+    <dgm:txLinClrLst/>
+    <dgm:txFillClrLst/>
+    <dgm:txEffectClrLst/>
+  </dgm:styleLbl>
+  <dgm:styleLbl name="asst3">
+    <dgm:fillClrLst>
+      <a:schemeClr val="accent4"/>
+    </dgm:fillClrLst>
+    <dgm:linClrLst meth="repeat">
+      <a:schemeClr val="lt1"/>
+    </dgm:linClrLst>
+    <dgm:effectClrLst/>
+    <dgm:txLinClrLst/>
+    <dgm:txFillClrLst/>
+    <dgm:txEffectClrLst/>
+  </dgm:styleLbl>
+  <dgm:styleLbl name="asst4">
+    <dgm:fillClrLst>
+      <a:schemeClr val="accent5"/>
+    </dgm:fillClrLst>
+    <dgm:linClrLst meth="repeat">
+      <a:schemeClr val="lt1"/>
+    </dgm:linClrLst>
+    <dgm:effectClrLst/>
+    <dgm:txLinClrLst/>
+    <dgm:txFillClrLst/>
+    <dgm:txEffectClrLst/>
+  </dgm:styleLbl>
+  <dgm:styleLbl name="parChTrans2D1">
+    <dgm:fillClrLst meth="repeat">
+      <a:schemeClr val="accent2"/>
+    </dgm:fillClrLst>
+    <dgm:linClrLst meth="repeat">
+      <a:schemeClr val="lt1"/>
+    </dgm:linClrLst>
+    <dgm:effectClrLst/>
+    <dgm:txLinClrLst/>
+    <dgm:txFillClrLst meth="repeat">
+      <a:schemeClr val="lt1"/>
+    </dgm:txFillClrLst>
+    <dgm:txEffectClrLst/>
+  </dgm:styleLbl>
+  <dgm:styleLbl name="parChTrans2D2">
+    <dgm:fillClrLst meth="repeat">
+      <a:schemeClr val="accent3"/>
+    </dgm:fillClrLst>
+    <dgm:linClrLst meth="repeat">
+      <a:schemeClr val="lt1"/>
+    </dgm:linClrLst>
+    <dgm:effectClrLst/>
+    <dgm:txLinClrLst/>
+    <dgm:txFillClrLst/>
+    <dgm:txEffectClrLst/>
+  </dgm:styleLbl>
+  <dgm:styleLbl name="parChTrans2D3">
+    <dgm:fillClrLst meth="repeat">
+      <a:schemeClr val="accent4"/>
+    </dgm:fillClrLst>
+    <dgm:linClrLst meth="repeat">
+      <a:schemeClr val="lt1"/>
+    </dgm:linClrLst>
+    <dgm:effectClrLst/>
+    <dgm:txLinClrLst/>
+    <dgm:txFillClrLst/>
+    <dgm:txEffectClrLst/>
+  </dgm:styleLbl>
+  <dgm:styleLbl name="parChTrans2D4">
+    <dgm:fillClrLst meth="repeat">
+      <a:schemeClr val="accent5"/>
+    </dgm:fillClrLst>
+    <dgm:linClrLst meth="repeat">
+      <a:schemeClr val="lt1"/>
+    </dgm:linClrLst>
+    <dgm:effectClrLst/>
+    <dgm:txLinClrLst/>
+    <dgm:txFillClrLst meth="repeat">
+      <a:schemeClr val="lt1"/>
+    </dgm:txFillClrLst>
+    <dgm:txEffectClrLst/>
+  </dgm:styleLbl>
+  <dgm:styleLbl name="parChTrans1D1">
+    <dgm:fillClrLst meth="repeat">
+      <a:schemeClr val="accent2"/>
+    </dgm:fillClrLst>
+    <dgm:linClrLst meth="repeat">
+      <a:schemeClr val="accent1"/>
+    </dgm:linClrLst>
+    <dgm:effectClrLst/>
+    <dgm:txLinClrLst/>
+    <dgm:txFillClrLst meth="repeat">
+      <a:schemeClr val="tx1"/>
+    </dgm:txFillClrLst>
+    <dgm:txEffectClrLst/>
+  </dgm:styleLbl>
+  <dgm:styleLbl name="parChTrans1D2">
+    <dgm:fillClrLst meth="repeat">
+      <a:schemeClr val="accent3">
+        <a:tint val="90000"/>
+      </a:schemeClr>
+    </dgm:fillClrLst>
+    <dgm:linClrLst meth="repeat">
+      <a:schemeClr val="accent2"/>
+    </dgm:linClrLst>
+    <dgm:effectClrLst/>
+    <dgm:txLinClrLst/>
+    <dgm:txFillClrLst meth="repeat">
+      <a:schemeClr val="tx1"/>
+    </dgm:txFillClrLst>
+    <dgm:txEffectClrLst/>
+  </dgm:styleLbl>
+  <dgm:styleLbl name="parChTrans1D3">
+    <dgm:fillClrLst meth="repeat">
+      <a:schemeClr val="accent4">
+        <a:tint val="70000"/>
+      </a:schemeClr>
+    </dgm:fillClrLst>
+    <dgm:linClrLst meth="repeat">
+      <a:schemeClr val="accent3"/>
+    </dgm:linClrLst>
+    <dgm:effectClrLst/>
+    <dgm:txLinClrLst/>
+    <dgm:txFillClrLst meth="repeat">
+      <a:schemeClr val="tx1"/>
+    </dgm:txFillClrLst>
+    <dgm:txEffectClrLst/>
+  </dgm:styleLbl>
+  <dgm:styleLbl name="parChTrans1D4">
+    <dgm:fillClrLst meth="repeat">
+      <a:schemeClr val="accent5">
+        <a:tint val="50000"/>
+      </a:schemeClr>
+    </dgm:fillClrLst>
+    <dgm:linClrLst meth="repeat">
+      <a:schemeClr val="accent4"/>
+    </dgm:linClrLst>
+    <dgm:effectClrLst/>
+    <dgm:txLinClrLst/>
+    <dgm:txFillClrLst meth="repeat">
+      <a:schemeClr val="tx1"/>
+    </dgm:txFillClrLst>
+    <dgm:txEffectClrLst/>
+  </dgm:styleLbl>
+  <dgm:styleLbl name="fgAcc1">
+    <dgm:fillClrLst meth="repeat">
+      <a:schemeClr val="lt1">
+        <a:alpha val="90000"/>
+      </a:schemeClr>
+    </dgm:fillClrLst>
+    <dgm:linClrLst meth="repeat">
+      <a:schemeClr val="accent2"/>
+      <a:schemeClr val="accent3"/>
+      <a:schemeClr val="accent4"/>
+      <a:schemeClr val="accent5"/>
+      <a:schemeClr val="accent6"/>
+    </dgm:linClrLst>
+    <dgm:effectClrLst/>
+    <dgm:txLinClrLst/>
+    <dgm:txFillClrLst meth="repeat">
+      <a:schemeClr val="dk1"/>
+    </dgm:txFillClrLst>
+    <dgm:txEffectClrLst/>
+  </dgm:styleLbl>
+  <dgm:styleLbl name="conFgAcc1">
+    <dgm:fillClrLst meth="repeat">
+      <a:schemeClr val="lt1">
+        <a:alpha val="90000"/>
+      </a:schemeClr>
+    </dgm:fillClrLst>
+    <dgm:linClrLst meth="repeat">
+      <a:schemeClr val="accent2"/>
+      <a:schemeClr val="accent3"/>
+      <a:schemeClr val="accent4"/>
+      <a:schemeClr val="accent5"/>
+      <a:schemeClr val="accent6"/>
+    </dgm:linClrLst>
+    <dgm:effectClrLst/>
+    <dgm:txLinClrLst/>
+    <dgm:txFillClrLst meth="repeat">
+      <a:schemeClr val="dk1"/>
+    </dgm:txFillClrLst>
+    <dgm:txEffectClrLst/>
+  </dgm:styleLbl>
+  <dgm:styleLbl name="alignAcc1">
+    <dgm:fillClrLst meth="repeat">
+      <a:schemeClr val="lt1">
+        <a:alpha val="90000"/>
+      </a:schemeClr>
+    </dgm:fillClrLst>
+    <dgm:linClrLst meth="repeat">
+      <a:schemeClr val="accent2"/>
+      <a:schemeClr val="accent3"/>
+      <a:schemeClr val="accent4"/>
+      <a:schemeClr val="accent5"/>
+      <a:schemeClr val="accent6"/>
+    </dgm:linClrLst>
+    <dgm:effectClrLst/>
+    <dgm:txLinClrLst/>
+    <dgm:txFillClrLst meth="repeat">
+      <a:schemeClr val="dk1"/>
+    </dgm:txFillClrLst>
+    <dgm:txEffectClrLst/>
+  </dgm:styleLbl>
+  <dgm:styleLbl name="trAlignAcc1">
+    <dgm:fillClrLst meth="repeat">
+      <a:schemeClr val="lt1">
+        <a:alpha val="40000"/>
+      </a:schemeClr>
+    </dgm:fillClrLst>
+    <dgm:linClrLst meth="repeat">
+      <a:schemeClr val="accent1"/>
+    </dgm:linClrLst>
+    <dgm:effectClrLst/>
+    <dgm:txLinClrLst/>
+    <dgm:txFillClrLst meth="repeat">
+      <a:schemeClr val="dk1"/>
+    </dgm:txFillClrLst>
+    <dgm:txEffectClrLst/>
+  </dgm:styleLbl>
+  <dgm:styleLbl name="bgAcc1">
+    <dgm:fillClrLst meth="repeat">
+      <a:schemeClr val="lt1">
+        <a:alpha val="90000"/>
+      </a:schemeClr>
+    </dgm:fillClrLst>
+    <dgm:linClrLst meth="repeat">
+      <a:schemeClr val="accent2"/>
+      <a:schemeClr val="accent3"/>
+      <a:schemeClr val="accent4"/>
+      <a:schemeClr val="accent5"/>
+      <a:schemeClr val="accent6"/>
+    </dgm:linClrLst>
+    <dgm:effectClrLst/>
+    <dgm:txLinClrLst/>
+    <dgm:txFillClrLst meth="repeat">
+      <a:schemeClr val="dk1"/>
+    </dgm:txFillClrLst>
+    <dgm:txEffectClrLst/>
+  </dgm:styleLbl>
+  <dgm:styleLbl name="solidFgAcc1">
+    <dgm:fillClrLst meth="repeat">
+      <a:schemeClr val="lt1"/>
+    </dgm:fillClrLst>
+    <dgm:linClrLst meth="repeat">
+      <a:schemeClr val="accent2"/>
+      <a:schemeClr val="accent3"/>
+      <a:schemeClr val="accent4"/>
+      <a:schemeClr val="accent5"/>
+      <a:schemeClr val="accent6"/>
+    </dgm:linClrLst>
+    <dgm:effectClrLst/>
+    <dgm:txLinClrLst/>
+    <dgm:txFillClrLst meth="repeat">
+      <a:schemeClr val="dk1"/>
+    </dgm:txFillClrLst>
+    <dgm:txEffectClrLst/>
+  </dgm:styleLbl>
+  <dgm:styleLbl name="solidAlignAcc1">
+    <dgm:fillClrLst meth="repeat">
+      <a:schemeClr val="lt1"/>
+    </dgm:fillClrLst>
+    <dgm:linClrLst meth="repeat">
+      <a:schemeClr val="accent2"/>
+      <a:schemeClr val="accent3"/>
+      <a:schemeClr val="accent4"/>
+      <a:schemeClr val="accent5"/>
+      <a:schemeClr val="accent6"/>
+    </dgm:linClrLst>
+    <dgm:effectClrLst/>
+    <dgm:txLinClrLst/>
+    <dgm:txFillClrLst meth="repeat">
+      <a:schemeClr val="dk1"/>
+    </dgm:txFillClrLst>
+    <dgm:txEffectClrLst/>
+  </dgm:styleLbl>
+  <dgm:styleLbl name="solidBgAcc1">
+    <dgm:fillClrLst meth="repeat">
+      <a:schemeClr val="lt1"/>
+    </dgm:fillClrLst>
+    <dgm:linClrLst meth="repeat">
+      <a:schemeClr val="accent2"/>
+      <a:schemeClr val="accent3"/>
+      <a:schemeClr val="accent4"/>
+      <a:schemeClr val="accent5"/>
+      <a:schemeClr val="accent6"/>
+    </dgm:linClrLst>
+    <dgm:effectClrLst/>
+    <dgm:txLinClrLst/>
+    <dgm:txFillClrLst meth="repeat">
+      <a:schemeClr val="dk1"/>
+    </dgm:txFillClrLst>
+    <dgm:txEffectClrLst/>
+  </dgm:styleLbl>
+  <dgm:styleLbl name="fgAccFollowNode1">
+    <dgm:fillClrLst meth="repeat">
+      <a:schemeClr val="accent2">
+        <a:tint val="40000"/>
+        <a:alpha val="90000"/>
+      </a:schemeClr>
+      <a:schemeClr val="accent3">
+        <a:tint val="40000"/>
+        <a:alpha val="90000"/>
+      </a:schemeClr>
+      <a:schemeClr val="accent4">
+        <a:tint val="40000"/>
+        <a:alpha val="90000"/>
+      </a:schemeClr>
+      <a:schemeClr val="accent5">
+        <a:tint val="40000"/>
+        <a:alpha val="90000"/>
+      </a:schemeClr>
+      <a:schemeClr val="accent6">
+        <a:tint val="40000"/>
+        <a:alpha val="90000"/>
+      </a:schemeClr>
+    </dgm:fillClrLst>
+    <dgm:linClrLst meth="repeat">
+      <a:schemeClr val="accent2">
+        <a:tint val="40000"/>
+        <a:alpha val="90000"/>
+      </a:schemeClr>
+      <a:schemeClr val="accent3">
+        <a:tint val="40000"/>
+        <a:alpha val="90000"/>
+      </a:schemeClr>
+      <a:schemeClr val="accent4">
+        <a:tint val="40000"/>
+        <a:alpha val="90000"/>
+      </a:schemeClr>
+      <a:schemeClr val="accent5">
+        <a:tint val="40000"/>
+        <a:alpha val="90000"/>
+      </a:schemeClr>
+      <a:schemeClr val="accent6">
+        <a:tint val="40000"/>
+        <a:alpha val="90000"/>
+      </a:schemeClr>
+    </dgm:linClrLst>
+    <dgm:effectClrLst/>
+    <dgm:txLinClrLst/>
+    <dgm:txFillClrLst meth="repeat">
+      <a:schemeClr val="dk1"/>
+    </dgm:txFillClrLst>
+    <dgm:txEffectClrLst/>
+  </dgm:styleLbl>
+  <dgm:styleLbl name="alignAccFollowNode1">
+    <dgm:fillClrLst meth="repeat">
+      <a:schemeClr val="accent2">
+        <a:tint val="40000"/>
+        <a:alpha val="90000"/>
+      </a:schemeClr>
+      <a:schemeClr val="accent3">
+        <a:tint val="40000"/>
+        <a:alpha val="90000"/>
+      </a:schemeClr>
+      <a:schemeClr val="accent4">
+        <a:tint val="40000"/>
+        <a:alpha val="90000"/>
+      </a:schemeClr>
+      <a:schemeClr val="accent5">
+        <a:tint val="40000"/>
+        <a:alpha val="90000"/>
+      </a:schemeClr>
+      <a:schemeClr val="accent6">
+        <a:tint val="40000"/>
+        <a:alpha val="90000"/>
+      </a:schemeClr>
+    </dgm:fillClrLst>
+    <dgm:linClrLst meth="repeat">
+      <a:schemeClr val="accent2">
+        <a:tint val="40000"/>
+        <a:alpha val="90000"/>
+      </a:schemeClr>
+      <a:schemeClr val="accent3">
+        <a:tint val="40000"/>
+        <a:alpha val="90000"/>
+      </a:schemeClr>
+      <a:schemeClr val="accent4">
+        <a:tint val="40000"/>
+        <a:alpha val="90000"/>
+      </a:schemeClr>
+      <a:schemeClr val="accent5">
+        <a:tint val="40000"/>
+        <a:alpha val="90000"/>
+      </a:schemeClr>
+      <a:schemeClr val="accent6">
+        <a:tint val="40000"/>
+        <a:alpha val="90000"/>
+      </a:schemeClr>
+    </dgm:linClrLst>
+    <dgm:effectClrLst/>
+    <dgm:txLinClrLst/>
+    <dgm:txFillClrLst meth="repeat">
+      <a:schemeClr val="dk1"/>
+    </dgm:txFillClrLst>
+    <dgm:txEffectClrLst/>
+  </dgm:styleLbl>
+  <dgm:styleLbl name="bgAccFollowNode1">
+    <dgm:fillClrLst meth="repeat">
+      <a:schemeClr val="accent2">
+        <a:tint val="40000"/>
+        <a:alpha val="90000"/>
+      </a:schemeClr>
+      <a:schemeClr val="accent3">
+        <a:tint val="40000"/>
+        <a:alpha val="90000"/>
+      </a:schemeClr>
+      <a:schemeClr val="accent4">
+        <a:tint val="40000"/>
+        <a:alpha val="90000"/>
+      </a:schemeClr>
+      <a:schemeClr val="accent5">
+        <a:tint val="40000"/>
+        <a:alpha val="90000"/>
+      </a:schemeClr>
+      <a:schemeClr val="accent6">
+        <a:tint val="40000"/>
+        <a:alpha val="90000"/>
+      </a:schemeClr>
+    </dgm:fillClrLst>
+    <dgm:linClrLst meth="repeat">
+      <a:schemeClr val="accent2">
+        <a:tint val="40000"/>
+        <a:alpha val="90000"/>
+      </a:schemeClr>
+      <a:schemeClr val="accent3">
+        <a:tint val="40000"/>
+        <a:alpha val="90000"/>
+      </a:schemeClr>
+      <a:schemeClr val="accent4">
+        <a:tint val="40000"/>
+        <a:alpha val="90000"/>
+      </a:schemeClr>
+      <a:schemeClr val="accent5">
+        <a:tint val="40000"/>
+        <a:alpha val="90000"/>
+      </a:schemeClr>
+      <a:schemeClr val="accent6">
+        <a:tint val="40000"/>
+        <a:alpha val="90000"/>
+      </a:schemeClr>
+    </dgm:linClrLst>
+    <dgm:effectClrLst/>
+    <dgm:txLinClrLst/>
+    <dgm:txFillClrLst meth="repeat">
+      <a:schemeClr val="dk1"/>
+    </dgm:txFillClrLst>
+    <dgm:txEffectClrLst/>
+  </dgm:styleLbl>
+  <dgm:styleLbl name="fgAcc0">
+    <dgm:fillClrLst meth="repeat">
+      <a:schemeClr val="lt1">
+        <a:alpha val="90000"/>
+      </a:schemeClr>
+    </dgm:fillClrLst>
+    <dgm:linClrLst>
+      <a:schemeClr val="accent1"/>
+    </dgm:linClrLst>
+    <dgm:effectClrLst/>
+    <dgm:txLinClrLst/>
+    <dgm:txFillClrLst meth="repeat">
+      <a:schemeClr val="dk1"/>
+    </dgm:txFillClrLst>
+    <dgm:txEffectClrLst/>
+  </dgm:styleLbl>
+  <dgm:styleLbl name="fgAcc2">
+    <dgm:fillClrLst meth="repeat">
+      <a:schemeClr val="lt1">
+        <a:alpha val="90000"/>
+      </a:schemeClr>
+    </dgm:fillClrLst>
+    <dgm:linClrLst>
+      <a:schemeClr val="accent2"/>
+    </dgm:linClrLst>
+    <dgm:effectClrLst/>
+    <dgm:txLinClrLst/>
+    <dgm:txFillClrLst meth="repeat">
+      <a:schemeClr val="dk1"/>
+    </dgm:txFillClrLst>
+    <dgm:txEffectClrLst/>
+  </dgm:styleLbl>
+  <dgm:styleLbl name="fgAcc3">
+    <dgm:fillClrLst meth="repeat">
+      <a:schemeClr val="lt1">
+        <a:alpha val="90000"/>
+      </a:schemeClr>
+    </dgm:fillClrLst>
+    <dgm:linClrLst>
+      <a:schemeClr val="accent3"/>
+    </dgm:linClrLst>
+    <dgm:effectClrLst/>
+    <dgm:txLinClrLst/>
+    <dgm:txFillClrLst meth="repeat">
+      <a:schemeClr val="dk1"/>
+    </dgm:txFillClrLst>
+    <dgm:txEffectClrLst/>
+  </dgm:styleLbl>
+  <dgm:styleLbl name="fgAcc4">
+    <dgm:fillClrLst meth="repeat">
+      <a:schemeClr val="lt1">
+        <a:alpha val="90000"/>
+      </a:schemeClr>
+    </dgm:fillClrLst>
+    <dgm:linClrLst>
+      <a:schemeClr val="accent4"/>
+    </dgm:linClrLst>
+    <dgm:effectClrLst/>
+    <dgm:txLinClrLst/>
+    <dgm:txFillClrLst meth="repeat">
+      <a:schemeClr val="dk1"/>
+    </dgm:txFillClrLst>
+    <dgm:txEffectClrLst/>
+  </dgm:styleLbl>
+  <dgm:styleLbl name="bgShp">
+    <dgm:fillClrLst meth="repeat">
+      <a:schemeClr val="accent2">
+        <a:tint val="40000"/>
+      </a:schemeClr>
+    </dgm:fillClrLst>
+    <dgm:linClrLst meth="repeat">
+      <a:schemeClr val="dk1"/>
+    </dgm:linClrLst>
+    <dgm:effectClrLst/>
+    <dgm:txLinClrLst/>
+    <dgm:txFillClrLst meth="repeat">
+      <a:schemeClr val="dk1"/>
+    </dgm:txFillClrLst>
+    <dgm:txEffectClrLst/>
+  </dgm:styleLbl>
+  <dgm:styleLbl name="dkBgShp">
+    <dgm:fillClrLst meth="repeat">
+      <a:schemeClr val="accent2">
+        <a:shade val="90000"/>
+      </a:schemeClr>
+    </dgm:fillClrLst>
+    <dgm:linClrLst meth="repeat">
+      <a:schemeClr val="dk1"/>
+    </dgm:linClrLst>
+    <dgm:effectClrLst/>
+    <dgm:txLinClrLst/>
+    <dgm:txFillClrLst meth="repeat">
+      <a:schemeClr val="lt1"/>
+    </dgm:txFillClrLst>
+    <dgm:txEffectClrLst/>
+  </dgm:styleLbl>
+  <dgm:styleLbl name="trBgShp">
+    <dgm:fillClrLst meth="repeat">
+      <a:schemeClr val="accent1">
+        <a:tint val="50000"/>
+        <a:alpha val="40000"/>
+      </a:schemeClr>
+    </dgm:fillClrLst>
+    <dgm:linClrLst meth="repeat">
+      <a:schemeClr val="accent2"/>
+    </dgm:linClrLst>
+    <dgm:effectClrLst/>
+    <dgm:txLinClrLst/>
+    <dgm:txFillClrLst meth="repeat">
+      <a:schemeClr val="lt1"/>
+    </dgm:txFillClrLst>
+    <dgm:txEffectClrLst/>
+  </dgm:styleLbl>
+  <dgm:styleLbl name="fgShp">
+    <dgm:fillClrLst meth="repeat">
+      <a:schemeClr val="accent2">
+        <a:tint val="40000"/>
+      </a:schemeClr>
+    </dgm:fillClrLst>
+    <dgm:linClrLst meth="repeat">
+      <a:schemeClr val="lt1"/>
+    </dgm:linClrLst>
+    <dgm:effectClrLst/>
+    <dgm:txLinClrLst/>
+    <dgm:txFillClrLst meth="repeat">
+      <a:schemeClr val="dk1"/>
+    </dgm:txFillClrLst>
+    <dgm:txEffectClrLst/>
+  </dgm:styleLbl>
+  <dgm:styleLbl name="revTx">
+    <dgm:fillClrLst meth="repeat">
+      <a:schemeClr val="lt1">
+        <a:alpha val="0"/>
+      </a:schemeClr>
+    </dgm:fillClrLst>
+    <dgm:linClrLst meth="repeat">
+      <a:schemeClr val="dk1">
+        <a:alpha val="0"/>
+      </a:schemeClr>
+    </dgm:linClrLst>
+    <dgm:effectClrLst/>
+    <dgm:txLinClrLst/>
+    <dgm:txFillClrLst meth="repeat">
+      <a:schemeClr val="tx1"/>
+    </dgm:txFillClrLst>
+    <dgm:txEffectClrLst/>
+  </dgm:styleLbl>
+</dgm:colorsDef>
+</file>
+
+<file path=ppt/diagrams/data1.xml><?xml version="1.0" encoding="utf-8"?>
+<dgm:dataModel xmlns:dgm="http://schemas.openxmlformats.org/drawingml/2006/diagram" xmlns:a="http://schemas.openxmlformats.org/drawingml/2006/main">
+  <dgm:ptLst>
+    <dgm:pt modelId="{98C60627-D01E-464C-BD8F-509ECE164F0F}" type="doc">
+      <dgm:prSet loTypeId="urn:microsoft.com/office/officeart/2005/8/layout/funnel1" loCatId="process" qsTypeId="urn:microsoft.com/office/officeart/2005/8/quickstyle/simple5" qsCatId="simple" csTypeId="urn:microsoft.com/office/officeart/2005/8/colors/colorful1" csCatId="colorful" phldr="1"/>
+      <dgm:spPr/>
+      <dgm:t>
+        <a:bodyPr/>
+        <a:lstStyle/>
+        <a:p>
+          <a:endParaRPr lang="en-US"/>
+        </a:p>
+      </dgm:t>
+    </dgm:pt>
+    <dgm:pt modelId="{F43669FF-A965-4527-91E6-68BE3AD2D86E}">
+      <dgm:prSet phldrT="[Text]"/>
+      <dgm:spPr/>
+      <dgm:t>
+        <a:bodyPr/>
+        <a:lstStyle/>
+        <a:p>
+          <a:r>
+            <a:rPr lang="en-US" dirty="0"/>
+            <a:t>Input 1</a:t>
+          </a:r>
+        </a:p>
+      </dgm:t>
+    </dgm:pt>
+    <dgm:pt modelId="{465DD080-B920-4BE7-9930-2FEE5D0CA2E1}" type="parTrans" cxnId="{7B770D3A-E298-44A6-B59B-137475B1AC48}">
+      <dgm:prSet/>
+      <dgm:spPr/>
+      <dgm:t>
+        <a:bodyPr/>
+        <a:lstStyle/>
+        <a:p>
+          <a:endParaRPr lang="en-US"/>
+        </a:p>
+      </dgm:t>
+    </dgm:pt>
+    <dgm:pt modelId="{7A32FEBE-81D3-4E99-9842-F359B51096AD}" type="sibTrans" cxnId="{7B770D3A-E298-44A6-B59B-137475B1AC48}">
+      <dgm:prSet/>
+      <dgm:spPr/>
+      <dgm:t>
+        <a:bodyPr/>
+        <a:lstStyle/>
+        <a:p>
+          <a:endParaRPr lang="en-US"/>
+        </a:p>
+      </dgm:t>
+    </dgm:pt>
+    <dgm:pt modelId="{F5E2F0FA-2432-48A8-9FBB-B5432CB21706}">
+      <dgm:prSet phldrT="[Text]"/>
+      <dgm:spPr/>
+      <dgm:t>
+        <a:bodyPr/>
+        <a:lstStyle/>
+        <a:p>
+          <a:r>
+            <a:rPr lang="en-US" dirty="0"/>
+            <a:t>Input 2</a:t>
+          </a:r>
+        </a:p>
+      </dgm:t>
+    </dgm:pt>
+    <dgm:pt modelId="{3068FFD9-B4F3-4222-ACA0-2EF0D26EE55E}" type="parTrans" cxnId="{633CE58E-7DE6-4B5E-968A-C51641D35BCA}">
+      <dgm:prSet/>
+      <dgm:spPr/>
+      <dgm:t>
+        <a:bodyPr/>
+        <a:lstStyle/>
+        <a:p>
+          <a:endParaRPr lang="en-US"/>
+        </a:p>
+      </dgm:t>
+    </dgm:pt>
+    <dgm:pt modelId="{0664A86C-8ABB-43A1-8F03-F234793B2294}" type="sibTrans" cxnId="{633CE58E-7DE6-4B5E-968A-C51641D35BCA}">
+      <dgm:prSet/>
+      <dgm:spPr/>
+      <dgm:t>
+        <a:bodyPr/>
+        <a:lstStyle/>
+        <a:p>
+          <a:endParaRPr lang="en-US"/>
+        </a:p>
+      </dgm:t>
+    </dgm:pt>
+    <dgm:pt modelId="{87A2EDBA-4516-4BA3-A528-CB093D437CCD}">
+      <dgm:prSet phldrT="[Text]"/>
+      <dgm:spPr/>
+      <dgm:t>
+        <a:bodyPr/>
+        <a:lstStyle/>
+        <a:p>
+          <a:r>
+            <a:rPr lang="en-US" dirty="0"/>
+            <a:t>Input 3</a:t>
+          </a:r>
+        </a:p>
+      </dgm:t>
+    </dgm:pt>
+    <dgm:pt modelId="{71B9CE19-E199-4CFD-BA59-8615D002E247}" type="parTrans" cxnId="{7BBCC0E6-148F-41F8-BBA4-125E7F293AB3}">
+      <dgm:prSet/>
+      <dgm:spPr/>
+      <dgm:t>
+        <a:bodyPr/>
+        <a:lstStyle/>
+        <a:p>
+          <a:endParaRPr lang="en-US"/>
+        </a:p>
+      </dgm:t>
+    </dgm:pt>
+    <dgm:pt modelId="{1FAE7400-FB5D-4167-8C9B-D243D0D6C0FC}" type="sibTrans" cxnId="{7BBCC0E6-148F-41F8-BBA4-125E7F293AB3}">
+      <dgm:prSet/>
+      <dgm:spPr/>
+      <dgm:t>
+        <a:bodyPr/>
+        <a:lstStyle/>
+        <a:p>
+          <a:endParaRPr lang="en-US"/>
+        </a:p>
+      </dgm:t>
+    </dgm:pt>
+    <dgm:pt modelId="{4F86B76B-F766-4373-AFAE-9E33D3CD6E4F}">
+      <dgm:prSet phldrT="[Text]"/>
+      <dgm:spPr/>
+      <dgm:t>
+        <a:bodyPr/>
+        <a:lstStyle/>
+        <a:p>
+          <a:r>
+            <a:rPr lang="en-US" dirty="0"/>
+            <a:t>Output 1 , Output 2, …</a:t>
+          </a:r>
+        </a:p>
+      </dgm:t>
+    </dgm:pt>
+    <dgm:pt modelId="{9C391FC4-7287-4BE9-B98A-ED70605B4615}" type="parTrans" cxnId="{45F0685E-5828-413B-9EC6-8ABBBF28A6BF}">
+      <dgm:prSet/>
+      <dgm:spPr/>
+      <dgm:t>
+        <a:bodyPr/>
+        <a:lstStyle/>
+        <a:p>
+          <a:endParaRPr lang="en-US"/>
+        </a:p>
+      </dgm:t>
+    </dgm:pt>
+    <dgm:pt modelId="{2F80539C-0E16-4AAA-86BC-FA07956CBB99}" type="sibTrans" cxnId="{45F0685E-5828-413B-9EC6-8ABBBF28A6BF}">
+      <dgm:prSet/>
+      <dgm:spPr/>
+      <dgm:t>
+        <a:bodyPr/>
+        <a:lstStyle/>
+        <a:p>
+          <a:endParaRPr lang="en-US"/>
+        </a:p>
+      </dgm:t>
+    </dgm:pt>
+    <dgm:pt modelId="{1B9CB2C2-ADAC-44AB-BAFD-3DB9F8E709D9}" type="pres">
+      <dgm:prSet presAssocID="{98C60627-D01E-464C-BD8F-509ECE164F0F}" presName="Name0" presStyleCnt="0">
+        <dgm:presLayoutVars>
+          <dgm:chMax val="4"/>
+          <dgm:resizeHandles val="exact"/>
+        </dgm:presLayoutVars>
+      </dgm:prSet>
+      <dgm:spPr/>
+    </dgm:pt>
+    <dgm:pt modelId="{2E39D4D1-FA56-4F54-9D30-65A494B7A427}" type="pres">
+      <dgm:prSet presAssocID="{98C60627-D01E-464C-BD8F-509ECE164F0F}" presName="ellipse" presStyleLbl="trBgShp" presStyleIdx="0" presStyleCnt="1"/>
+      <dgm:spPr/>
+    </dgm:pt>
+    <dgm:pt modelId="{B36299C7-DC0F-4E48-85CD-6170CCC51921}" type="pres">
+      <dgm:prSet presAssocID="{98C60627-D01E-464C-BD8F-509ECE164F0F}" presName="arrow1" presStyleLbl="fgShp" presStyleIdx="0" presStyleCnt="1"/>
+      <dgm:spPr/>
+    </dgm:pt>
+    <dgm:pt modelId="{6D12897A-05E3-4231-8B9E-CC0A0247676C}" type="pres">
+      <dgm:prSet presAssocID="{98C60627-D01E-464C-BD8F-509ECE164F0F}" presName="rectangle" presStyleLbl="revTx" presStyleIdx="0" presStyleCnt="1">
+        <dgm:presLayoutVars>
+          <dgm:bulletEnabled val="1"/>
+        </dgm:presLayoutVars>
+      </dgm:prSet>
+      <dgm:spPr/>
+    </dgm:pt>
+    <dgm:pt modelId="{1B0FF6FA-4940-44C7-A4BD-34403774B5B7}" type="pres">
+      <dgm:prSet presAssocID="{F5E2F0FA-2432-48A8-9FBB-B5432CB21706}" presName="item1" presStyleLbl="node1" presStyleIdx="0" presStyleCnt="3">
+        <dgm:presLayoutVars>
+          <dgm:bulletEnabled val="1"/>
+        </dgm:presLayoutVars>
+      </dgm:prSet>
+      <dgm:spPr/>
+    </dgm:pt>
+    <dgm:pt modelId="{E3645322-34B6-41D3-8CDC-C3AD388D99FA}" type="pres">
+      <dgm:prSet presAssocID="{87A2EDBA-4516-4BA3-A528-CB093D437CCD}" presName="item2" presStyleLbl="node1" presStyleIdx="1" presStyleCnt="3">
+        <dgm:presLayoutVars>
+          <dgm:bulletEnabled val="1"/>
+        </dgm:presLayoutVars>
+      </dgm:prSet>
+      <dgm:spPr/>
+    </dgm:pt>
+    <dgm:pt modelId="{65B14FC1-7511-4A9F-897A-83C62396B42B}" type="pres">
+      <dgm:prSet presAssocID="{4F86B76B-F766-4373-AFAE-9E33D3CD6E4F}" presName="item3" presStyleLbl="node1" presStyleIdx="2" presStyleCnt="3">
+        <dgm:presLayoutVars>
+          <dgm:bulletEnabled val="1"/>
+        </dgm:presLayoutVars>
+      </dgm:prSet>
+      <dgm:spPr/>
+    </dgm:pt>
+    <dgm:pt modelId="{5EBDF7DB-A897-455C-BBA8-FD7458D8E557}" type="pres">
+      <dgm:prSet presAssocID="{98C60627-D01E-464C-BD8F-509ECE164F0F}" presName="funnel" presStyleLbl="trAlignAcc1" presStyleIdx="0" presStyleCnt="1"/>
+      <dgm:spPr/>
+    </dgm:pt>
+  </dgm:ptLst>
+  <dgm:cxnLst>
+    <dgm:cxn modelId="{5A540D39-8246-45AE-8BA1-DCEA5B295728}" type="presOf" srcId="{87A2EDBA-4516-4BA3-A528-CB093D437CCD}" destId="{1B0FF6FA-4940-44C7-A4BD-34403774B5B7}" srcOrd="0" destOrd="0" presId="urn:microsoft.com/office/officeart/2005/8/layout/funnel1"/>
+    <dgm:cxn modelId="{7B770D3A-E298-44A6-B59B-137475B1AC48}" srcId="{98C60627-D01E-464C-BD8F-509ECE164F0F}" destId="{F43669FF-A965-4527-91E6-68BE3AD2D86E}" srcOrd="0" destOrd="0" parTransId="{465DD080-B920-4BE7-9930-2FEE5D0CA2E1}" sibTransId="{7A32FEBE-81D3-4E99-9842-F359B51096AD}"/>
+    <dgm:cxn modelId="{45F0685E-5828-413B-9EC6-8ABBBF28A6BF}" srcId="{98C60627-D01E-464C-BD8F-509ECE164F0F}" destId="{4F86B76B-F766-4373-AFAE-9E33D3CD6E4F}" srcOrd="3" destOrd="0" parTransId="{9C391FC4-7287-4BE9-B98A-ED70605B4615}" sibTransId="{2F80539C-0E16-4AAA-86BC-FA07956CBB99}"/>
+    <dgm:cxn modelId="{28772B73-C3BB-466A-AD5D-3B91647EBC3D}" type="presOf" srcId="{4F86B76B-F766-4373-AFAE-9E33D3CD6E4F}" destId="{6D12897A-05E3-4231-8B9E-CC0A0247676C}" srcOrd="0" destOrd="0" presId="urn:microsoft.com/office/officeart/2005/8/layout/funnel1"/>
+    <dgm:cxn modelId="{24E4B556-92F6-431D-B376-76A35EBE4915}" type="presOf" srcId="{98C60627-D01E-464C-BD8F-509ECE164F0F}" destId="{1B9CB2C2-ADAC-44AB-BAFD-3DB9F8E709D9}" srcOrd="0" destOrd="0" presId="urn:microsoft.com/office/officeart/2005/8/layout/funnel1"/>
+    <dgm:cxn modelId="{633CE58E-7DE6-4B5E-968A-C51641D35BCA}" srcId="{98C60627-D01E-464C-BD8F-509ECE164F0F}" destId="{F5E2F0FA-2432-48A8-9FBB-B5432CB21706}" srcOrd="1" destOrd="0" parTransId="{3068FFD9-B4F3-4222-ACA0-2EF0D26EE55E}" sibTransId="{0664A86C-8ABB-43A1-8F03-F234793B2294}"/>
+    <dgm:cxn modelId="{3742B49F-992E-4CDF-B698-D813932F7ADA}" type="presOf" srcId="{F5E2F0FA-2432-48A8-9FBB-B5432CB21706}" destId="{E3645322-34B6-41D3-8CDC-C3AD388D99FA}" srcOrd="0" destOrd="0" presId="urn:microsoft.com/office/officeart/2005/8/layout/funnel1"/>
+    <dgm:cxn modelId="{B76671A6-1F66-43A3-9A43-8930AF5B458E}" type="presOf" srcId="{F43669FF-A965-4527-91E6-68BE3AD2D86E}" destId="{65B14FC1-7511-4A9F-897A-83C62396B42B}" srcOrd="0" destOrd="0" presId="urn:microsoft.com/office/officeart/2005/8/layout/funnel1"/>
+    <dgm:cxn modelId="{7BBCC0E6-148F-41F8-BBA4-125E7F293AB3}" srcId="{98C60627-D01E-464C-BD8F-509ECE164F0F}" destId="{87A2EDBA-4516-4BA3-A528-CB093D437CCD}" srcOrd="2" destOrd="0" parTransId="{71B9CE19-E199-4CFD-BA59-8615D002E247}" sibTransId="{1FAE7400-FB5D-4167-8C9B-D243D0D6C0FC}"/>
+    <dgm:cxn modelId="{DD8448E8-3E61-4BDA-A325-69521D56ADC4}" type="presParOf" srcId="{1B9CB2C2-ADAC-44AB-BAFD-3DB9F8E709D9}" destId="{2E39D4D1-FA56-4F54-9D30-65A494B7A427}" srcOrd="0" destOrd="0" presId="urn:microsoft.com/office/officeart/2005/8/layout/funnel1"/>
+    <dgm:cxn modelId="{6D823413-0283-4F5D-9E2D-E19CB52412F0}" type="presParOf" srcId="{1B9CB2C2-ADAC-44AB-BAFD-3DB9F8E709D9}" destId="{B36299C7-DC0F-4E48-85CD-6170CCC51921}" srcOrd="1" destOrd="0" presId="urn:microsoft.com/office/officeart/2005/8/layout/funnel1"/>
+    <dgm:cxn modelId="{EAFEC0C6-E5A8-4968-AA69-DA282A422799}" type="presParOf" srcId="{1B9CB2C2-ADAC-44AB-BAFD-3DB9F8E709D9}" destId="{6D12897A-05E3-4231-8B9E-CC0A0247676C}" srcOrd="2" destOrd="0" presId="urn:microsoft.com/office/officeart/2005/8/layout/funnel1"/>
+    <dgm:cxn modelId="{BB0B4514-EBE4-402D-A70A-1177D2B69EA3}" type="presParOf" srcId="{1B9CB2C2-ADAC-44AB-BAFD-3DB9F8E709D9}" destId="{1B0FF6FA-4940-44C7-A4BD-34403774B5B7}" srcOrd="3" destOrd="0" presId="urn:microsoft.com/office/officeart/2005/8/layout/funnel1"/>
+    <dgm:cxn modelId="{9F209B81-D04C-47F0-9F07-497D51601EF2}" type="presParOf" srcId="{1B9CB2C2-ADAC-44AB-BAFD-3DB9F8E709D9}" destId="{E3645322-34B6-41D3-8CDC-C3AD388D99FA}" srcOrd="4" destOrd="0" presId="urn:microsoft.com/office/officeart/2005/8/layout/funnel1"/>
+    <dgm:cxn modelId="{F3D2952D-1B1D-49D8-ADF4-7E4D65C4AC40}" type="presParOf" srcId="{1B9CB2C2-ADAC-44AB-BAFD-3DB9F8E709D9}" destId="{65B14FC1-7511-4A9F-897A-83C62396B42B}" srcOrd="5" destOrd="0" presId="urn:microsoft.com/office/officeart/2005/8/layout/funnel1"/>
+    <dgm:cxn modelId="{EFFE148B-3675-4076-8C73-E2B9504853D1}" type="presParOf" srcId="{1B9CB2C2-ADAC-44AB-BAFD-3DB9F8E709D9}" destId="{5EBDF7DB-A897-455C-BBA8-FD7458D8E557}" srcOrd="6" destOrd="0" presId="urn:microsoft.com/office/officeart/2005/8/layout/funnel1"/>
+  </dgm:cxnLst>
+  <dgm:bg/>
+  <dgm:whole/>
+  <dgm:extLst>
+    <a:ext uri="http://schemas.microsoft.com/office/drawing/2008/diagram">
+      <dsp:dataModelExt xmlns:dsp="http://schemas.microsoft.com/office/drawing/2008/diagram" relId="rId6" minVer="http://schemas.openxmlformats.org/drawingml/2006/diagram"/>
+    </a:ext>
+  </dgm:extLst>
+</dgm:dataModel>
+</file>
+
+<file path=ppt/diagrams/drawing1.xml><?xml version="1.0" encoding="utf-8"?>
+<dsp:drawing xmlns:dgm="http://schemas.openxmlformats.org/drawingml/2006/diagram" xmlns:dsp="http://schemas.microsoft.com/office/drawing/2008/diagram" xmlns:a="http://schemas.openxmlformats.org/drawingml/2006/main">
+  <dsp:spTree>
+    <dsp:nvGrpSpPr>
+      <dsp:cNvPr id="0" name=""/>
+      <dsp:cNvGrpSpPr/>
+    </dsp:nvGrpSpPr>
+    <dsp:grpSpPr/>
+    <dsp:sp modelId="{2E39D4D1-FA56-4F54-9D30-65A494B7A427}">
+      <dsp:nvSpPr>
+        <dsp:cNvPr id="0" name=""/>
+        <dsp:cNvSpPr/>
+      </dsp:nvSpPr>
+      <dsp:spPr>
+        <a:xfrm>
+          <a:off x="3190726" y="170904"/>
+          <a:ext cx="3391792" cy="1177925"/>
+        </a:xfrm>
+        <a:prstGeom prst="ellipse">
+          <a:avLst/>
+        </a:prstGeom>
+        <a:solidFill>
+          <a:schemeClr val="accent1">
+            <a:tint val="50000"/>
+            <a:alpha val="40000"/>
+            <a:hueOff val="0"/>
+            <a:satOff val="0"/>
+            <a:lumOff val="0"/>
+            <a:alphaOff val="0"/>
+          </a:schemeClr>
+        </a:solidFill>
+        <a:ln>
+          <a:noFill/>
+        </a:ln>
+        <a:effectLst/>
+      </dsp:spPr>
+      <dsp:style>
+        <a:lnRef idx="0">
+          <a:scrgbClr r="0" g="0" b="0"/>
+        </a:lnRef>
+        <a:fillRef idx="1">
+          <a:scrgbClr r="0" g="0" b="0"/>
+        </a:fillRef>
+        <a:effectRef idx="0">
+          <a:scrgbClr r="0" g="0" b="0"/>
+        </a:effectRef>
+        <a:fontRef idx="minor"/>
+      </dsp:style>
+    </dsp:sp>
+    <dsp:sp modelId="{B36299C7-DC0F-4E48-85CD-6170CCC51921}">
+      <dsp:nvSpPr>
+        <dsp:cNvPr id="0" name=""/>
+        <dsp:cNvSpPr/>
+      </dsp:nvSpPr>
+      <dsp:spPr>
+        <a:xfrm>
+          <a:off x="4563219" y="3055242"/>
+          <a:ext cx="657324" cy="420687"/>
+        </a:xfrm>
+        <a:prstGeom prst="downArrow">
+          <a:avLst/>
+        </a:prstGeom>
+        <a:gradFill rotWithShape="0">
+          <a:gsLst>
+            <a:gs pos="0">
+              <a:schemeClr val="accent2">
+                <a:tint val="40000"/>
+                <a:hueOff val="0"/>
+                <a:satOff val="0"/>
+                <a:lumOff val="0"/>
+                <a:alphaOff val="0"/>
+                <a:tint val="85000"/>
+                <a:shade val="98000"/>
+                <a:satMod val="110000"/>
+                <a:lumMod val="103000"/>
+              </a:schemeClr>
+            </a:gs>
+            <a:gs pos="50000">
+              <a:schemeClr val="accent2">
+                <a:tint val="40000"/>
+                <a:hueOff val="0"/>
+                <a:satOff val="0"/>
+                <a:lumOff val="0"/>
+                <a:alphaOff val="0"/>
+                <a:shade val="85000"/>
+                <a:satMod val="105000"/>
+                <a:lumMod val="100000"/>
+              </a:schemeClr>
+            </a:gs>
+            <a:gs pos="100000">
+              <a:schemeClr val="accent2">
+                <a:tint val="40000"/>
+                <a:hueOff val="0"/>
+                <a:satOff val="0"/>
+                <a:lumOff val="0"/>
+                <a:alphaOff val="0"/>
+                <a:shade val="60000"/>
+                <a:satMod val="120000"/>
+                <a:lumMod val="100000"/>
+              </a:schemeClr>
+            </a:gs>
+          </a:gsLst>
+          <a:lin ang="5400000" scaled="0"/>
+        </a:gradFill>
+        <a:ln>
+          <a:noFill/>
+        </a:ln>
+        <a:effectLst>
+          <a:outerShdw blurRad="88900" dist="27940" dir="5400000" algn="ctr" rotWithShape="0">
+            <a:srgbClr val="000000">
+              <a:alpha val="63000"/>
+            </a:srgbClr>
+          </a:outerShdw>
+        </a:effectLst>
+      </dsp:spPr>
+      <dsp:style>
+        <a:lnRef idx="0">
+          <a:scrgbClr r="0" g="0" b="0"/>
+        </a:lnRef>
+        <a:fillRef idx="3">
+          <a:scrgbClr r="0" g="0" b="0"/>
+        </a:fillRef>
+        <a:effectRef idx="3">
+          <a:scrgbClr r="0" g="0" b="0"/>
+        </a:effectRef>
+        <a:fontRef idx="minor"/>
+      </dsp:style>
+    </dsp:sp>
+    <dsp:sp modelId="{6D12897A-05E3-4231-8B9E-CC0A0247676C}">
+      <dsp:nvSpPr>
+        <dsp:cNvPr id="0" name=""/>
+        <dsp:cNvSpPr/>
+      </dsp:nvSpPr>
+      <dsp:spPr>
+        <a:xfrm>
+          <a:off x="3314303" y="3391792"/>
+          <a:ext cx="3155156" cy="788789"/>
+        </a:xfrm>
+        <a:prstGeom prst="rect">
+          <a:avLst/>
+        </a:prstGeom>
+        <a:noFill/>
+        <a:ln>
+          <a:noFill/>
+        </a:ln>
+        <a:effectLst/>
+      </dsp:spPr>
+      <dsp:style>
+        <a:lnRef idx="0">
+          <a:scrgbClr r="0" g="0" b="0"/>
+        </a:lnRef>
+        <a:fillRef idx="0">
+          <a:scrgbClr r="0" g="0" b="0"/>
+        </a:fillRef>
+        <a:effectRef idx="0">
+          <a:scrgbClr r="0" g="0" b="0"/>
+        </a:effectRef>
+        <a:fontRef idx="minor"/>
+      </dsp:style>
+      <dsp:txBody>
+        <a:bodyPr spcFirstLastPara="0" vert="horz" wrap="square" lIns="170688" tIns="170688" rIns="170688" bIns="170688" numCol="1" spcCol="1270" anchor="ctr" anchorCtr="0">
+          <a:noAutofit/>
+        </a:bodyPr>
+        <a:lstStyle/>
+        <a:p>
+          <a:pPr marL="0" lvl="0" indent="0" algn="ctr" defTabSz="1066800">
+            <a:lnSpc>
+              <a:spcPct val="90000"/>
+            </a:lnSpc>
+            <a:spcBef>
+              <a:spcPct val="0"/>
+            </a:spcBef>
+            <a:spcAft>
+              <a:spcPct val="35000"/>
+            </a:spcAft>
+            <a:buNone/>
+          </a:pPr>
+          <a:r>
+            <a:rPr lang="en-US" sz="2400" kern="1200" dirty="0"/>
+            <a:t>Output 1 , Output 2, …</a:t>
+          </a:r>
+        </a:p>
+      </dsp:txBody>
+      <dsp:txXfrm>
+        <a:off x="3314303" y="3391792"/>
+        <a:ext cx="3155156" cy="788789"/>
+      </dsp:txXfrm>
+    </dsp:sp>
+    <dsp:sp modelId="{1B0FF6FA-4940-44C7-A4BD-34403774B5B7}">
+      <dsp:nvSpPr>
+        <dsp:cNvPr id="0" name=""/>
+        <dsp:cNvSpPr/>
+      </dsp:nvSpPr>
+      <dsp:spPr>
+        <a:xfrm>
+          <a:off x="4423866" y="1439802"/>
+          <a:ext cx="1183183" cy="1183183"/>
+        </a:xfrm>
+        <a:prstGeom prst="ellipse">
+          <a:avLst/>
+        </a:prstGeom>
+        <a:gradFill rotWithShape="0">
+          <a:gsLst>
+            <a:gs pos="0">
+              <a:schemeClr val="accent2">
+                <a:hueOff val="0"/>
+                <a:satOff val="0"/>
+                <a:lumOff val="0"/>
+                <a:alphaOff val="0"/>
+                <a:tint val="85000"/>
+                <a:shade val="98000"/>
+                <a:satMod val="110000"/>
+                <a:lumMod val="103000"/>
+              </a:schemeClr>
+            </a:gs>
+            <a:gs pos="50000">
+              <a:schemeClr val="accent2">
+                <a:hueOff val="0"/>
+                <a:satOff val="0"/>
+                <a:lumOff val="0"/>
+                <a:alphaOff val="0"/>
+                <a:shade val="85000"/>
+                <a:satMod val="105000"/>
+                <a:lumMod val="100000"/>
+              </a:schemeClr>
+            </a:gs>
+            <a:gs pos="100000">
+              <a:schemeClr val="accent2">
+                <a:hueOff val="0"/>
+                <a:satOff val="0"/>
+                <a:lumOff val="0"/>
+                <a:alphaOff val="0"/>
+                <a:shade val="60000"/>
+                <a:satMod val="120000"/>
+                <a:lumMod val="100000"/>
+              </a:schemeClr>
+            </a:gs>
+          </a:gsLst>
+          <a:lin ang="5400000" scaled="0"/>
+        </a:gradFill>
+        <a:ln>
+          <a:noFill/>
+        </a:ln>
+        <a:effectLst>
+          <a:outerShdw blurRad="88900" dist="27940" dir="5400000" algn="ctr" rotWithShape="0">
+            <a:srgbClr val="000000">
+              <a:alpha val="63000"/>
+            </a:srgbClr>
+          </a:outerShdw>
+        </a:effectLst>
+      </dsp:spPr>
+      <dsp:style>
+        <a:lnRef idx="0">
+          <a:scrgbClr r="0" g="0" b="0"/>
+        </a:lnRef>
+        <a:fillRef idx="3">
+          <a:scrgbClr r="0" g="0" b="0"/>
+        </a:fillRef>
+        <a:effectRef idx="3">
+          <a:scrgbClr r="0" g="0" b="0"/>
+        </a:effectRef>
+        <a:fontRef idx="minor">
+          <a:schemeClr val="lt1"/>
+        </a:fontRef>
+      </dsp:style>
+      <dsp:txBody>
+        <a:bodyPr spcFirstLastPara="0" vert="horz" wrap="square" lIns="34290" tIns="34290" rIns="34290" bIns="34290" numCol="1" spcCol="1270" anchor="ctr" anchorCtr="0">
+          <a:noAutofit/>
+        </a:bodyPr>
+        <a:lstStyle/>
+        <a:p>
+          <a:pPr marL="0" lvl="0" indent="0" algn="ctr" defTabSz="1200150">
+            <a:lnSpc>
+              <a:spcPct val="90000"/>
+            </a:lnSpc>
+            <a:spcBef>
+              <a:spcPct val="0"/>
+            </a:spcBef>
+            <a:spcAft>
+              <a:spcPct val="35000"/>
+            </a:spcAft>
+            <a:buNone/>
+          </a:pPr>
+          <a:r>
+            <a:rPr lang="en-US" sz="2700" kern="1200" dirty="0"/>
+            <a:t>Input 3</a:t>
+          </a:r>
+        </a:p>
+      </dsp:txBody>
+      <dsp:txXfrm>
+        <a:off x="4597139" y="1613075"/>
+        <a:ext cx="836637" cy="836637"/>
+      </dsp:txXfrm>
+    </dsp:sp>
+    <dsp:sp modelId="{E3645322-34B6-41D3-8CDC-C3AD388D99FA}">
+      <dsp:nvSpPr>
+        <dsp:cNvPr id="0" name=""/>
+        <dsp:cNvSpPr/>
+      </dsp:nvSpPr>
+      <dsp:spPr>
+        <a:xfrm>
+          <a:off x="3577233" y="552152"/>
+          <a:ext cx="1183183" cy="1183183"/>
+        </a:xfrm>
+        <a:prstGeom prst="ellipse">
+          <a:avLst/>
+        </a:prstGeom>
+        <a:gradFill rotWithShape="0">
+          <a:gsLst>
+            <a:gs pos="0">
+              <a:schemeClr val="accent3">
+                <a:hueOff val="0"/>
+                <a:satOff val="0"/>
+                <a:lumOff val="0"/>
+                <a:alphaOff val="0"/>
+                <a:tint val="85000"/>
+                <a:shade val="98000"/>
+                <a:satMod val="110000"/>
+                <a:lumMod val="103000"/>
+              </a:schemeClr>
+            </a:gs>
+            <a:gs pos="50000">
+              <a:schemeClr val="accent3">
+                <a:hueOff val="0"/>
+                <a:satOff val="0"/>
+                <a:lumOff val="0"/>
+                <a:alphaOff val="0"/>
+                <a:shade val="85000"/>
+                <a:satMod val="105000"/>
+                <a:lumMod val="100000"/>
+              </a:schemeClr>
+            </a:gs>
+            <a:gs pos="100000">
+              <a:schemeClr val="accent3">
+                <a:hueOff val="0"/>
+                <a:satOff val="0"/>
+                <a:lumOff val="0"/>
+                <a:alphaOff val="0"/>
+                <a:shade val="60000"/>
+                <a:satMod val="120000"/>
+                <a:lumMod val="100000"/>
+              </a:schemeClr>
+            </a:gs>
+          </a:gsLst>
+          <a:lin ang="5400000" scaled="0"/>
+        </a:gradFill>
+        <a:ln>
+          <a:noFill/>
+        </a:ln>
+        <a:effectLst>
+          <a:outerShdw blurRad="88900" dist="27940" dir="5400000" algn="ctr" rotWithShape="0">
+            <a:srgbClr val="000000">
+              <a:alpha val="63000"/>
+            </a:srgbClr>
+          </a:outerShdw>
+        </a:effectLst>
+      </dsp:spPr>
+      <dsp:style>
+        <a:lnRef idx="0">
+          <a:scrgbClr r="0" g="0" b="0"/>
+        </a:lnRef>
+        <a:fillRef idx="3">
+          <a:scrgbClr r="0" g="0" b="0"/>
+        </a:fillRef>
+        <a:effectRef idx="3">
+          <a:scrgbClr r="0" g="0" b="0"/>
+        </a:effectRef>
+        <a:fontRef idx="minor">
+          <a:schemeClr val="lt1"/>
+        </a:fontRef>
+      </dsp:style>
+      <dsp:txBody>
+        <a:bodyPr spcFirstLastPara="0" vert="horz" wrap="square" lIns="34290" tIns="34290" rIns="34290" bIns="34290" numCol="1" spcCol="1270" anchor="ctr" anchorCtr="0">
+          <a:noAutofit/>
+        </a:bodyPr>
+        <a:lstStyle/>
+        <a:p>
+          <a:pPr marL="0" lvl="0" indent="0" algn="ctr" defTabSz="1200150">
+            <a:lnSpc>
+              <a:spcPct val="90000"/>
+            </a:lnSpc>
+            <a:spcBef>
+              <a:spcPct val="0"/>
+            </a:spcBef>
+            <a:spcAft>
+              <a:spcPct val="35000"/>
+            </a:spcAft>
+            <a:buNone/>
+          </a:pPr>
+          <a:r>
+            <a:rPr lang="en-US" sz="2700" kern="1200" dirty="0"/>
+            <a:t>Input 2</a:t>
+          </a:r>
+        </a:p>
+      </dsp:txBody>
+      <dsp:txXfrm>
+        <a:off x="3750506" y="725425"/>
+        <a:ext cx="836637" cy="836637"/>
+      </dsp:txXfrm>
+    </dsp:sp>
+    <dsp:sp modelId="{65B14FC1-7511-4A9F-897A-83C62396B42B}">
+      <dsp:nvSpPr>
+        <dsp:cNvPr id="0" name=""/>
+        <dsp:cNvSpPr/>
+      </dsp:nvSpPr>
+      <dsp:spPr>
+        <a:xfrm>
+          <a:off x="4786709" y="266084"/>
+          <a:ext cx="1183183" cy="1183183"/>
+        </a:xfrm>
+        <a:prstGeom prst="ellipse">
+          <a:avLst/>
+        </a:prstGeom>
+        <a:gradFill rotWithShape="0">
+          <a:gsLst>
+            <a:gs pos="0">
+              <a:schemeClr val="accent4">
+                <a:hueOff val="0"/>
+                <a:satOff val="0"/>
+                <a:lumOff val="0"/>
+                <a:alphaOff val="0"/>
+                <a:tint val="85000"/>
+                <a:shade val="98000"/>
+                <a:satMod val="110000"/>
+                <a:lumMod val="103000"/>
+              </a:schemeClr>
+            </a:gs>
+            <a:gs pos="50000">
+              <a:schemeClr val="accent4">
+                <a:hueOff val="0"/>
+                <a:satOff val="0"/>
+                <a:lumOff val="0"/>
+                <a:alphaOff val="0"/>
+                <a:shade val="85000"/>
+                <a:satMod val="105000"/>
+                <a:lumMod val="100000"/>
+              </a:schemeClr>
+            </a:gs>
+            <a:gs pos="100000">
+              <a:schemeClr val="accent4">
+                <a:hueOff val="0"/>
+                <a:satOff val="0"/>
+                <a:lumOff val="0"/>
+                <a:alphaOff val="0"/>
+                <a:shade val="60000"/>
+                <a:satMod val="120000"/>
+                <a:lumMod val="100000"/>
+              </a:schemeClr>
+            </a:gs>
+          </a:gsLst>
+          <a:lin ang="5400000" scaled="0"/>
+        </a:gradFill>
+        <a:ln>
+          <a:noFill/>
+        </a:ln>
+        <a:effectLst>
+          <a:outerShdw blurRad="88900" dist="27940" dir="5400000" algn="ctr" rotWithShape="0">
+            <a:srgbClr val="000000">
+              <a:alpha val="63000"/>
+            </a:srgbClr>
+          </a:outerShdw>
+        </a:effectLst>
+      </dsp:spPr>
+      <dsp:style>
+        <a:lnRef idx="0">
+          <a:scrgbClr r="0" g="0" b="0"/>
+        </a:lnRef>
+        <a:fillRef idx="3">
+          <a:scrgbClr r="0" g="0" b="0"/>
+        </a:fillRef>
+        <a:effectRef idx="3">
+          <a:scrgbClr r="0" g="0" b="0"/>
+        </a:effectRef>
+        <a:fontRef idx="minor">
+          <a:schemeClr val="lt1"/>
+        </a:fontRef>
+      </dsp:style>
+      <dsp:txBody>
+        <a:bodyPr spcFirstLastPara="0" vert="horz" wrap="square" lIns="34290" tIns="34290" rIns="34290" bIns="34290" numCol="1" spcCol="1270" anchor="ctr" anchorCtr="0">
+          <a:noAutofit/>
+        </a:bodyPr>
+        <a:lstStyle/>
+        <a:p>
+          <a:pPr marL="0" lvl="0" indent="0" algn="ctr" defTabSz="1200150">
+            <a:lnSpc>
+              <a:spcPct val="90000"/>
+            </a:lnSpc>
+            <a:spcBef>
+              <a:spcPct val="0"/>
+            </a:spcBef>
+            <a:spcAft>
+              <a:spcPct val="35000"/>
+            </a:spcAft>
+            <a:buNone/>
+          </a:pPr>
+          <a:r>
+            <a:rPr lang="en-US" sz="2700" kern="1200" dirty="0"/>
+            <a:t>Input 1</a:t>
+          </a:r>
+        </a:p>
+      </dsp:txBody>
+      <dsp:txXfrm>
+        <a:off x="4959982" y="439357"/>
+        <a:ext cx="836637" cy="836637"/>
+      </dsp:txXfrm>
+    </dsp:sp>
+    <dsp:sp modelId="{5EBDF7DB-A897-455C-BBA8-FD7458D8E557}">
+      <dsp:nvSpPr>
+        <dsp:cNvPr id="0" name=""/>
+        <dsp:cNvSpPr/>
+      </dsp:nvSpPr>
+      <dsp:spPr>
+        <a:xfrm>
+          <a:off x="3051373" y="26292"/>
+          <a:ext cx="3681015" cy="2944812"/>
+        </a:xfrm>
+        <a:prstGeom prst="funnel">
+          <a:avLst/>
+        </a:prstGeom>
+        <a:solidFill>
+          <a:schemeClr val="lt1">
+            <a:alpha val="40000"/>
+            <a:hueOff val="0"/>
+            <a:satOff val="0"/>
+            <a:lumOff val="0"/>
+            <a:alphaOff val="0"/>
+          </a:schemeClr>
+        </a:solidFill>
+        <a:ln w="9525" cap="flat" cmpd="sng" algn="ctr">
+          <a:solidFill>
+            <a:schemeClr val="accent1">
+              <a:hueOff val="0"/>
+              <a:satOff val="0"/>
+              <a:lumOff val="0"/>
+              <a:alphaOff val="0"/>
+            </a:schemeClr>
+          </a:solidFill>
+          <a:prstDash val="solid"/>
+        </a:ln>
+        <a:effectLst/>
+      </dsp:spPr>
+      <dsp:style>
+        <a:lnRef idx="1">
+          <a:scrgbClr r="0" g="0" b="0"/>
+        </a:lnRef>
+        <a:fillRef idx="1">
+          <a:scrgbClr r="0" g="0" b="0"/>
+        </a:fillRef>
+        <a:effectRef idx="0">
+          <a:scrgbClr r="0" g="0" b="0"/>
+        </a:effectRef>
+        <a:fontRef idx="minor"/>
+      </dsp:style>
+    </dsp:sp>
+  </dsp:spTree>
+</dsp:drawing>
+</file>
+
+<file path=ppt/diagrams/layout1.xml><?xml version="1.0" encoding="utf-8"?>
+<dgm:layoutDef xmlns:dgm="http://schemas.openxmlformats.org/drawingml/2006/diagram" xmlns:a="http://schemas.openxmlformats.org/drawingml/2006/main" uniqueId="urn:microsoft.com/office/officeart/2005/8/layout/funnel1">
+  <dgm:title val=""/>
+  <dgm:desc val=""/>
+  <dgm:catLst>
+    <dgm:cat type="relationship" pri="2000"/>
+    <dgm:cat type="process" pri="27000"/>
+  </dgm:catLst>
+  <dgm:sampData>
+    <dgm:dataModel>
+      <dgm:ptLst>
+        <dgm:pt modelId="0" type="doc"/>
+        <dgm:pt modelId="1">
+          <dgm:prSet phldr="1"/>
+        </dgm:pt>
+        <dgm:pt modelId="2">
+          <dgm:prSet phldr="1"/>
+        </dgm:pt>
+        <dgm:pt modelId="3">
+          <dgm:prSet phldr="1"/>
+        </dgm:pt>
+        <dgm:pt modelId="4">
+          <dgm:prSet phldr="1"/>
+        </dgm:pt>
+      </dgm:ptLst>
+      <dgm:cxnLst>
+        <dgm:cxn modelId="5" srcId="0" destId="1" srcOrd="0" destOrd="0"/>
+        <dgm:cxn modelId="6" srcId="0" destId="2" srcOrd="1" destOrd="0"/>
+        <dgm:cxn modelId="7" srcId="0" destId="3" srcOrd="2" destOrd="0"/>
+        <dgm:cxn modelId="8" srcId="0" destId="4" srcOrd="3" destOrd="0"/>
+      </dgm:cxnLst>
+      <dgm:bg/>
+      <dgm:whole/>
+    </dgm:dataModel>
+  </dgm:sampData>
+  <dgm:styleData>
+    <dgm:dataModel>
+      <dgm:ptLst>
+        <dgm:pt modelId="0" type="doc"/>
+        <dgm:pt modelId="1"/>
+        <dgm:pt modelId="2"/>
+      </dgm:ptLst>
+      <dgm:cxnLst>
+        <dgm:cxn modelId="3" srcId="0" destId="1" srcOrd="0" destOrd="0"/>
+        <dgm:cxn modelId="4" srcId="0" destId="2" srcOrd="1" destOrd="0"/>
+      </dgm:cxnLst>
+      <dgm:bg/>
+      <dgm:whole/>
+    </dgm:dataModel>
+  </dgm:styleData>
+  <dgm:clrData>
+    <dgm:dataModel>
+      <dgm:ptLst>
+        <dgm:pt modelId="0" type="doc"/>
+        <dgm:pt modelId="1"/>
+        <dgm:pt modelId="2"/>
+        <dgm:pt modelId="3"/>
+        <dgm:pt modelId="4"/>
+      </dgm:ptLst>
+      <dgm:cxnLst>
+        <dgm:cxn modelId="5" srcId="0" destId="1" srcOrd="0" destOrd="0"/>
+        <dgm:cxn modelId="6" srcId="0" destId="2" srcOrd="1" destOrd="0"/>
+        <dgm:cxn modelId="7" srcId="0" destId="3" srcOrd="2" destOrd="0"/>
+        <dgm:cxn modelId="8" srcId="0" destId="4" srcOrd="3" destOrd="0"/>
+      </dgm:cxnLst>
+      <dgm:bg/>
+      <dgm:whole/>
+    </dgm:dataModel>
+  </dgm:clrData>
+  <dgm:layoutNode name="Name0">
+    <dgm:varLst>
+      <dgm:chMax val="4"/>
+      <dgm:resizeHandles val="exact"/>
+    </dgm:varLst>
+    <dgm:alg type="composite">
+      <dgm:param type="ar" val="1.25"/>
+    </dgm:alg>
+    <dgm:shape xmlns:r="http://schemas.openxmlformats.org/officeDocument/2006/relationships" r:blip="">
+      <dgm:adjLst/>
+    </dgm:shape>
+    <dgm:presOf/>
+    <dgm:choose name="Name1">
+      <dgm:if name="Name2" axis="ch" ptType="node" func="cnt" op="equ" val="2">
+        <dgm:constrLst>
+          <dgm:constr type="w" for="ch" forName="ellipse" refType="w" fact="0.645"/>
+          <dgm:constr type="h" for="ch" forName="ellipse" refType="h" fact="0.28"/>
+          <dgm:constr type="t" for="ch" forName="ellipse" refType="w" fact="0.0275"/>
+          <dgm:constr type="l" for="ch" forName="ellipse" refType="w" fact="0.0265"/>
+          <dgm:constr type="w" for="ch" forName="arrow1" refType="w" fact="0.125"/>
+          <dgm:constr type="h" for="ch" forName="arrow1" refType="h" fact="0.1"/>
+          <dgm:constr type="t" for="ch" forName="arrow1" refType="h" fact="0.72"/>
+          <dgm:constr type="l" for="ch" forName="arrow1" refType="w" fact="0.2875"/>
+          <dgm:constr type="w" for="ch" forName="rectangle" refType="w" fact="0.6"/>
+          <dgm:constr type="h" for="ch" forName="rectangle" refType="w" refFor="ch" refForName="rectangle" fact="0.25"/>
+          <dgm:constr type="t" for="ch" forName="rectangle" refType="h" fact="0.8"/>
+          <dgm:constr type="l" for="ch" forName="rectangle" refType="w" fact="0.05"/>
+          <dgm:constr type="w" for="ch" forName="item1" refType="w" fact="0.35"/>
+          <dgm:constr type="h" for="ch" forName="item1" refType="w" fact="0.35"/>
+          <dgm:constr type="t" for="ch" forName="item1" refType="h" fact="0.05"/>
+          <dgm:constr type="l" for="ch" forName="item1" refType="w" fact="0.125"/>
+          <dgm:constr type="primFontSz" for="ch" forName="item1" op="equ" val="65"/>
+          <dgm:constr type="w" for="ch" forName="funnel" refType="w" fact="0.7"/>
+          <dgm:constr type="h" for="ch" forName="funnel" refType="h" fact="0.7"/>
+          <dgm:constr type="t" for="ch" forName="funnel"/>
+          <dgm:constr type="l" for="ch" forName="funnel"/>
+        </dgm:constrLst>
+      </dgm:if>
+      <dgm:else name="Name3">
+        <dgm:constrLst>
+          <dgm:constr type="w" for="ch" forName="ellipse" refType="w" fact="0.645"/>
+          <dgm:constr type="h" for="ch" forName="ellipse" refType="h" fact="0.28"/>
+          <dgm:constr type="t" for="ch" forName="ellipse" refType="w" fact="0.0275"/>
+          <dgm:constr type="l" for="ch" forName="ellipse" refType="w" fact="0.0265"/>
+          <dgm:constr type="w" for="ch" forName="arrow1" refType="w" fact="0.125"/>
+          <dgm:constr type="h" for="ch" forName="arrow1" refType="h" fact="0.1"/>
+          <dgm:constr type="t" for="ch" forName="arrow1" refType="h" fact="0.72"/>
+          <dgm:constr type="l" for="ch" forName="arrow1" refType="w" fact="0.2875"/>
+          <dgm:constr type="w" for="ch" forName="rectangle" refType="w" fact="0.6"/>
+          <dgm:constr type="h" for="ch" forName="rectangle" refType="w" refFor="ch" refForName="rectangle" fact="0.25"/>
+          <dgm:constr type="t" for="ch" forName="rectangle" refType="h" fact="0.8"/>
+          <dgm:constr type="l" for="ch" forName="rectangle" refType="w" fact="0.05"/>
+          <dgm:constr type="primFontSz" for="ch" forName="rectangle" val="65"/>
+          <dgm:constr type="w" for="ch" forName="item1" refType="w" fact="0.225"/>
+          <dgm:constr type="h" for="ch" forName="item1" refType="w" fact="0.225"/>
+          <dgm:constr type="t" for="ch" forName="item1" refType="h" fact="0.336"/>
+          <dgm:constr type="l" for="ch" forName="item1" refType="w" fact="0.261"/>
+          <dgm:constr type="primFontSz" for="ch" forName="item1" val="65"/>
+          <dgm:constr type="w" for="ch" forName="item2" refType="w" fact="0.225"/>
+          <dgm:constr type="h" for="ch" forName="item2" refType="w" fact="0.225"/>
+          <dgm:constr type="t" for="ch" forName="item2" refType="h" fact="0.125"/>
+          <dgm:constr type="l" for="ch" forName="item2" refType="w" fact="0.1"/>
+          <dgm:constr type="primFontSz" for="ch" forName="item2" refType="primFontSz" refFor="ch" refForName="item1" op="equ"/>
+          <dgm:constr type="w" for="ch" forName="item3" refType="w" fact="0.225"/>
+          <dgm:constr type="h" for="ch" forName="item3" refType="w" fact="0.225"/>
+          <dgm:constr type="t" for="ch" forName="item3" refType="h" fact="0.057"/>
+          <dgm:constr type="l" for="ch" forName="item3" refType="w" fact="0.33"/>
+          <dgm:constr type="primFontSz" for="ch" forName="item3" refType="primFontSz" refFor="ch" refForName="item1" op="equ"/>
+          <dgm:constr type="w" for="ch" forName="funnel" refType="w" fact="0.7"/>
+          <dgm:constr type="h" for="ch" forName="funnel" refType="h" fact="0.7"/>
+          <dgm:constr type="t" for="ch" forName="funnel"/>
+          <dgm:constr type="l" for="ch" forName="funnel"/>
+        </dgm:constrLst>
+      </dgm:else>
+    </dgm:choose>
+    <dgm:ruleLst/>
+    <dgm:choose name="Name4">
+      <dgm:if name="Name5" axis="ch" ptType="node" func="cnt" op="gte" val="1">
+        <dgm:layoutNode name="ellipse" styleLbl="trBgShp">
+          <dgm:alg type="sp"/>
+          <dgm:shape xmlns:r="http://schemas.openxmlformats.org/officeDocument/2006/relationships" type="ellipse" r:blip="">
+            <dgm:adjLst/>
+          </dgm:shape>
+          <dgm:presOf/>
+          <dgm:constrLst/>
+          <dgm:ruleLst/>
+        </dgm:layoutNode>
+        <dgm:layoutNode name="arrow1" styleLbl="fgShp">
+          <dgm:alg type="sp"/>
+          <dgm:shape xmlns:r="http://schemas.openxmlformats.org/officeDocument/2006/relationships" type="downArrow" r:blip="">
+            <dgm:adjLst/>
+          </dgm:shape>
+          <dgm:presOf/>
+          <dgm:constrLst/>
+          <dgm:ruleLst/>
+        </dgm:layoutNode>
+        <dgm:layoutNode name="rectangle" styleLbl="revTx">
+          <dgm:varLst>
+            <dgm:bulletEnabled val="1"/>
+          </dgm:varLst>
+          <dgm:alg type="tx">
+            <dgm:param type="txAnchorHorzCh" val="ctr"/>
+          </dgm:alg>
+          <dgm:shape xmlns:r="http://schemas.openxmlformats.org/officeDocument/2006/relationships" type="rect" r:blip="">
+            <dgm:adjLst/>
+          </dgm:shape>
+          <dgm:choose name="Name6">
+            <dgm:if name="Name7" axis="ch" ptType="node" func="cnt" op="equ" val="1">
+              <dgm:presOf axis="ch desOrSelf" ptType="node node" st="1 1" cnt="1 0"/>
+            </dgm:if>
+            <dgm:if name="Name8" axis="ch" ptType="node" func="cnt" op="equ" val="2">
+              <dgm:presOf axis="ch desOrSelf" ptType="node node" st="2 1" cnt="1 0"/>
+            </dgm:if>
+            <dgm:if name="Name9" axis="ch" ptType="node" func="cnt" op="equ" val="3">
+              <dgm:presOf axis="ch desOrSelf" ptType="node node" st="3 1" cnt="1 0"/>
+            </dgm:if>
+            <dgm:else name="Name10">
+              <dgm:presOf axis="ch desOrSelf" ptType="node node" st="4 1" cnt="1 0"/>
+            </dgm:else>
+          </dgm:choose>
+          <dgm:constrLst/>
+          <dgm:ruleLst>
+            <dgm:rule type="primFontSz" val="5" fact="NaN" max="NaN"/>
+          </dgm:ruleLst>
+        </dgm:layoutNode>
+        <dgm:forEach name="Name11" axis="ch" ptType="node" st="2" cnt="1">
+          <dgm:layoutNode name="item1" styleLbl="node1">
+            <dgm:varLst>
+              <dgm:bulletEnabled val="1"/>
+            </dgm:varLst>
+            <dgm:alg type="tx">
+              <dgm:param type="txAnchorVertCh" val="mid"/>
+            </dgm:alg>
+            <dgm:shape xmlns:r="http://schemas.openxmlformats.org/officeDocument/2006/relationships" type="ellipse" r:blip="">
+              <dgm:adjLst/>
+            </dgm:shape>
+            <dgm:choose name="Name12">
+              <dgm:if name="Name13" axis="root ch" ptType="all node" func="cnt" op="equ" val="1">
+                <dgm:presOf/>
+              </dgm:if>
+              <dgm:if name="Name14" axis="root ch" ptType="all node" func="cnt" op="equ" val="2">
+                <dgm:presOf axis="root ch desOrSelf" ptType="all node node" st="1 1 1" cnt="0 1 0"/>
+              </dgm:if>
+              <dgm:if name="Name15" axis="root ch" ptType="all node" func="cnt" op="equ" val="3">
+                <dgm:presOf axis="root ch desOrSelf" ptType="all node node" st="1 2 1" cnt="0 1 0"/>
+              </dgm:if>
+              <dgm:else name="Name16">
+                <dgm:presOf axis="root ch desOrSelf" ptType="all node node" st="1 3 1" cnt="0 1 0"/>
+              </dgm:else>
+            </dgm:choose>
+            <dgm:constrLst>
+              <dgm:constr type="tMarg" refType="primFontSz" fact="0.1"/>
+              <dgm:constr type="bMarg" refType="primFontSz" fact="0.1"/>
+              <dgm:constr type="lMarg" refType="primFontSz" fact="0.1"/>
+              <dgm:constr type="rMarg" refType="primFontSz" fact="0.1"/>
+            </dgm:constrLst>
+            <dgm:ruleLst>
+              <dgm:rule type="primFontSz" val="5" fact="NaN" max="NaN"/>
+            </dgm:ruleLst>
+          </dgm:layoutNode>
+        </dgm:forEach>
+        <dgm:forEach name="Name17" axis="ch" ptType="node" st="3" cnt="1">
+          <dgm:layoutNode name="item2" styleLbl="node1">
+            <dgm:varLst>
+              <dgm:bulletEnabled val="1"/>
+            </dgm:varLst>
+            <dgm:alg type="tx">
+              <dgm:param type="txAnchorVertCh" val="mid"/>
+            </dgm:alg>
+            <dgm:shape xmlns:r="http://schemas.openxmlformats.org/officeDocument/2006/relationships" type="ellipse" r:blip="">
+              <dgm:adjLst/>
+            </dgm:shape>
+            <dgm:choose name="Name18">
+              <dgm:if name="Name19" axis="root ch" ptType="all node" func="cnt" op="equ" val="1">
+                <dgm:presOf/>
+              </dgm:if>
+              <dgm:if name="Name20" axis="root ch" ptType="all node" func="cnt" op="equ" val="2">
+                <dgm:presOf/>
+              </dgm:if>
+              <dgm:if name="Name21" axis="root ch" ptType="all node" func="cnt" op="equ" val="3">
+                <dgm:presOf axis="root ch desOrSelf" ptType="all node node" st="1 1 1" cnt="0 1 0"/>
+              </dgm:if>
+              <dgm:else name="Name22">
+                <dgm:presOf axis="root ch desOrSelf" ptType="all node node" st="1 2 1" cnt="0 1 0"/>
+              </dgm:else>
+            </dgm:choose>
+            <dgm:constrLst>
+              <dgm:constr type="tMarg" refType="primFontSz" fact="0.1"/>
+              <dgm:constr type="bMarg" refType="primFontSz" fact="0.1"/>
+              <dgm:constr type="lMarg" refType="primFontSz" fact="0.1"/>
+              <dgm:constr type="rMarg" refType="primFontSz" fact="0.1"/>
+            </dgm:constrLst>
+            <dgm:ruleLst>
+              <dgm:rule type="primFontSz" val="5" fact="NaN" max="NaN"/>
+            </dgm:ruleLst>
+          </dgm:layoutNode>
+        </dgm:forEach>
+        <dgm:forEach name="Name23" axis="ch" ptType="node" st="4" cnt="1">
+          <dgm:layoutNode name="item3" styleLbl="node1">
+            <dgm:varLst>
+              <dgm:bulletEnabled val="1"/>
+            </dgm:varLst>
+            <dgm:alg type="tx">
+              <dgm:param type="txAnchorVertCh" val="mid"/>
+            </dgm:alg>
+            <dgm:shape xmlns:r="http://schemas.openxmlformats.org/officeDocument/2006/relationships" type="ellipse" r:blip="">
+              <dgm:adjLst/>
+            </dgm:shape>
+            <dgm:choose name="Name24">
+              <dgm:if name="Name25" axis="root ch" ptType="all node" func="cnt" op="equ" val="1">
+                <dgm:presOf/>
+              </dgm:if>
+              <dgm:if name="Name26" axis="root ch" ptType="all node" func="cnt" op="equ" val="2">
+                <dgm:presOf/>
+              </dgm:if>
+              <dgm:if name="Name27" axis="root ch" ptType="all node" func="cnt" op="equ" val="3">
+                <dgm:presOf/>
+              </dgm:if>
+              <dgm:else name="Name28">
+                <dgm:presOf axis="root ch desOrSelf" ptType="all node node" st="1 1 1" cnt="0 1 0"/>
+              </dgm:else>
+            </dgm:choose>
+            <dgm:constrLst>
+              <dgm:constr type="tMarg" refType="primFontSz" fact="0.1"/>
+              <dgm:constr type="bMarg" refType="primFontSz" fact="0.1"/>
+              <dgm:constr type="lMarg" refType="primFontSz" fact="0.1"/>
+              <dgm:constr type="rMarg" refType="primFontSz" fact="0.1"/>
+            </dgm:constrLst>
+            <dgm:ruleLst>
+              <dgm:rule type="primFontSz" val="5" fact="NaN" max="NaN"/>
+            </dgm:ruleLst>
+          </dgm:layoutNode>
+        </dgm:forEach>
+        <dgm:layoutNode name="funnel" styleLbl="trAlignAcc1">
+          <dgm:alg type="sp"/>
+          <dgm:shape xmlns:r="http://schemas.openxmlformats.org/officeDocument/2006/relationships" type="funnel" r:blip="">
+            <dgm:adjLst/>
+          </dgm:shape>
+          <dgm:presOf/>
+          <dgm:constrLst/>
+          <dgm:ruleLst/>
+        </dgm:layoutNode>
+      </dgm:if>
+      <dgm:else name="Name29"/>
+    </dgm:choose>
+  </dgm:layoutNode>
+</dgm:layoutDef>
+</file>
+
+<file path=ppt/diagrams/quickStyle1.xml><?xml version="1.0" encoding="utf-8"?>
+<dgm:styleDef xmlns:dgm="http://schemas.openxmlformats.org/drawingml/2006/diagram" xmlns:a="http://schemas.openxmlformats.org/drawingml/2006/main" uniqueId="urn:microsoft.com/office/officeart/2005/8/quickstyle/simple5">
+  <dgm:title val=""/>
+  <dgm:desc val=""/>
+  <dgm:catLst>
+    <dgm:cat type="simple" pri="10500"/>
+  </dgm:catLst>
+  <dgm:scene3d>
+    <a:camera prst="orthographicFront"/>
+    <a:lightRig rig="threePt" dir="t"/>
+  </dgm:scene3d>
+  <dgm:styleLbl name="node0">
+    <dgm:scene3d>
+      <a:camera prst="orthographicFront"/>
+      <a:lightRig rig="threePt" dir="t"/>
+    </dgm:scene3d>
+    <dgm:sp3d/>
+    <dgm:txPr/>
+    <dgm:style>
+      <a:lnRef idx="0">
+        <a:scrgbClr r="0" g="0" b="0"/>
+      </a:lnRef>
+      <a:fillRef idx="3">
+        <a:scrgbClr r="0" g="0" b="0"/>
+      </a:fillRef>
+      <a:effectRef idx="3">
+        <a:scrgbClr r="0" g="0" b="0"/>
+      </a:effectRef>
+      <a:fontRef idx="minor">
+        <a:schemeClr val="lt1"/>
+      </a:fontRef>
+    </dgm:style>
+  </dgm:styleLbl>
+  <dgm:styleLbl name="lnNode1">
+    <dgm:scene3d>
+      <a:camera prst="orthographicFront"/>
+      <a:lightRig rig="threePt" dir="t"/>
+    </dgm:scene3d>
+    <dgm:sp3d/>
+    <dgm:txPr/>
+    <dgm:style>
+      <a:lnRef idx="0">
+        <a:scrgbClr r="0" g="0" b="0"/>
+      </a:lnRef>
+      <a:fillRef idx="3">
+        <a:scrgbClr r="0" g="0" b="0"/>
+      </a:fillRef>
+      <a:effectRef idx="3">
+        <a:scrgbClr r="0" g="0" b="0"/>
+      </a:effectRef>
+      <a:fontRef idx="minor">
+        <a:schemeClr val="lt1"/>
+      </a:fontRef>
+    </dgm:style>
+  </dgm:styleLbl>
+  <dgm:styleLbl name="vennNode1">
+    <dgm:scene3d>
+      <a:camera prst="orthographicFront"/>
+      <a:lightRig rig="threePt" dir="t"/>
+    </dgm:scene3d>
+    <dgm:sp3d/>
+    <dgm:txPr/>
+    <dgm:style>
+      <a:lnRef idx="0">
+        <a:scrgbClr r="0" g="0" b="0"/>
+      </a:lnRef>
+      <a:fillRef idx="3">
+        <a:scrgbClr r="0" g="0" b="0"/>
+      </a:fillRef>
+      <a:effectRef idx="3">
+        <a:scrgbClr r="0" g="0" b="0"/>
+      </a:effectRef>
+      <a:fontRef idx="minor">
+        <a:schemeClr val="tx1"/>
+      </a:fontRef>
+    </dgm:style>
+  </dgm:styleLbl>
+  <dgm:styleLbl name="alignNode1">
+    <dgm:scene3d>
+      <a:camera prst="orthographicFront"/>
+      <a:lightRig rig="threePt" dir="t"/>
+    </dgm:scene3d>
+    <dgm:sp3d/>
+    <dgm:txPr/>
+    <dgm:style>
+      <a:lnRef idx="1">
+        <a:scrgbClr r="0" g="0" b="0"/>
+      </a:lnRef>
+      <a:fillRef idx="3">
+        <a:scrgbClr r="0" g="0" b="0"/>
+      </a:fillRef>
+      <a:effectRef idx="3">
+        <a:scrgbClr r="0" g="0" b="0"/>
+      </a:effectRef>
+      <a:fontRef idx="minor">
+        <a:schemeClr val="lt1"/>
+      </a:fontRef>
+    </dgm:style>
+  </dgm:styleLbl>
+  <dgm:styleLbl name="node1">
+    <dgm:scene3d>
+      <a:camera prst="orthographicFront"/>
+      <a:lightRig rig="threePt" dir="t"/>
+    </dgm:scene3d>
+    <dgm:sp3d/>
+    <dgm:txPr/>
+    <dgm:style>
+      <a:lnRef idx="0">
+        <a:scrgbClr r="0" g="0" b="0"/>
+      </a:lnRef>
+      <a:fillRef idx="3">
+        <a:scrgbClr r="0" g="0" b="0"/>
+      </a:fillRef>
+      <a:effectRef idx="3">
+        <a:scrgbClr r="0" g="0" b="0"/>
+      </a:effectRef>
+      <a:fontRef idx="minor">
+        <a:schemeClr val="lt1"/>
+      </a:fontRef>
+    </dgm:style>
+  </dgm:styleLbl>
+  <dgm:styleLbl name="node2">
+    <dgm:scene3d>
+      <a:camera prst="orthographicFront"/>
+      <a:lightRig rig="threePt" dir="t"/>
+    </dgm:scene3d>
+    <dgm:sp3d/>
+    <dgm:txPr/>
+    <dgm:style>
+      <a:lnRef idx="0">
+        <a:scrgbClr r="0" g="0" b="0"/>
+      </a:lnRef>
+      <a:fillRef idx="3">
+        <a:scrgbClr r="0" g="0" b="0"/>
+      </a:fillRef>
+      <a:effectRef idx="3">
+        <a:scrgbClr r="0" g="0" b="0"/>
+      </a:effectRef>
+      <a:fontRef idx="minor">
+        <a:schemeClr val="lt1"/>
+      </a:fontRef>
+    </dgm:style>
+  </dgm:styleLbl>
+  <dgm:styleLbl name="node3">
+    <dgm:scene3d>
+      <a:camera prst="orthographicFront"/>
+      <a:lightRig rig="threePt" dir="t"/>
+    </dgm:scene3d>
+    <dgm:sp3d/>
+    <dgm:txPr/>
+    <dgm:style>
+      <a:lnRef idx="0">
+        <a:scrgbClr r="0" g="0" b="0"/>
+      </a:lnRef>
+      <a:fillRef idx="3">
+        <a:scrgbClr r="0" g="0" b="0"/>
+      </a:fillRef>
+      <a:effectRef idx="3">
+        <a:scrgbClr r="0" g="0" b="0"/>
+      </a:effectRef>
+      <a:fontRef idx="minor">
+        <a:schemeClr val="lt1"/>
+      </a:fontRef>
+    </dgm:style>
+  </dgm:styleLbl>
+  <dgm:styleLbl name="node4">
+    <dgm:scene3d>
+      <a:camera prst="orthographicFront"/>
+      <a:lightRig rig="threePt" dir="t"/>
+    </dgm:scene3d>
+    <dgm:sp3d/>
+    <dgm:txPr/>
+    <dgm:style>
+      <a:lnRef idx="0">
+        <a:scrgbClr r="0" g="0" b="0"/>
+      </a:lnRef>
+      <a:fillRef idx="3">
+        <a:scrgbClr r="0" g="0" b="0"/>
+      </a:fillRef>
+      <a:effectRef idx="3">
+        <a:scrgbClr r="0" g="0" b="0"/>
+      </a:effectRef>
+      <a:fontRef idx="minor">
+        <a:schemeClr val="lt1"/>
+      </a:fontRef>
+    </dgm:style>
+  </dgm:styleLbl>
+  <dgm:styleLbl name="fgImgPlace1">
+    <dgm:scene3d>
+      <a:camera prst="orthographicFront"/>
+      <a:lightRig rig="threePt" dir="t"/>
+    </dgm:scene3d>
+    <dgm:sp3d/>
+    <dgm:txPr/>
+    <dgm:style>
+      <a:lnRef idx="0">
+        <a:scrgbClr r="0" g="0" b="0"/>
+      </a:lnRef>
+      <a:fillRef idx="1">
+        <a:scrgbClr r="0" g="0" b="0"/>
+      </a:fillRef>
+      <a:effectRef idx="3">
+        <a:scrgbClr r="0" g="0" b="0"/>
+      </a:effectRef>
+      <a:fontRef idx="minor"/>
+    </dgm:style>
+  </dgm:styleLbl>
+  <dgm:styleLbl name="alignImgPlace1">
+    <dgm:scene3d>
+      <a:camera prst="orthographicFront"/>
+      <a:lightRig rig="threePt" dir="t"/>
+    </dgm:scene3d>
+    <dgm:sp3d/>
+    <dgm:txPr/>
+    <dgm:style>
+      <a:lnRef idx="0">
+        <a:scrgbClr r="0" g="0" b="0"/>
+      </a:lnRef>
+      <a:fillRef idx="1">
+        <a:scrgbClr r="0" g="0" b="0"/>
+      </a:fillRef>
+      <a:effectRef idx="3">
+        <a:scrgbClr r="0" g="0" b="0"/>
+      </a:effectRef>
+      <a:fontRef idx="minor"/>
+    </dgm:style>
+  </dgm:styleLbl>
+  <dgm:styleLbl name="bgImgPlace1">
+    <dgm:scene3d>
+      <a:camera prst="orthographicFront"/>
+      <a:lightRig rig="threePt" dir="t"/>
+    </dgm:scene3d>
+    <dgm:sp3d/>
+    <dgm:txPr/>
+    <dgm:style>
+      <a:lnRef idx="0">
+        <a:scrgbClr r="0" g="0" b="0"/>
+      </a:lnRef>
+      <a:fillRef idx="1">
+        <a:scrgbClr r="0" g="0" b="0"/>
+      </a:fillRef>
+      <a:effectRef idx="3">
+        <a:scrgbClr r="0" g="0" b="0"/>
+      </a:effectRef>
+      <a:fontRef idx="minor"/>
+    </dgm:style>
+  </dgm:styleLbl>
+  <dgm:styleLbl name="sibTrans2D1">
+    <dgm:scene3d>
+      <a:camera prst="orthographicFront"/>
+      <a:lightRig rig="threePt" dir="t"/>
+    </dgm:scene3d>
+    <dgm:sp3d/>
+    <dgm:txPr/>
+    <dgm:style>
+      <a:lnRef idx="0">
+        <a:scrgbClr r="0" g="0" b="0"/>
+      </a:lnRef>
+      <a:fillRef idx="3">
+        <a:scrgbClr r="0" g="0" b="0"/>
+      </a:fillRef>
+      <a:effectRef idx="3">
+        <a:scrgbClr r="0" g="0" b="0"/>
+      </a:effectRef>
+      <a:fontRef idx="minor">
+        <a:schemeClr val="lt1"/>
+      </a:fontRef>
+    </dgm:style>
+  </dgm:styleLbl>
+  <dgm:styleLbl name="fgSibTrans2D1">
+    <dgm:scene3d>
+      <a:camera prst="orthographicFront"/>
+      <a:lightRig rig="threePt" dir="t"/>
+    </dgm:scene3d>
+    <dgm:sp3d/>
+    <dgm:txPr/>
+    <dgm:style>
+      <a:lnRef idx="0">
+        <a:scrgbClr r="0" g="0" b="0"/>
+      </a:lnRef>
+      <a:fillRef idx="3">
+        <a:scrgbClr r="0" g="0" b="0"/>
+      </a:fillRef>
+      <a:effectRef idx="3">
+        <a:scrgbClr r="0" g="0" b="0"/>
+      </a:effectRef>
+      <a:fontRef idx="minor">
+        <a:schemeClr val="lt1"/>
+      </a:fontRef>
+    </dgm:style>
+  </dgm:styleLbl>
+  <dgm:styleLbl name="bgSibTrans2D1">
+    <dgm:scene3d>
+      <a:camera prst="orthographicFront"/>
+      <a:lightRig rig="threePt" dir="t"/>
+    </dgm:scene3d>
+    <dgm:sp3d/>
+    <dgm:txPr/>
+    <dgm:style>
+      <a:lnRef idx="0">
+        <a:scrgbClr r="0" g="0" b="0"/>
+      </a:lnRef>
+      <a:fillRef idx="3">
+        <a:scrgbClr r="0" g="0" b="0"/>
+      </a:fillRef>
+      <a:effectRef idx="3">
+        <a:scrgbClr r="0" g="0" b="0"/>
+      </a:effectRef>
+      <a:fontRef idx="minor">
+        <a:schemeClr val="lt1"/>
+      </a:fontRef>
+    </dgm:style>
+  </dgm:styleLbl>
+  <dgm:styleLbl name="sibTrans1D1">
+    <dgm:scene3d>
+      <a:camera prst="orthographicFront"/>
+      <a:lightRig rig="threePt" dir="t"/>
+    </dgm:scene3d>
+    <dgm:sp3d/>
+    <dgm:txPr/>
+    <dgm:style>
+      <a:lnRef idx="1">
+        <a:scrgbClr r="0" g="0" b="0"/>
+      </a:lnRef>
+      <a:fillRef idx="0">
+        <a:scrgbClr r="0" g="0" b="0"/>
+      </a:fillRef>
+      <a:effectRef idx="0">
+        <a:scrgbClr r="0" g="0" b="0"/>
+      </a:effectRef>
+      <a:fontRef idx="minor"/>
+    </dgm:style>
+  </dgm:styleLbl>
+  <dgm:styleLbl name="callout">
+    <dgm:scene3d>
+      <a:camera prst="orthographicFront"/>
+      <a:lightRig rig="threePt" dir="t"/>
+    </dgm:scene3d>
+    <dgm:sp3d/>
+    <dgm:txPr/>
+    <dgm:style>
+      <a:lnRef idx="1">
+        <a:scrgbClr r="0" g="0" b="0"/>
+      </a:lnRef>
+      <a:fillRef idx="0">
+        <a:scrgbClr r="0" g="0" b="0"/>
+      </a:fillRef>
+      <a:effectRef idx="1">
+        <a:scrgbClr r="0" g="0" b="0"/>
+      </a:effectRef>
+      <a:fontRef idx="minor"/>
+    </dgm:style>
+  </dgm:styleLbl>
+  <dgm:styleLbl name="asst0">
+    <dgm:scene3d>
+      <a:camera prst="orthographicFront"/>
+      <a:lightRig rig="threePt" dir="t"/>
+    </dgm:scene3d>
+    <dgm:sp3d/>
+    <dgm:txPr/>
+    <dgm:style>
+      <a:lnRef idx="0">
+        <a:scrgbClr r="0" g="0" b="0"/>
+      </a:lnRef>
+      <a:fillRef idx="3">
+        <a:scrgbClr r="0" g="0" b="0"/>
+      </a:fillRef>
+      <a:effectRef idx="3">
+        <a:scrgbClr r="0" g="0" b="0"/>
+      </a:effectRef>
+      <a:fontRef idx="minor">
+        <a:schemeClr val="lt1"/>
+      </a:fontRef>
+    </dgm:style>
+  </dgm:styleLbl>
+  <dgm:styleLbl name="asst1">
+    <dgm:scene3d>
+      <a:camera prst="orthographicFront"/>
+      <a:lightRig rig="threePt" dir="t"/>
+    </dgm:scene3d>
+    <dgm:sp3d/>
+    <dgm:txPr/>
+    <dgm:style>
+      <a:lnRef idx="0">
+        <a:scrgbClr r="0" g="0" b="0"/>
+      </a:lnRef>
+      <a:fillRef idx="3">
+        <a:scrgbClr r="0" g="0" b="0"/>
+      </a:fillRef>
+      <a:effectRef idx="3">
+        <a:scrgbClr r="0" g="0" b="0"/>
+      </a:effectRef>
+      <a:fontRef idx="minor">
+        <a:schemeClr val="lt1"/>
+      </a:fontRef>
+    </dgm:style>
+  </dgm:styleLbl>
+  <dgm:styleLbl name="asst2">
+    <dgm:scene3d>
+      <a:camera prst="orthographicFront"/>
+      <a:lightRig rig="threePt" dir="t"/>
+    </dgm:scene3d>
+    <dgm:sp3d/>
+    <dgm:txPr/>
+    <dgm:style>
+      <a:lnRef idx="0">
+        <a:scrgbClr r="0" g="0" b="0"/>
+      </a:lnRef>
+      <a:fillRef idx="3">
+        <a:scrgbClr r="0" g="0" b="0"/>
+      </a:fillRef>
+      <a:effectRef idx="3">
+        <a:scrgbClr r="0" g="0" b="0"/>
+      </a:effectRef>
+      <a:fontRef idx="minor">
+        <a:schemeClr val="lt1"/>
+      </a:fontRef>
+    </dgm:style>
+  </dgm:styleLbl>
+  <dgm:styleLbl name="asst3">
+    <dgm:scene3d>
+      <a:camera prst="orthographicFront"/>
+      <a:lightRig rig="threePt" dir="t"/>
+    </dgm:scene3d>
+    <dgm:sp3d/>
+    <dgm:txPr/>
+    <dgm:style>
+      <a:lnRef idx="0">
+        <a:scrgbClr r="0" g="0" b="0"/>
+      </a:lnRef>
+      <a:fillRef idx="3">
+        <a:scrgbClr r="0" g="0" b="0"/>
+      </a:fillRef>
+      <a:effectRef idx="3">
+        <a:scrgbClr r="0" g="0" b="0"/>
+      </a:effectRef>
+      <a:fontRef idx="minor">
+        <a:schemeClr val="lt1"/>
+      </a:fontRef>
+    </dgm:style>
+  </dgm:styleLbl>
+  <dgm:styleLbl name="asst4">
+    <dgm:scene3d>
+      <a:camera prst="orthographicFront"/>
+      <a:lightRig rig="threePt" dir="t"/>
+    </dgm:scene3d>
+    <dgm:sp3d/>
+    <dgm:txPr/>
+    <dgm:style>
+      <a:lnRef idx="0">
+        <a:scrgbClr r="0" g="0" b="0"/>
+      </a:lnRef>
+      <a:fillRef idx="3">
+        <a:scrgbClr r="0" g="0" b="0"/>
+      </a:fillRef>
+      <a:effectRef idx="3">
+        <a:scrgbClr r="0" g="0" b="0"/>
+      </a:effectRef>
+      <a:fontRef idx="minor">
+        <a:schemeClr val="lt1"/>
+      </a:fontRef>
+    </dgm:style>
+  </dgm:styleLbl>
+  <dgm:styleLbl name="parChTrans2D1">
+    <dgm:scene3d>
+      <a:camera prst="orthographicFront"/>
+      <a:lightRig rig="threePt" dir="t"/>
+    </dgm:scene3d>
+    <dgm:sp3d/>
+    <dgm:txPr/>
+    <dgm:style>
+      <a:lnRef idx="0">
+        <a:scrgbClr r="0" g="0" b="0"/>
+      </a:lnRef>
+      <a:fillRef idx="3">
+        <a:scrgbClr r="0" g="0" b="0"/>
+      </a:fillRef>
+      <a:effectRef idx="3">
+        <a:scrgbClr r="0" g="0" b="0"/>
+      </a:effectRef>
+      <a:fontRef idx="minor">
+        <a:schemeClr val="lt1"/>
+      </a:fontRef>
+    </dgm:style>
+  </dgm:styleLbl>
+  <dgm:styleLbl name="parChTrans2D2">
+    <dgm:scene3d>
+      <a:camera prst="orthographicFront"/>
+      <a:lightRig rig="threePt" dir="t"/>
+    </dgm:scene3d>
+    <dgm:sp3d/>
+    <dgm:txPr/>
+    <dgm:style>
+      <a:lnRef idx="0">
+        <a:scrgbClr r="0" g="0" b="0"/>
+      </a:lnRef>
+      <a:fillRef idx="3">
+        <a:scrgbClr r="0" g="0" b="0"/>
+      </a:fillRef>
+      <a:effectRef idx="3">
+        <a:scrgbClr r="0" g="0" b="0"/>
+      </a:effectRef>
+      <a:fontRef idx="minor">
+        <a:schemeClr val="lt1"/>
+      </a:fontRef>
+    </dgm:style>
+  </dgm:styleLbl>
+  <dgm:styleLbl name="parChTrans2D3">
+    <dgm:scene3d>
+      <a:camera prst="orthographicFront"/>
+      <a:lightRig rig="threePt" dir="t"/>
+    </dgm:scene3d>
+    <dgm:sp3d/>
+    <dgm:txPr/>
+    <dgm:style>
+      <a:lnRef idx="0">
+        <a:scrgbClr r="0" g="0" b="0"/>
+      </a:lnRef>
+      <a:fillRef idx="3">
+        <a:scrgbClr r="0" g="0" b="0"/>
+      </a:fillRef>
+      <a:effectRef idx="3">
+        <a:scrgbClr r="0" g="0" b="0"/>
+      </a:effectRef>
+      <a:fontRef idx="minor">
+        <a:schemeClr val="lt1"/>
+      </a:fontRef>
+    </dgm:style>
+  </dgm:styleLbl>
+  <dgm:styleLbl name="parChTrans2D4">
+    <dgm:scene3d>
+      <a:camera prst="orthographicFront"/>
+      <a:lightRig rig="threePt" dir="t"/>
+    </dgm:scene3d>
+    <dgm:sp3d/>
+    <dgm:txPr/>
+    <dgm:style>
+      <a:lnRef idx="0">
+        <a:scrgbClr r="0" g="0" b="0"/>
+      </a:lnRef>
+      <a:fillRef idx="3">
+        <a:scrgbClr r="0" g="0" b="0"/>
+      </a:fillRef>
+      <a:effectRef idx="3">
+        <a:scrgbClr r="0" g="0" b="0"/>
+      </a:effectRef>
+      <a:fontRef idx="minor">
+        <a:schemeClr val="lt1"/>
+      </a:fontRef>
+    </dgm:style>
+  </dgm:styleLbl>
+  <dgm:styleLbl name="parChTrans1D1">
+    <dgm:scene3d>
+      <a:camera prst="orthographicFront"/>
+      <a:lightRig rig="threePt" dir="t"/>
+    </dgm:scene3d>
+    <dgm:sp3d/>
+    <dgm:txPr/>
+    <dgm:style>
+      <a:lnRef idx="2">
+        <a:scrgbClr r="0" g="0" b="0"/>
+      </a:lnRef>
+      <a:fillRef idx="0">
+        <a:scrgbClr r="0" g="0" b="0"/>
+      </a:fillRef>
+      <a:effectRef idx="0">
+        <a:scrgbClr r="0" g="0" b="0"/>
+      </a:effectRef>
+      <a:fontRef idx="minor"/>
+    </dgm:style>
+  </dgm:styleLbl>
+  <dgm:styleLbl name="parChTrans1D2">
+    <dgm:scene3d>
+      <a:camera prst="orthographicFront"/>
+      <a:lightRig rig="threePt" dir="t"/>
+    </dgm:scene3d>
+    <dgm:sp3d/>
+    <dgm:txPr/>
+    <dgm:style>
+      <a:lnRef idx="2">
+        <a:scrgbClr r="0" g="0" b="0"/>
+      </a:lnRef>
+      <a:fillRef idx="0">
+        <a:scrgbClr r="0" g="0" b="0"/>
+      </a:fillRef>
+      <a:effectRef idx="0">
+        <a:scrgbClr r="0" g="0" b="0"/>
+      </a:effectRef>
+      <a:fontRef idx="minor"/>
+    </dgm:style>
+  </dgm:styleLbl>
+  <dgm:styleLbl name="parChTrans1D3">
+    <dgm:scene3d>
+      <a:camera prst="orthographicFront"/>
+      <a:lightRig rig="threePt" dir="t"/>
+    </dgm:scene3d>
+    <dgm:sp3d/>
+    <dgm:txPr/>
+    <dgm:style>
+      <a:lnRef idx="2">
+        <a:scrgbClr r="0" g="0" b="0"/>
+      </a:lnRef>
+      <a:fillRef idx="0">
+        <a:scrgbClr r="0" g="0" b="0"/>
+      </a:fillRef>
+      <a:effectRef idx="0">
+        <a:scrgbClr r="0" g="0" b="0"/>
+      </a:effectRef>
+      <a:fontRef idx="minor"/>
+    </dgm:style>
+  </dgm:styleLbl>
+  <dgm:styleLbl name="parChTrans1D4">
+    <dgm:scene3d>
+      <a:camera prst="orthographicFront"/>
+      <a:lightRig rig="threePt" dir="t"/>
+    </dgm:scene3d>
+    <dgm:sp3d/>
+    <dgm:txPr/>
+    <dgm:style>
+      <a:lnRef idx="2">
+        <a:scrgbClr r="0" g="0" b="0"/>
+      </a:lnRef>
+      <a:fillRef idx="0">
+        <a:scrgbClr r="0" g="0" b="0"/>
+      </a:fillRef>
+      <a:effectRef idx="0">
+        <a:scrgbClr r="0" g="0" b="0"/>
+      </a:effectRef>
+      <a:fontRef idx="minor"/>
+    </dgm:style>
+  </dgm:styleLbl>
+  <dgm:styleLbl name="fgAcc1">
+    <dgm:scene3d>
+      <a:camera prst="orthographicFront"/>
+      <a:lightRig rig="threePt" dir="t"/>
+    </dgm:scene3d>
+    <dgm:sp3d/>
+    <dgm:txPr/>
+    <dgm:style>
+      <a:lnRef idx="1">
+        <a:scrgbClr r="0" g="0" b="0"/>
+      </a:lnRef>
+      <a:fillRef idx="1">
+        <a:scrgbClr r="0" g="0" b="0"/>
+      </a:fillRef>
+      <a:effectRef idx="2">
+        <a:scrgbClr r="0" g="0" b="0"/>
+      </a:effectRef>
+      <a:fontRef idx="minor"/>
+    </dgm:style>
+  </dgm:styleLbl>
+  <dgm:styleLbl name="conFgAcc1">
+    <dgm:scene3d>
+      <a:camera prst="orthographicFront"/>
+      <a:lightRig rig="threePt" dir="t"/>
+    </dgm:scene3d>
+    <dgm:sp3d/>
+    <dgm:txPr/>
+    <dgm:style>
+      <a:lnRef idx="1">
+        <a:scrgbClr r="0" g="0" b="0"/>
+      </a:lnRef>
+      <a:fillRef idx="1">
+        <a:scrgbClr r="0" g="0" b="0"/>
+      </a:fillRef>
+      <a:effectRef idx="2">
+        <a:scrgbClr r="0" g="0" b="0"/>
+      </a:effectRef>
+      <a:fontRef idx="minor"/>
+    </dgm:style>
+  </dgm:styleLbl>
+  <dgm:styleLbl name="alignAcc1">
+    <dgm:scene3d>
+      <a:camera prst="orthographicFront"/>
+      <a:lightRig rig="threePt" dir="t"/>
+    </dgm:scene3d>
+    <dgm:sp3d/>
+    <dgm:txPr/>
+    <dgm:style>
+      <a:lnRef idx="1">
+        <a:scrgbClr r="0" g="0" b="0"/>
+      </a:lnRef>
+      <a:fillRef idx="1">
+        <a:scrgbClr r="0" g="0" b="0"/>
+      </a:fillRef>
+      <a:effectRef idx="2">
+        <a:scrgbClr r="0" g="0" b="0"/>
+      </a:effectRef>
+      <a:fontRef idx="minor"/>
+    </dgm:style>
+  </dgm:styleLbl>
+  <dgm:styleLbl name="trAlignAcc1">
+    <dgm:scene3d>
+      <a:camera prst="orthographicFront"/>
+      <a:lightRig rig="threePt" dir="t"/>
+    </dgm:scene3d>
+    <dgm:sp3d/>
+    <dgm:txPr/>
+    <dgm:style>
+      <a:lnRef idx="1">
+        <a:scrgbClr r="0" g="0" b="0"/>
+      </a:lnRef>
+      <a:fillRef idx="1">
+        <a:scrgbClr r="0" g="0" b="0"/>
+      </a:fillRef>
+      <a:effectRef idx="0">
+        <a:scrgbClr r="0" g="0" b="0"/>
+      </a:effectRef>
+      <a:fontRef idx="minor"/>
+    </dgm:style>
+  </dgm:styleLbl>
+  <dgm:styleLbl name="bgAcc1">
+    <dgm:scene3d>
+      <a:camera prst="orthographicFront"/>
+      <a:lightRig rig="threePt" dir="t"/>
+    </dgm:scene3d>
+    <dgm:sp3d/>
+    <dgm:txPr/>
+    <dgm:style>
+      <a:lnRef idx="1">
+        <a:scrgbClr r="0" g="0" b="0"/>
+      </a:lnRef>
+      <a:fillRef idx="1">
+        <a:scrgbClr r="0" g="0" b="0"/>
+      </a:fillRef>
+      <a:effectRef idx="2">
+        <a:scrgbClr r="0" g="0" b="0"/>
+      </a:effectRef>
+      <a:fontRef idx="minor"/>
+    </dgm:style>
+  </dgm:styleLbl>
+  <dgm:styleLbl name="solidFgAcc1">
+    <dgm:scene3d>
+      <a:camera prst="orthographicFront"/>
+      <a:lightRig rig="threePt" dir="t"/>
+    </dgm:scene3d>
+    <dgm:sp3d/>
+    <dgm:txPr/>
+    <dgm:style>
+      <a:lnRef idx="1">
+        <a:scrgbClr r="0" g="0" b="0"/>
+      </a:lnRef>
+      <a:fillRef idx="1">
+        <a:scrgbClr r="0" g="0" b="0"/>
+      </a:fillRef>
+      <a:effectRef idx="2">
+        <a:scrgbClr r="0" g="0" b="0"/>
+      </a:effectRef>
+      <a:fontRef idx="minor"/>
+    </dgm:style>
+  </dgm:styleLbl>
+  <dgm:styleLbl name="solidAlignAcc1">
+    <dgm:scene3d>
+      <a:camera prst="orthographicFront"/>
+      <a:lightRig rig="threePt" dir="t"/>
+    </dgm:scene3d>
+    <dgm:sp3d/>
+    <dgm:txPr/>
+    <dgm:style>
+      <a:lnRef idx="1">
+        <a:scrgbClr r="0" g="0" b="0"/>
+      </a:lnRef>
+      <a:fillRef idx="1">
+        <a:scrgbClr r="0" g="0" b="0"/>
+      </a:fillRef>
+      <a:effectRef idx="3">
+        <a:scrgbClr r="0" g="0" b="0"/>
+      </a:effectRef>
+      <a:fontRef idx="minor"/>
+    </dgm:style>
+  </dgm:styleLbl>
+  <dgm:styleLbl name="solidBgAcc1">
+    <dgm:scene3d>
+      <a:camera prst="orthographicFront"/>
+      <a:lightRig rig="threePt" dir="t"/>
+    </dgm:scene3d>
+    <dgm:sp3d/>
+    <dgm:txPr/>
+    <dgm:style>
+      <a:lnRef idx="1">
+        <a:scrgbClr r="0" g="0" b="0"/>
+      </a:lnRef>
+      <a:fillRef idx="1">
+        <a:scrgbClr r="0" g="0" b="0"/>
+      </a:fillRef>
+      <a:effectRef idx="3">
+        <a:scrgbClr r="0" g="0" b="0"/>
+      </a:effectRef>
+      <a:fontRef idx="minor"/>
+    </dgm:style>
+  </dgm:styleLbl>
+  <dgm:styleLbl name="fgAccFollowNode1">
+    <dgm:scene3d>
+      <a:camera prst="orthographicFront"/>
+      <a:lightRig rig="threePt" dir="t"/>
+    </dgm:scene3d>
+    <dgm:sp3d/>
+    <dgm:txPr/>
+    <dgm:style>
+      <a:lnRef idx="1">
+        <a:scrgbClr r="0" g="0" b="0"/>
+      </a:lnRef>
+      <a:fillRef idx="1">
+        <a:scrgbClr r="0" g="0" b="0"/>
+      </a:fillRef>
+      <a:effectRef idx="2">
+        <a:scrgbClr r="0" g="0" b="0"/>
+      </a:effectRef>
+      <a:fontRef idx="minor"/>
+    </dgm:style>
+  </dgm:styleLbl>
+  <dgm:styleLbl name="alignAccFollowNode1">
+    <dgm:scene3d>
+      <a:camera prst="orthographicFront"/>
+      <a:lightRig rig="threePt" dir="t"/>
+    </dgm:scene3d>
+    <dgm:sp3d/>
+    <dgm:txPr/>
+    <dgm:style>
+      <a:lnRef idx="1">
+        <a:scrgbClr r="0" g="0" b="0"/>
+      </a:lnRef>
+      <a:fillRef idx="1">
+        <a:scrgbClr r="0" g="0" b="0"/>
+      </a:fillRef>
+      <a:effectRef idx="2">
+        <a:scrgbClr r="0" g="0" b="0"/>
+      </a:effectRef>
+      <a:fontRef idx="minor"/>
+    </dgm:style>
+  </dgm:styleLbl>
+  <dgm:styleLbl name="bgAccFollowNode1">
+    <dgm:scene3d>
+      <a:camera prst="orthographicFront"/>
+      <a:lightRig rig="threePt" dir="t"/>
+    </dgm:scene3d>
+    <dgm:sp3d/>
+    <dgm:txPr/>
+    <dgm:style>
+      <a:lnRef idx="1">
+        <a:scrgbClr r="0" g="0" b="0"/>
+      </a:lnRef>
+      <a:fillRef idx="1">
+        <a:scrgbClr r="0" g="0" b="0"/>
+      </a:fillRef>
+      <a:effectRef idx="2">
+        <a:scrgbClr r="0" g="0" b="0"/>
+      </a:effectRef>
+      <a:fontRef idx="minor"/>
+    </dgm:style>
+  </dgm:styleLbl>
+  <dgm:styleLbl name="fgAcc0">
+    <dgm:scene3d>
+      <a:camera prst="orthographicFront"/>
+      <a:lightRig rig="threePt" dir="t"/>
+    </dgm:scene3d>
+    <dgm:sp3d/>
+    <dgm:txPr/>
+    <dgm:style>
+      <a:lnRef idx="1">
+        <a:scrgbClr r="0" g="0" b="0"/>
+      </a:lnRef>
+      <a:fillRef idx="1">
+        <a:scrgbClr r="0" g="0" b="0"/>
+      </a:fillRef>
+      <a:effectRef idx="2">
+        <a:scrgbClr r="0" g="0" b="0"/>
+      </a:effectRef>
+      <a:fontRef idx="minor"/>
+    </dgm:style>
+  </dgm:styleLbl>
+  <dgm:styleLbl name="fgAcc2">
+    <dgm:scene3d>
+      <a:camera prst="orthographicFront"/>
+      <a:lightRig rig="threePt" dir="t"/>
+    </dgm:scene3d>
+    <dgm:sp3d/>
+    <dgm:txPr/>
+    <dgm:style>
+      <a:lnRef idx="1">
+        <a:scrgbClr r="0" g="0" b="0"/>
+      </a:lnRef>
+      <a:fillRef idx="1">
+        <a:scrgbClr r="0" g="0" b="0"/>
+      </a:fillRef>
+      <a:effectRef idx="2">
+        <a:scrgbClr r="0" g="0" b="0"/>
+      </a:effectRef>
+      <a:fontRef idx="minor"/>
+    </dgm:style>
+  </dgm:styleLbl>
+  <dgm:styleLbl name="fgAcc3">
+    <dgm:scene3d>
+      <a:camera prst="orthographicFront"/>
+      <a:lightRig rig="threePt" dir="t"/>
+    </dgm:scene3d>
+    <dgm:sp3d/>
+    <dgm:txPr/>
+    <dgm:style>
+      <a:lnRef idx="1">
+        <a:scrgbClr r="0" g="0" b="0"/>
+      </a:lnRef>
+      <a:fillRef idx="1">
+        <a:scrgbClr r="0" g="0" b="0"/>
+      </a:fillRef>
+      <a:effectRef idx="2">
+        <a:scrgbClr r="0" g="0" b="0"/>
+      </a:effectRef>
+      <a:fontRef idx="minor"/>
+    </dgm:style>
+  </dgm:styleLbl>
+  <dgm:styleLbl name="fgAcc4">
+    <dgm:scene3d>
+      <a:camera prst="orthographicFront"/>
+      <a:lightRig rig="threePt" dir="t"/>
+    </dgm:scene3d>
+    <dgm:sp3d/>
+    <dgm:txPr/>
+    <dgm:style>
+      <a:lnRef idx="1">
+        <a:scrgbClr r="0" g="0" b="0"/>
+      </a:lnRef>
+      <a:fillRef idx="1">
+        <a:scrgbClr r="0" g="0" b="0"/>
+      </a:fillRef>
+      <a:effectRef idx="2">
+        <a:scrgbClr r="0" g="0" b="0"/>
+      </a:effectRef>
+      <a:fontRef idx="minor"/>
+    </dgm:style>
+  </dgm:styleLbl>
+  <dgm:styleLbl name="bgShp">
+    <dgm:scene3d>
+      <a:camera prst="orthographicFront"/>
+      <a:lightRig rig="threePt" dir="t"/>
+    </dgm:scene3d>
+    <dgm:sp3d/>
+    <dgm:txPr/>
+    <dgm:style>
+      <a:lnRef idx="0">
+        <a:scrgbClr r="0" g="0" b="0"/>
+      </a:lnRef>
+      <a:fillRef idx="1">
+        <a:scrgbClr r="0" g="0" b="0"/>
+      </a:fillRef>
+      <a:effectRef idx="2">
+        <a:scrgbClr r="0" g="0" b="0"/>
+      </a:effectRef>
+      <a:fontRef idx="minor"/>
+    </dgm:style>
+  </dgm:styleLbl>
+  <dgm:styleLbl name="dkBgShp">
+    <dgm:scene3d>
+      <a:camera prst="orthographicFront"/>
+      <a:lightRig rig="threePt" dir="t"/>
+    </dgm:scene3d>
+    <dgm:sp3d/>
+    <dgm:txPr/>
+    <dgm:style>
+      <a:lnRef idx="0">
+        <a:scrgbClr r="0" g="0" b="0"/>
+      </a:lnRef>
+      <a:fillRef idx="1">
+        <a:scrgbClr r="0" g="0" b="0"/>
+      </a:fillRef>
+      <a:effectRef idx="3">
+        <a:scrgbClr r="0" g="0" b="0"/>
+      </a:effectRef>
+      <a:fontRef idx="minor"/>
+    </dgm:style>
+  </dgm:styleLbl>
+  <dgm:styleLbl name="trBgShp">
+    <dgm:scene3d>
+      <a:camera prst="orthographicFront"/>
+      <a:lightRig rig="threePt" dir="t"/>
+    </dgm:scene3d>
+    <dgm:sp3d/>
+    <dgm:txPr/>
+    <dgm:style>
+      <a:lnRef idx="0">
+        <a:scrgbClr r="0" g="0" b="0"/>
+      </a:lnRef>
+      <a:fillRef idx="1">
+        <a:scrgbClr r="0" g="0" b="0"/>
+      </a:fillRef>
+      <a:effectRef idx="0">
+        <a:scrgbClr r="0" g="0" b="0"/>
+      </a:effectRef>
+      <a:fontRef idx="minor"/>
+    </dgm:style>
+  </dgm:styleLbl>
+  <dgm:styleLbl name="fgShp">
+    <dgm:scene3d>
+      <a:camera prst="orthographicFront"/>
+      <a:lightRig rig="threePt" dir="t"/>
+    </dgm:scene3d>
+    <dgm:sp3d/>
+    <dgm:txPr/>
+    <dgm:style>
+      <a:lnRef idx="0">
+        <a:scrgbClr r="0" g="0" b="0"/>
+      </a:lnRef>
+      <a:fillRef idx="3">
+        <a:scrgbClr r="0" g="0" b="0"/>
+      </a:fillRef>
+      <a:effectRef idx="3">
+        <a:scrgbClr r="0" g="0" b="0"/>
+      </a:effectRef>
+      <a:fontRef idx="minor"/>
+    </dgm:style>
+  </dgm:styleLbl>
+  <dgm:styleLbl name="revTx">
+    <dgm:scene3d>
+      <a:camera prst="orthographicFront"/>
+      <a:lightRig rig="threePt" dir="t"/>
+    </dgm:scene3d>
+    <dgm:sp3d/>
+    <dgm:txPr/>
+    <dgm:style>
+      <a:lnRef idx="0">
+        <a:scrgbClr r="0" g="0" b="0"/>
+      </a:lnRef>
+      <a:fillRef idx="0">
+        <a:scrgbClr r="0" g="0" b="0"/>
+      </a:fillRef>
+      <a:effectRef idx="0">
+        <a:scrgbClr r="0" g="0" b="0"/>
+      </a:effectRef>
+      <a:fontRef idx="minor"/>
+    </dgm:style>
+  </dgm:styleLbl>
+</dgm:styleDef>
 </file>
 
 <file path=ppt/handoutMasters/handoutMaster1.xml><?xml version="1.0" encoding="utf-8"?>
@@ -4712,7 +7783,7 @@
           <a:p>
             <a:r>
               <a:rPr lang="en-US" dirty="0"/>
-              <a:t>From question to algorithm!</a:t>
+              <a:t>Question</a:t>
             </a:r>
           </a:p>
         </p:txBody>
@@ -4736,79 +7807,38 @@
         <p:spPr/>
         <p:txBody>
           <a:bodyPr>
-            <a:normAutofit fontScale="77500" lnSpcReduction="20000"/>
+            <a:normAutofit lnSpcReduction="10000"/>
           </a:bodyPr>
           <a:lstStyle/>
           <a:p>
             <a:r>
               <a:rPr lang="en-US" dirty="0"/>
-              <a:t>Understand your needs or questions! </a:t>
-            </a:r>
-          </a:p>
-          <a:p>
-            <a:pPr lvl="1"/>
+              <a:t>How can we get more users for our news website?</a:t>
+            </a:r>
+          </a:p>
+          <a:p>
+            <a:endParaRPr lang="en-US" dirty="0"/>
+          </a:p>
+          <a:p>
+            <a:endParaRPr lang="en-US" dirty="0"/>
+          </a:p>
+          <a:p>
+            <a:endParaRPr lang="en-US" dirty="0"/>
+          </a:p>
+          <a:p>
+            <a:endParaRPr lang="en-US" dirty="0"/>
+          </a:p>
+          <a:p>
+            <a:pPr marL="0" indent="0">
+              <a:buNone/>
+            </a:pPr>
+            <a:endParaRPr lang="en-US" dirty="0"/>
+          </a:p>
+          <a:p>
             <a:r>
               <a:rPr lang="en-US" dirty="0"/>
-              <a:t>explain easily for someone else</a:t>
-            </a:r>
-          </a:p>
-          <a:p>
-            <a:r>
-              <a:rPr lang="en-US" dirty="0"/>
-              <a:t>Decompose your problem (make some steps)!</a:t>
-            </a:r>
-          </a:p>
-          <a:p>
-            <a:r>
-              <a:rPr lang="en-US" dirty="0"/>
-              <a:t>Make a flowchart for the decomposed version of your problem</a:t>
-            </a:r>
-          </a:p>
-          <a:p>
-            <a:r>
-              <a:rPr lang="en-US" dirty="0"/>
-              <a:t>Explain each steps in one or two  sentences (paper-based or paperless)</a:t>
-            </a:r>
-          </a:p>
-          <a:p>
-            <a:pPr lvl="1"/>
-            <a:r>
-              <a:rPr lang="en-US" dirty="0"/>
-              <a:t>input, output, process</a:t>
-            </a:r>
-          </a:p>
-          <a:p>
-            <a:r>
-              <a:rPr lang="en-US" dirty="0"/>
-              <a:t>Explain each steps mathematically…</a:t>
-            </a:r>
-          </a:p>
-          <a:p>
-            <a:r>
-              <a:rPr lang="en-US" dirty="0"/>
-              <a:t>Develop your algorithms for each steps</a:t>
-            </a:r>
-          </a:p>
-          <a:p>
-            <a:r>
-              <a:rPr lang="en-US" dirty="0"/>
-              <a:t>Check your process flow from the first step to the last one!</a:t>
-            </a:r>
-          </a:p>
-          <a:p>
-            <a:endParaRPr lang="en-US" dirty="0"/>
-          </a:p>
-          <a:p>
-            <a:endParaRPr lang="en-US" dirty="0"/>
-          </a:p>
-          <a:p>
-            <a:endParaRPr lang="en-US" dirty="0"/>
-          </a:p>
-          <a:p>
-            <a:endParaRPr lang="en-US" dirty="0"/>
-          </a:p>
-          <a:p>
-            <a:endParaRPr lang="en-US" dirty="0"/>
+              <a:t>Our solution: find most frequent words in news</a:t>
+            </a:r>
           </a:p>
         </p:txBody>
       </p:sp>
@@ -4865,755 +7895,6 @@
             <a:fld id="{0079CAC6-A72B-4EF8-B465-34FA47827E7F}" type="slidenum">
               <a:rPr lang="en-US" smtClean="0"/>
               <a:t>10</a:t>
-            </a:fld>
-            <a:endParaRPr lang="en-US" dirty="0"/>
-          </a:p>
-        </p:txBody>
-      </p:sp>
-    </p:spTree>
-    <p:extLst>
-      <p:ext uri="{BB962C8B-B14F-4D97-AF65-F5344CB8AC3E}">
-        <p14:creationId xmlns:p14="http://schemas.microsoft.com/office/powerpoint/2010/main" val="1796748508"/>
-      </p:ext>
-    </p:extLst>
-  </p:cSld>
-  <p:clrMapOvr>
-    <a:masterClrMapping/>
-  </p:clrMapOvr>
-  <p:timing>
-    <p:tnLst>
-      <p:par>
-        <p:cTn id="1" dur="indefinite" restart="never" nodeType="tmRoot">
-          <p:childTnLst>
-            <p:seq concurrent="1" nextAc="seek">
-              <p:cTn id="2" dur="indefinite" nodeType="mainSeq">
-                <p:childTnLst>
-                  <p:par>
-                    <p:cTn id="3" fill="hold">
-                      <p:stCondLst>
-                        <p:cond delay="indefinite"/>
-                      </p:stCondLst>
-                      <p:childTnLst>
-                        <p:par>
-                          <p:cTn id="4" fill="hold">
-                            <p:stCondLst>
-                              <p:cond delay="0"/>
-                            </p:stCondLst>
-                            <p:childTnLst>
-                              <p:par>
-                                <p:cTn id="5" presetID="22" presetClass="entr" presetSubtype="4" fill="hold" nodeType="clickEffect">
-                                  <p:stCondLst>
-                                    <p:cond delay="0"/>
-                                  </p:stCondLst>
-                                  <p:childTnLst>
-                                    <p:set>
-                                      <p:cBhvr>
-                                        <p:cTn id="6" dur="1" fill="hold">
-                                          <p:stCondLst>
-                                            <p:cond delay="0"/>
-                                          </p:stCondLst>
-                                        </p:cTn>
-                                        <p:tgtEl>
-                                          <p:spTgt spid="3">
-                                            <p:txEl>
-                                              <p:pRg st="0" end="0"/>
-                                            </p:txEl>
-                                          </p:spTgt>
-                                        </p:tgtEl>
-                                        <p:attrNameLst>
-                                          <p:attrName>style.visibility</p:attrName>
-                                        </p:attrNameLst>
-                                      </p:cBhvr>
-                                      <p:to>
-                                        <p:strVal val="visible"/>
-                                      </p:to>
-                                    </p:set>
-                                    <p:animEffect transition="in" filter="wipe(down)">
-                                      <p:cBhvr>
-                                        <p:cTn id="7" dur="500"/>
-                                        <p:tgtEl>
-                                          <p:spTgt spid="3">
-                                            <p:txEl>
-                                              <p:pRg st="0" end="0"/>
-                                            </p:txEl>
-                                          </p:spTgt>
-                                        </p:tgtEl>
-                                      </p:cBhvr>
-                                    </p:animEffect>
-                                  </p:childTnLst>
-                                </p:cTn>
-                              </p:par>
-                            </p:childTnLst>
-                          </p:cTn>
-                        </p:par>
-                      </p:childTnLst>
-                    </p:cTn>
-                  </p:par>
-                  <p:par>
-                    <p:cTn id="8" fill="hold">
-                      <p:stCondLst>
-                        <p:cond delay="indefinite"/>
-                      </p:stCondLst>
-                      <p:childTnLst>
-                        <p:par>
-                          <p:cTn id="9" fill="hold">
-                            <p:stCondLst>
-                              <p:cond delay="0"/>
-                            </p:stCondLst>
-                            <p:childTnLst>
-                              <p:par>
-                                <p:cTn id="10" presetID="22" presetClass="entr" presetSubtype="4" fill="hold" nodeType="clickEffect">
-                                  <p:stCondLst>
-                                    <p:cond delay="0"/>
-                                  </p:stCondLst>
-                                  <p:childTnLst>
-                                    <p:set>
-                                      <p:cBhvr>
-                                        <p:cTn id="11" dur="1" fill="hold">
-                                          <p:stCondLst>
-                                            <p:cond delay="0"/>
-                                          </p:stCondLst>
-                                        </p:cTn>
-                                        <p:tgtEl>
-                                          <p:spTgt spid="3">
-                                            <p:txEl>
-                                              <p:pRg st="1" end="1"/>
-                                            </p:txEl>
-                                          </p:spTgt>
-                                        </p:tgtEl>
-                                        <p:attrNameLst>
-                                          <p:attrName>style.visibility</p:attrName>
-                                        </p:attrNameLst>
-                                      </p:cBhvr>
-                                      <p:to>
-                                        <p:strVal val="visible"/>
-                                      </p:to>
-                                    </p:set>
-                                    <p:animEffect transition="in" filter="wipe(down)">
-                                      <p:cBhvr>
-                                        <p:cTn id="12" dur="500"/>
-                                        <p:tgtEl>
-                                          <p:spTgt spid="3">
-                                            <p:txEl>
-                                              <p:pRg st="1" end="1"/>
-                                            </p:txEl>
-                                          </p:spTgt>
-                                        </p:tgtEl>
-                                      </p:cBhvr>
-                                    </p:animEffect>
-                                  </p:childTnLst>
-                                </p:cTn>
-                              </p:par>
-                            </p:childTnLst>
-                          </p:cTn>
-                        </p:par>
-                      </p:childTnLst>
-                    </p:cTn>
-                  </p:par>
-                  <p:par>
-                    <p:cTn id="13" fill="hold">
-                      <p:stCondLst>
-                        <p:cond delay="indefinite"/>
-                      </p:stCondLst>
-                      <p:childTnLst>
-                        <p:par>
-                          <p:cTn id="14" fill="hold">
-                            <p:stCondLst>
-                              <p:cond delay="0"/>
-                            </p:stCondLst>
-                            <p:childTnLst>
-                              <p:par>
-                                <p:cTn id="15" presetID="22" presetClass="entr" presetSubtype="4" fill="hold" nodeType="clickEffect">
-                                  <p:stCondLst>
-                                    <p:cond delay="0"/>
-                                  </p:stCondLst>
-                                  <p:childTnLst>
-                                    <p:set>
-                                      <p:cBhvr>
-                                        <p:cTn id="16" dur="1" fill="hold">
-                                          <p:stCondLst>
-                                            <p:cond delay="0"/>
-                                          </p:stCondLst>
-                                        </p:cTn>
-                                        <p:tgtEl>
-                                          <p:spTgt spid="3">
-                                            <p:txEl>
-                                              <p:pRg st="2" end="2"/>
-                                            </p:txEl>
-                                          </p:spTgt>
-                                        </p:tgtEl>
-                                        <p:attrNameLst>
-                                          <p:attrName>style.visibility</p:attrName>
-                                        </p:attrNameLst>
-                                      </p:cBhvr>
-                                      <p:to>
-                                        <p:strVal val="visible"/>
-                                      </p:to>
-                                    </p:set>
-                                    <p:animEffect transition="in" filter="wipe(down)">
-                                      <p:cBhvr>
-                                        <p:cTn id="17" dur="500"/>
-                                        <p:tgtEl>
-                                          <p:spTgt spid="3">
-                                            <p:txEl>
-                                              <p:pRg st="2" end="2"/>
-                                            </p:txEl>
-                                          </p:spTgt>
-                                        </p:tgtEl>
-                                      </p:cBhvr>
-                                    </p:animEffect>
-                                  </p:childTnLst>
-                                </p:cTn>
-                              </p:par>
-                            </p:childTnLst>
-                          </p:cTn>
-                        </p:par>
-                      </p:childTnLst>
-                    </p:cTn>
-                  </p:par>
-                  <p:par>
-                    <p:cTn id="18" fill="hold">
-                      <p:stCondLst>
-                        <p:cond delay="indefinite"/>
-                      </p:stCondLst>
-                      <p:childTnLst>
-                        <p:par>
-                          <p:cTn id="19" fill="hold">
-                            <p:stCondLst>
-                              <p:cond delay="0"/>
-                            </p:stCondLst>
-                            <p:childTnLst>
-                              <p:par>
-                                <p:cTn id="20" presetID="22" presetClass="entr" presetSubtype="4" fill="hold" nodeType="clickEffect">
-                                  <p:stCondLst>
-                                    <p:cond delay="0"/>
-                                  </p:stCondLst>
-                                  <p:childTnLst>
-                                    <p:set>
-                                      <p:cBhvr>
-                                        <p:cTn id="21" dur="1" fill="hold">
-                                          <p:stCondLst>
-                                            <p:cond delay="0"/>
-                                          </p:stCondLst>
-                                        </p:cTn>
-                                        <p:tgtEl>
-                                          <p:spTgt spid="3">
-                                            <p:txEl>
-                                              <p:pRg st="3" end="3"/>
-                                            </p:txEl>
-                                          </p:spTgt>
-                                        </p:tgtEl>
-                                        <p:attrNameLst>
-                                          <p:attrName>style.visibility</p:attrName>
-                                        </p:attrNameLst>
-                                      </p:cBhvr>
-                                      <p:to>
-                                        <p:strVal val="visible"/>
-                                      </p:to>
-                                    </p:set>
-                                    <p:animEffect transition="in" filter="wipe(down)">
-                                      <p:cBhvr>
-                                        <p:cTn id="22" dur="500"/>
-                                        <p:tgtEl>
-                                          <p:spTgt spid="3">
-                                            <p:txEl>
-                                              <p:pRg st="3" end="3"/>
-                                            </p:txEl>
-                                          </p:spTgt>
-                                        </p:tgtEl>
-                                      </p:cBhvr>
-                                    </p:animEffect>
-                                  </p:childTnLst>
-                                </p:cTn>
-                              </p:par>
-                            </p:childTnLst>
-                          </p:cTn>
-                        </p:par>
-                      </p:childTnLst>
-                    </p:cTn>
-                  </p:par>
-                  <p:par>
-                    <p:cTn id="23" fill="hold">
-                      <p:stCondLst>
-                        <p:cond delay="indefinite"/>
-                      </p:stCondLst>
-                      <p:childTnLst>
-                        <p:par>
-                          <p:cTn id="24" fill="hold">
-                            <p:stCondLst>
-                              <p:cond delay="0"/>
-                            </p:stCondLst>
-                            <p:childTnLst>
-                              <p:par>
-                                <p:cTn id="25" presetID="22" presetClass="entr" presetSubtype="4" fill="hold" nodeType="clickEffect">
-                                  <p:stCondLst>
-                                    <p:cond delay="0"/>
-                                  </p:stCondLst>
-                                  <p:childTnLst>
-                                    <p:set>
-                                      <p:cBhvr>
-                                        <p:cTn id="26" dur="1" fill="hold">
-                                          <p:stCondLst>
-                                            <p:cond delay="0"/>
-                                          </p:stCondLst>
-                                        </p:cTn>
-                                        <p:tgtEl>
-                                          <p:spTgt spid="3">
-                                            <p:txEl>
-                                              <p:pRg st="4" end="4"/>
-                                            </p:txEl>
-                                          </p:spTgt>
-                                        </p:tgtEl>
-                                        <p:attrNameLst>
-                                          <p:attrName>style.visibility</p:attrName>
-                                        </p:attrNameLst>
-                                      </p:cBhvr>
-                                      <p:to>
-                                        <p:strVal val="visible"/>
-                                      </p:to>
-                                    </p:set>
-                                    <p:animEffect transition="in" filter="wipe(down)">
-                                      <p:cBhvr>
-                                        <p:cTn id="27" dur="500"/>
-                                        <p:tgtEl>
-                                          <p:spTgt spid="3">
-                                            <p:txEl>
-                                              <p:pRg st="4" end="4"/>
-                                            </p:txEl>
-                                          </p:spTgt>
-                                        </p:tgtEl>
-                                      </p:cBhvr>
-                                    </p:animEffect>
-                                  </p:childTnLst>
-                                </p:cTn>
-                              </p:par>
-                            </p:childTnLst>
-                          </p:cTn>
-                        </p:par>
-                      </p:childTnLst>
-                    </p:cTn>
-                  </p:par>
-                  <p:par>
-                    <p:cTn id="28" fill="hold">
-                      <p:stCondLst>
-                        <p:cond delay="indefinite"/>
-                      </p:stCondLst>
-                      <p:childTnLst>
-                        <p:par>
-                          <p:cTn id="29" fill="hold">
-                            <p:stCondLst>
-                              <p:cond delay="0"/>
-                            </p:stCondLst>
-                            <p:childTnLst>
-                              <p:par>
-                                <p:cTn id="30" presetID="22" presetClass="entr" presetSubtype="4" fill="hold" nodeType="clickEffect">
-                                  <p:stCondLst>
-                                    <p:cond delay="0"/>
-                                  </p:stCondLst>
-                                  <p:childTnLst>
-                                    <p:set>
-                                      <p:cBhvr>
-                                        <p:cTn id="31" dur="1" fill="hold">
-                                          <p:stCondLst>
-                                            <p:cond delay="0"/>
-                                          </p:stCondLst>
-                                        </p:cTn>
-                                        <p:tgtEl>
-                                          <p:spTgt spid="3">
-                                            <p:txEl>
-                                              <p:pRg st="5" end="5"/>
-                                            </p:txEl>
-                                          </p:spTgt>
-                                        </p:tgtEl>
-                                        <p:attrNameLst>
-                                          <p:attrName>style.visibility</p:attrName>
-                                        </p:attrNameLst>
-                                      </p:cBhvr>
-                                      <p:to>
-                                        <p:strVal val="visible"/>
-                                      </p:to>
-                                    </p:set>
-                                    <p:animEffect transition="in" filter="wipe(down)">
-                                      <p:cBhvr>
-                                        <p:cTn id="32" dur="500"/>
-                                        <p:tgtEl>
-                                          <p:spTgt spid="3">
-                                            <p:txEl>
-                                              <p:pRg st="5" end="5"/>
-                                            </p:txEl>
-                                          </p:spTgt>
-                                        </p:tgtEl>
-                                      </p:cBhvr>
-                                    </p:animEffect>
-                                  </p:childTnLst>
-                                </p:cTn>
-                              </p:par>
-                            </p:childTnLst>
-                          </p:cTn>
-                        </p:par>
-                      </p:childTnLst>
-                    </p:cTn>
-                  </p:par>
-                  <p:par>
-                    <p:cTn id="33" fill="hold">
-                      <p:stCondLst>
-                        <p:cond delay="indefinite"/>
-                      </p:stCondLst>
-                      <p:childTnLst>
-                        <p:par>
-                          <p:cTn id="34" fill="hold">
-                            <p:stCondLst>
-                              <p:cond delay="0"/>
-                            </p:stCondLst>
-                            <p:childTnLst>
-                              <p:par>
-                                <p:cTn id="35" presetID="22" presetClass="entr" presetSubtype="4" fill="hold" nodeType="clickEffect">
-                                  <p:stCondLst>
-                                    <p:cond delay="0"/>
-                                  </p:stCondLst>
-                                  <p:childTnLst>
-                                    <p:set>
-                                      <p:cBhvr>
-                                        <p:cTn id="36" dur="1" fill="hold">
-                                          <p:stCondLst>
-                                            <p:cond delay="0"/>
-                                          </p:stCondLst>
-                                        </p:cTn>
-                                        <p:tgtEl>
-                                          <p:spTgt spid="3">
-                                            <p:txEl>
-                                              <p:pRg st="6" end="6"/>
-                                            </p:txEl>
-                                          </p:spTgt>
-                                        </p:tgtEl>
-                                        <p:attrNameLst>
-                                          <p:attrName>style.visibility</p:attrName>
-                                        </p:attrNameLst>
-                                      </p:cBhvr>
-                                      <p:to>
-                                        <p:strVal val="visible"/>
-                                      </p:to>
-                                    </p:set>
-                                    <p:animEffect transition="in" filter="wipe(down)">
-                                      <p:cBhvr>
-                                        <p:cTn id="37" dur="500"/>
-                                        <p:tgtEl>
-                                          <p:spTgt spid="3">
-                                            <p:txEl>
-                                              <p:pRg st="6" end="6"/>
-                                            </p:txEl>
-                                          </p:spTgt>
-                                        </p:tgtEl>
-                                      </p:cBhvr>
-                                    </p:animEffect>
-                                  </p:childTnLst>
-                                </p:cTn>
-                              </p:par>
-                            </p:childTnLst>
-                          </p:cTn>
-                        </p:par>
-                      </p:childTnLst>
-                    </p:cTn>
-                  </p:par>
-                  <p:par>
-                    <p:cTn id="38" fill="hold">
-                      <p:stCondLst>
-                        <p:cond delay="indefinite"/>
-                      </p:stCondLst>
-                      <p:childTnLst>
-                        <p:par>
-                          <p:cTn id="39" fill="hold">
-                            <p:stCondLst>
-                              <p:cond delay="0"/>
-                            </p:stCondLst>
-                            <p:childTnLst>
-                              <p:par>
-                                <p:cTn id="40" presetID="22" presetClass="entr" presetSubtype="4" fill="hold" nodeType="clickEffect">
-                                  <p:stCondLst>
-                                    <p:cond delay="0"/>
-                                  </p:stCondLst>
-                                  <p:childTnLst>
-                                    <p:set>
-                                      <p:cBhvr>
-                                        <p:cTn id="41" dur="1" fill="hold">
-                                          <p:stCondLst>
-                                            <p:cond delay="0"/>
-                                          </p:stCondLst>
-                                        </p:cTn>
-                                        <p:tgtEl>
-                                          <p:spTgt spid="3">
-                                            <p:txEl>
-                                              <p:pRg st="7" end="7"/>
-                                            </p:txEl>
-                                          </p:spTgt>
-                                        </p:tgtEl>
-                                        <p:attrNameLst>
-                                          <p:attrName>style.visibility</p:attrName>
-                                        </p:attrNameLst>
-                                      </p:cBhvr>
-                                      <p:to>
-                                        <p:strVal val="visible"/>
-                                      </p:to>
-                                    </p:set>
-                                    <p:animEffect transition="in" filter="wipe(down)">
-                                      <p:cBhvr>
-                                        <p:cTn id="42" dur="500"/>
-                                        <p:tgtEl>
-                                          <p:spTgt spid="3">
-                                            <p:txEl>
-                                              <p:pRg st="7" end="7"/>
-                                            </p:txEl>
-                                          </p:spTgt>
-                                        </p:tgtEl>
-                                      </p:cBhvr>
-                                    </p:animEffect>
-                                  </p:childTnLst>
-                                </p:cTn>
-                              </p:par>
-                            </p:childTnLst>
-                          </p:cTn>
-                        </p:par>
-                      </p:childTnLst>
-                    </p:cTn>
-                  </p:par>
-                  <p:par>
-                    <p:cTn id="43" fill="hold">
-                      <p:stCondLst>
-                        <p:cond delay="indefinite"/>
-                      </p:stCondLst>
-                      <p:childTnLst>
-                        <p:par>
-                          <p:cTn id="44" fill="hold">
-                            <p:stCondLst>
-                              <p:cond delay="0"/>
-                            </p:stCondLst>
-                            <p:childTnLst>
-                              <p:par>
-                                <p:cTn id="45" presetID="22" presetClass="entr" presetSubtype="4" fill="hold" nodeType="clickEffect">
-                                  <p:stCondLst>
-                                    <p:cond delay="0"/>
-                                  </p:stCondLst>
-                                  <p:childTnLst>
-                                    <p:set>
-                                      <p:cBhvr>
-                                        <p:cTn id="46" dur="1" fill="hold">
-                                          <p:stCondLst>
-                                            <p:cond delay="0"/>
-                                          </p:stCondLst>
-                                        </p:cTn>
-                                        <p:tgtEl>
-                                          <p:spTgt spid="3">
-                                            <p:txEl>
-                                              <p:pRg st="8" end="8"/>
-                                            </p:txEl>
-                                          </p:spTgt>
-                                        </p:tgtEl>
-                                        <p:attrNameLst>
-                                          <p:attrName>style.visibility</p:attrName>
-                                        </p:attrNameLst>
-                                      </p:cBhvr>
-                                      <p:to>
-                                        <p:strVal val="visible"/>
-                                      </p:to>
-                                    </p:set>
-                                    <p:animEffect transition="in" filter="wipe(down)">
-                                      <p:cBhvr>
-                                        <p:cTn id="47" dur="500"/>
-                                        <p:tgtEl>
-                                          <p:spTgt spid="3">
-                                            <p:txEl>
-                                              <p:pRg st="8" end="8"/>
-                                            </p:txEl>
-                                          </p:spTgt>
-                                        </p:tgtEl>
-                                      </p:cBhvr>
-                                    </p:animEffect>
-                                  </p:childTnLst>
-                                </p:cTn>
-                              </p:par>
-                            </p:childTnLst>
-                          </p:cTn>
-                        </p:par>
-                      </p:childTnLst>
-                    </p:cTn>
-                  </p:par>
-                </p:childTnLst>
-              </p:cTn>
-              <p:prevCondLst>
-                <p:cond evt="onPrev" delay="0">
-                  <p:tgtEl>
-                    <p:sldTgt/>
-                  </p:tgtEl>
-                </p:cond>
-              </p:prevCondLst>
-              <p:nextCondLst>
-                <p:cond evt="onNext" delay="0">
-                  <p:tgtEl>
-                    <p:sldTgt/>
-                  </p:tgtEl>
-                </p:cond>
-              </p:nextCondLst>
-            </p:seq>
-          </p:childTnLst>
-        </p:cTn>
-      </p:par>
-    </p:tnLst>
-  </p:timing>
-</p:sld>
-</file>
-
-<file path=ppt/slides/slide11.xml><?xml version="1.0" encoding="utf-8"?>
-<p:sld xmlns:a="http://schemas.openxmlformats.org/drawingml/2006/main" xmlns:r="http://schemas.openxmlformats.org/officeDocument/2006/relationships" xmlns:p="http://schemas.openxmlformats.org/presentationml/2006/main">
-  <p:cSld>
-    <p:spTree>
-      <p:nvGrpSpPr>
-        <p:cNvPr id="1" name=""/>
-        <p:cNvGrpSpPr/>
-        <p:nvPr/>
-      </p:nvGrpSpPr>
-      <p:grpSpPr>
-        <a:xfrm>
-          <a:off x="0" y="0"/>
-          <a:ext cx="0" cy="0"/>
-          <a:chOff x="0" y="0"/>
-          <a:chExt cx="0" cy="0"/>
-        </a:xfrm>
-      </p:grpSpPr>
-      <p:sp>
-        <p:nvSpPr>
-          <p:cNvPr id="2" name="Title 1">
-            <a:extLst>
-              <a:ext uri="{FF2B5EF4-FFF2-40B4-BE49-F238E27FC236}">
-                <a16:creationId xmlns:a16="http://schemas.microsoft.com/office/drawing/2014/main" id="{B3DC2EDE-24AC-E898-BFE7-2BA534AE08CD}"/>
-              </a:ext>
-            </a:extLst>
-          </p:cNvPr>
-          <p:cNvSpPr>
-            <a:spLocks noGrp="1"/>
-          </p:cNvSpPr>
-          <p:nvPr>
-            <p:ph type="title"/>
-          </p:nvPr>
-        </p:nvSpPr>
-        <p:spPr/>
-        <p:txBody>
-          <a:bodyPr/>
-          <a:lstStyle/>
-          <a:p>
-            <a:r>
-              <a:rPr lang="en-US" dirty="0"/>
-              <a:t>Question</a:t>
-            </a:r>
-          </a:p>
-        </p:txBody>
-      </p:sp>
-      <p:sp>
-        <p:nvSpPr>
-          <p:cNvPr id="3" name="Content Placeholder 2">
-            <a:extLst>
-              <a:ext uri="{FF2B5EF4-FFF2-40B4-BE49-F238E27FC236}">
-                <a16:creationId xmlns:a16="http://schemas.microsoft.com/office/drawing/2014/main" id="{F9696FCA-211D-9862-CE07-ECC8C82F206A}"/>
-              </a:ext>
-            </a:extLst>
-          </p:cNvPr>
-          <p:cNvSpPr>
-            <a:spLocks noGrp="1"/>
-          </p:cNvSpPr>
-          <p:nvPr>
-            <p:ph idx="1"/>
-          </p:nvPr>
-        </p:nvSpPr>
-        <p:spPr/>
-        <p:txBody>
-          <a:bodyPr>
-            <a:normAutofit lnSpcReduction="10000"/>
-          </a:bodyPr>
-          <a:lstStyle/>
-          <a:p>
-            <a:r>
-              <a:rPr lang="en-US" dirty="0"/>
-              <a:t>How can we get more users for our news website?</a:t>
-            </a:r>
-          </a:p>
-          <a:p>
-            <a:endParaRPr lang="en-US" dirty="0"/>
-          </a:p>
-          <a:p>
-            <a:endParaRPr lang="en-US" dirty="0"/>
-          </a:p>
-          <a:p>
-            <a:endParaRPr lang="en-US" dirty="0"/>
-          </a:p>
-          <a:p>
-            <a:endParaRPr lang="en-US" dirty="0"/>
-          </a:p>
-          <a:p>
-            <a:pPr marL="0" indent="0">
-              <a:buNone/>
-            </a:pPr>
-            <a:endParaRPr lang="en-US" dirty="0"/>
-          </a:p>
-          <a:p>
-            <a:r>
-              <a:rPr lang="en-US" dirty="0"/>
-              <a:t>Our solution: find most frequent words in news</a:t>
-            </a:r>
-          </a:p>
-        </p:txBody>
-      </p:sp>
-      <p:sp>
-        <p:nvSpPr>
-          <p:cNvPr id="4" name="Footer Placeholder 3">
-            <a:extLst>
-              <a:ext uri="{FF2B5EF4-FFF2-40B4-BE49-F238E27FC236}">
-                <a16:creationId xmlns:a16="http://schemas.microsoft.com/office/drawing/2014/main" id="{1303E7C7-DB16-9FCA-42CF-70F04616C8D8}"/>
-              </a:ext>
-            </a:extLst>
-          </p:cNvPr>
-          <p:cNvSpPr>
-            <a:spLocks noGrp="1"/>
-          </p:cNvSpPr>
-          <p:nvPr>
-            <p:ph type="ftr" sz="quarter" idx="11"/>
-          </p:nvPr>
-        </p:nvSpPr>
-        <p:spPr/>
-        <p:txBody>
-          <a:bodyPr/>
-          <a:lstStyle/>
-          <a:p>
-            <a:r>
-              <a:rPr lang="en-US"/>
-              <a:t>Fundamental Programming with Python</a:t>
-            </a:r>
-            <a:endParaRPr lang="en-US" dirty="0"/>
-          </a:p>
-        </p:txBody>
-      </p:sp>
-      <p:sp>
-        <p:nvSpPr>
-          <p:cNvPr id="5" name="Slide Number Placeholder 4">
-            <a:extLst>
-              <a:ext uri="{FF2B5EF4-FFF2-40B4-BE49-F238E27FC236}">
-                <a16:creationId xmlns:a16="http://schemas.microsoft.com/office/drawing/2014/main" id="{BC3EA3A6-B626-2A9B-98E4-1161214E332C}"/>
-              </a:ext>
-            </a:extLst>
-          </p:cNvPr>
-          <p:cNvSpPr>
-            <a:spLocks noGrp="1"/>
-          </p:cNvSpPr>
-          <p:nvPr>
-            <p:ph type="sldNum" sz="quarter" idx="12"/>
-          </p:nvPr>
-        </p:nvSpPr>
-        <p:spPr/>
-        <p:txBody>
-          <a:bodyPr/>
-          <a:lstStyle/>
-          <a:p>
-            <a:fld id="{0079CAC6-A72B-4EF8-B465-34FA47827E7F}" type="slidenum">
-              <a:rPr lang="en-US" smtClean="0"/>
-              <a:t>11</a:t>
             </a:fld>
             <a:endParaRPr lang="en-US" dirty="0"/>
           </a:p>
@@ -5922,7 +8203,7 @@
 </p:sld>
 </file>
 
-<file path=ppt/slides/slide12.xml><?xml version="1.0" encoding="utf-8"?>
+<file path=ppt/slides/slide11.xml><?xml version="1.0" encoding="utf-8"?>
 <p:sld xmlns:a="http://schemas.openxmlformats.org/drawingml/2006/main" xmlns:r="http://schemas.openxmlformats.org/officeDocument/2006/relationships" xmlns:p="http://schemas.openxmlformats.org/presentationml/2006/main">
   <p:cSld>
     <p:spTree>
@@ -6099,7 +8380,7 @@
           <a:p>
             <a:fld id="{0079CAC6-A72B-4EF8-B465-34FA47827E7F}" type="slidenum">
               <a:rPr lang="en-US" smtClean="0"/>
-              <a:t>12</a:t>
+              <a:t>11</a:t>
             </a:fld>
             <a:endParaRPr lang="en-US" dirty="0"/>
           </a:p>
@@ -6118,7 +8399,7 @@
 </p:sld>
 </file>
 
-<file path=ppt/slides/slide13.xml><?xml version="1.0" encoding="utf-8"?>
+<file path=ppt/slides/slide12.xml><?xml version="1.0" encoding="utf-8"?>
 <p:sld xmlns:a="http://schemas.openxmlformats.org/drawingml/2006/main" xmlns:r="http://schemas.openxmlformats.org/officeDocument/2006/relationships" xmlns:p="http://schemas.openxmlformats.org/presentationml/2006/main">
   <p:cSld>
     <p:bg>
@@ -6197,7 +8478,7 @@
           <a:p>
             <a:fld id="{0079CAC6-A72B-4EF8-B465-34FA47827E7F}" type="slidenum">
               <a:rPr lang="en-US" smtClean="0"/>
-              <a:t>13</a:t>
+              <a:t>12</a:t>
             </a:fld>
             <a:endParaRPr lang="en-US" dirty="0"/>
           </a:p>
@@ -6246,6 +8527,155 @@
     <p:extLst>
       <p:ext uri="{BB962C8B-B14F-4D97-AF65-F5344CB8AC3E}">
         <p14:creationId xmlns:p14="http://schemas.microsoft.com/office/powerpoint/2010/main" val="1150384627"/>
+      </p:ext>
+    </p:extLst>
+  </p:cSld>
+  <p:clrMapOvr>
+    <a:masterClrMapping/>
+  </p:clrMapOvr>
+</p:sld>
+</file>
+
+<file path=ppt/slides/slide13.xml><?xml version="1.0" encoding="utf-8"?>
+<p:sld xmlns:a="http://schemas.openxmlformats.org/drawingml/2006/main" xmlns:r="http://schemas.openxmlformats.org/officeDocument/2006/relationships" xmlns:p="http://schemas.openxmlformats.org/presentationml/2006/main">
+  <p:cSld>
+    <p:spTree>
+      <p:nvGrpSpPr>
+        <p:cNvPr id="1" name=""/>
+        <p:cNvGrpSpPr/>
+        <p:nvPr/>
+      </p:nvGrpSpPr>
+      <p:grpSpPr>
+        <a:xfrm>
+          <a:off x="0" y="0"/>
+          <a:ext cx="0" cy="0"/>
+          <a:chOff x="0" y="0"/>
+          <a:chExt cx="0" cy="0"/>
+        </a:xfrm>
+      </p:grpSpPr>
+      <p:sp>
+        <p:nvSpPr>
+          <p:cNvPr id="5" name="Title 4">
+            <a:extLst>
+              <a:ext uri="{FF2B5EF4-FFF2-40B4-BE49-F238E27FC236}">
+                <a16:creationId xmlns:a16="http://schemas.microsoft.com/office/drawing/2014/main" id="{D7945DB5-293D-FABE-44EF-43B1090B4303}"/>
+              </a:ext>
+            </a:extLst>
+          </p:cNvPr>
+          <p:cNvSpPr>
+            <a:spLocks noGrp="1"/>
+          </p:cNvSpPr>
+          <p:nvPr>
+            <p:ph type="title"/>
+          </p:nvPr>
+        </p:nvSpPr>
+        <p:spPr/>
+        <p:txBody>
+          <a:bodyPr/>
+          <a:lstStyle/>
+          <a:p>
+            <a:pPr algn="r" rtl="1"/>
+            <a:r>
+              <a:rPr lang="fa-IR" dirty="0">
+                <a:latin typeface="Kalameh" pitchFamily="2" charset="-78"/>
+                <a:cs typeface="Kalameh" pitchFamily="2" charset="-78"/>
+              </a:rPr>
+              <a:t>مسئله ترافیک و پمپ بزنین</a:t>
+            </a:r>
+            <a:endParaRPr lang="en-US" dirty="0">
+              <a:latin typeface="Kalameh" pitchFamily="2" charset="-78"/>
+              <a:cs typeface="Kalameh" pitchFamily="2" charset="-78"/>
+            </a:endParaRPr>
+          </a:p>
+        </p:txBody>
+      </p:sp>
+      <p:sp>
+        <p:nvSpPr>
+          <p:cNvPr id="6" name="Content Placeholder 5">
+            <a:extLst>
+              <a:ext uri="{FF2B5EF4-FFF2-40B4-BE49-F238E27FC236}">
+                <a16:creationId xmlns:a16="http://schemas.microsoft.com/office/drawing/2014/main" id="{065BA1FE-817E-844D-3FDF-4D53180EF6AD}"/>
+              </a:ext>
+            </a:extLst>
+          </p:cNvPr>
+          <p:cNvSpPr>
+            <a:spLocks noGrp="1"/>
+          </p:cNvSpPr>
+          <p:nvPr>
+            <p:ph idx="1"/>
+          </p:nvPr>
+        </p:nvSpPr>
+        <p:spPr/>
+        <p:txBody>
+          <a:bodyPr/>
+          <a:lstStyle/>
+          <a:p>
+            <a:endParaRPr lang="en-US"/>
+          </a:p>
+        </p:txBody>
+      </p:sp>
+      <p:sp>
+        <p:nvSpPr>
+          <p:cNvPr id="2" name="Footer Placeholder 1">
+            <a:extLst>
+              <a:ext uri="{FF2B5EF4-FFF2-40B4-BE49-F238E27FC236}">
+                <a16:creationId xmlns:a16="http://schemas.microsoft.com/office/drawing/2014/main" id="{A97205EA-ECDB-634C-B4B9-70BEDF180385}"/>
+              </a:ext>
+            </a:extLst>
+          </p:cNvPr>
+          <p:cNvSpPr>
+            <a:spLocks noGrp="1"/>
+          </p:cNvSpPr>
+          <p:nvPr>
+            <p:ph type="ftr" sz="quarter" idx="11"/>
+          </p:nvPr>
+        </p:nvSpPr>
+        <p:spPr/>
+        <p:txBody>
+          <a:bodyPr/>
+          <a:lstStyle/>
+          <a:p>
+            <a:r>
+              <a:rPr lang="en-US"/>
+              <a:t>Fundamental Programming with Python</a:t>
+            </a:r>
+            <a:endParaRPr lang="en-US" dirty="0"/>
+          </a:p>
+        </p:txBody>
+      </p:sp>
+      <p:sp>
+        <p:nvSpPr>
+          <p:cNvPr id="3" name="Slide Number Placeholder 2">
+            <a:extLst>
+              <a:ext uri="{FF2B5EF4-FFF2-40B4-BE49-F238E27FC236}">
+                <a16:creationId xmlns:a16="http://schemas.microsoft.com/office/drawing/2014/main" id="{BFFA5F1A-D8EE-4802-B9C7-4D6900006189}"/>
+              </a:ext>
+            </a:extLst>
+          </p:cNvPr>
+          <p:cNvSpPr>
+            <a:spLocks noGrp="1"/>
+          </p:cNvSpPr>
+          <p:nvPr>
+            <p:ph type="sldNum" sz="quarter" idx="12"/>
+          </p:nvPr>
+        </p:nvSpPr>
+        <p:spPr/>
+        <p:txBody>
+          <a:bodyPr/>
+          <a:lstStyle/>
+          <a:p>
+            <a:fld id="{0079CAC6-A72B-4EF8-B465-34FA47827E7F}" type="slidenum">
+              <a:rPr lang="en-US" smtClean="0"/>
+              <a:t>13</a:t>
+            </a:fld>
+            <a:endParaRPr lang="en-US" dirty="0"/>
+          </a:p>
+        </p:txBody>
+      </p:sp>
+    </p:spTree>
+    <p:extLst>
+      <p:ext uri="{BB962C8B-B14F-4D97-AF65-F5344CB8AC3E}">
+        <p14:creationId xmlns:p14="http://schemas.microsoft.com/office/powerpoint/2010/main" val="3304234574"/>
       </p:ext>
     </p:extLst>
   </p:cSld>
@@ -6277,7 +8707,7 @@
           <p:cNvPr id="5" name="Title 4">
             <a:extLst>
               <a:ext uri="{FF2B5EF4-FFF2-40B4-BE49-F238E27FC236}">
-                <a16:creationId xmlns:a16="http://schemas.microsoft.com/office/drawing/2014/main" id="{D7945DB5-293D-FABE-44EF-43B1090B4303}"/>
+                <a16:creationId xmlns:a16="http://schemas.microsoft.com/office/drawing/2014/main" id="{3E1FC432-A453-870C-34F6-F5AB1E824DD3}"/>
               </a:ext>
             </a:extLst>
           </p:cNvPr>
@@ -6293,88 +8723,19 @@
           <a:bodyPr/>
           <a:lstStyle/>
           <a:p>
-            <a:pPr algn="r" rtl="1"/>
-            <a:r>
-              <a:rPr lang="fa-IR" dirty="0">
-                <a:latin typeface="Kalameh" pitchFamily="2" charset="-78"/>
-                <a:cs typeface="Kalameh" pitchFamily="2" charset="-78"/>
-              </a:rPr>
-              <a:t>مسئله </a:t>
-            </a:r>
-            <a:r>
-              <a:rPr lang="fa-IR">
-                <a:latin typeface="Kalameh" pitchFamily="2" charset="-78"/>
-                <a:cs typeface="Kalameh" pitchFamily="2" charset="-78"/>
-              </a:rPr>
-              <a:t>ترافیک و پمپ بزنین</a:t>
-            </a:r>
-            <a:endParaRPr lang="en-US" dirty="0">
-              <a:latin typeface="Kalameh" pitchFamily="2" charset="-78"/>
-              <a:cs typeface="Kalameh" pitchFamily="2" charset="-78"/>
-            </a:endParaRPr>
-          </a:p>
-        </p:txBody>
-      </p:sp>
-      <p:sp>
-        <p:nvSpPr>
-          <p:cNvPr id="6" name="Content Placeholder 5">
+            <a:r>
+              <a:rPr lang="en-US" dirty="0"/>
+              <a:t>Different Scops in Python</a:t>
+            </a:r>
+          </a:p>
+        </p:txBody>
+      </p:sp>
+      <p:sp>
+        <p:nvSpPr>
+          <p:cNvPr id="4" name="Slide Number Placeholder 3">
             <a:extLst>
               <a:ext uri="{FF2B5EF4-FFF2-40B4-BE49-F238E27FC236}">
-                <a16:creationId xmlns:a16="http://schemas.microsoft.com/office/drawing/2014/main" id="{065BA1FE-817E-844D-3FDF-4D53180EF6AD}"/>
-              </a:ext>
-            </a:extLst>
-          </p:cNvPr>
-          <p:cNvSpPr>
-            <a:spLocks noGrp="1"/>
-          </p:cNvSpPr>
-          <p:nvPr>
-            <p:ph idx="1"/>
-          </p:nvPr>
-        </p:nvSpPr>
-        <p:spPr/>
-        <p:txBody>
-          <a:bodyPr/>
-          <a:lstStyle/>
-          <a:p>
-            <a:endParaRPr lang="en-US"/>
-          </a:p>
-        </p:txBody>
-      </p:sp>
-      <p:sp>
-        <p:nvSpPr>
-          <p:cNvPr id="2" name="Footer Placeholder 1">
-            <a:extLst>
-              <a:ext uri="{FF2B5EF4-FFF2-40B4-BE49-F238E27FC236}">
-                <a16:creationId xmlns:a16="http://schemas.microsoft.com/office/drawing/2014/main" id="{A97205EA-ECDB-634C-B4B9-70BEDF180385}"/>
-              </a:ext>
-            </a:extLst>
-          </p:cNvPr>
-          <p:cNvSpPr>
-            <a:spLocks noGrp="1"/>
-          </p:cNvSpPr>
-          <p:nvPr>
-            <p:ph type="ftr" sz="quarter" idx="11"/>
-          </p:nvPr>
-        </p:nvSpPr>
-        <p:spPr/>
-        <p:txBody>
-          <a:bodyPr/>
-          <a:lstStyle/>
-          <a:p>
-            <a:r>
-              <a:rPr lang="en-US"/>
-              <a:t>Fundamental Programming with Python</a:t>
-            </a:r>
-            <a:endParaRPr lang="en-US" dirty="0"/>
-          </a:p>
-        </p:txBody>
-      </p:sp>
-      <p:sp>
-        <p:nvSpPr>
-          <p:cNvPr id="3" name="Slide Number Placeholder 2">
-            <a:extLst>
-              <a:ext uri="{FF2B5EF4-FFF2-40B4-BE49-F238E27FC236}">
-                <a16:creationId xmlns:a16="http://schemas.microsoft.com/office/drawing/2014/main" id="{BFFA5F1A-D8EE-4802-B9C7-4D6900006189}"/>
+                <a16:creationId xmlns:a16="http://schemas.microsoft.com/office/drawing/2014/main" id="{872D2B23-7846-DE1D-E096-383132454A1B}"/>
               </a:ext>
             </a:extLst>
           </p:cNvPr>
@@ -6398,10 +8759,39 @@
           </a:p>
         </p:txBody>
       </p:sp>
+      <p:sp>
+        <p:nvSpPr>
+          <p:cNvPr id="2" name="Footer Placeholder 1">
+            <a:extLst>
+              <a:ext uri="{FF2B5EF4-FFF2-40B4-BE49-F238E27FC236}">
+                <a16:creationId xmlns:a16="http://schemas.microsoft.com/office/drawing/2014/main" id="{88F3A02B-EBDE-A1C4-048E-E606628F0D93}"/>
+              </a:ext>
+            </a:extLst>
+          </p:cNvPr>
+          <p:cNvSpPr>
+            <a:spLocks noGrp="1"/>
+          </p:cNvSpPr>
+          <p:nvPr>
+            <p:ph type="ftr" sz="quarter" idx="11"/>
+          </p:nvPr>
+        </p:nvSpPr>
+        <p:spPr/>
+        <p:txBody>
+          <a:bodyPr/>
+          <a:lstStyle/>
+          <a:p>
+            <a:r>
+              <a:rPr lang="en-US"/>
+              <a:t>Fundamental Programming with Python</a:t>
+            </a:r>
+            <a:endParaRPr lang="en-US" dirty="0"/>
+          </a:p>
+        </p:txBody>
+      </p:sp>
     </p:spTree>
     <p:extLst>
       <p:ext uri="{BB962C8B-B14F-4D97-AF65-F5344CB8AC3E}">
-        <p14:creationId xmlns:p14="http://schemas.microsoft.com/office/powerpoint/2010/main" val="3304234574"/>
+        <p14:creationId xmlns:p14="http://schemas.microsoft.com/office/powerpoint/2010/main" val="3365726649"/>
       </p:ext>
     </p:extLst>
   </p:cSld>
@@ -6430,10 +8820,10 @@
       </p:grpSpPr>
       <p:sp>
         <p:nvSpPr>
-          <p:cNvPr id="5" name="Title 4">
+          <p:cNvPr id="2" name="Title 1">
             <a:extLst>
               <a:ext uri="{FF2B5EF4-FFF2-40B4-BE49-F238E27FC236}">
-                <a16:creationId xmlns:a16="http://schemas.microsoft.com/office/drawing/2014/main" id="{3E1FC432-A453-870C-34F6-F5AB1E824DD3}"/>
+                <a16:creationId xmlns:a16="http://schemas.microsoft.com/office/drawing/2014/main" id="{A5FE3B9D-9F64-15AD-7766-C906E2CB65EA}"/>
               </a:ext>
             </a:extLst>
           </p:cNvPr>
@@ -6446,13 +8836,83 @@
         </p:nvSpPr>
         <p:spPr/>
         <p:txBody>
+          <a:bodyPr>
+            <a:normAutofit/>
+          </a:bodyPr>
+          <a:lstStyle/>
+          <a:p>
+            <a:r>
+              <a:rPr lang="en-US" sz="3600" dirty="0"/>
+              <a:t>I want to run our power.py for different inputs</a:t>
+            </a:r>
+          </a:p>
+        </p:txBody>
+      </p:sp>
+      <p:sp>
+        <p:nvSpPr>
+          <p:cNvPr id="5" name="Content Placeholder 4">
+            <a:extLst>
+              <a:ext uri="{FF2B5EF4-FFF2-40B4-BE49-F238E27FC236}">
+                <a16:creationId xmlns:a16="http://schemas.microsoft.com/office/drawing/2014/main" id="{48D4D037-F6B8-8D6A-AD1D-D5317A3EA95E}"/>
+              </a:ext>
+            </a:extLst>
+          </p:cNvPr>
+          <p:cNvSpPr>
+            <a:spLocks noGrp="1"/>
+          </p:cNvSpPr>
+          <p:nvPr>
+            <p:ph idx="1"/>
+          </p:nvPr>
+        </p:nvSpPr>
+        <p:spPr/>
+        <p:txBody>
+          <a:bodyPr>
+            <a:normAutofit/>
+          </a:bodyPr>
+          <a:lstStyle/>
+          <a:p>
+            <a:pPr marL="0" indent="0" algn="ctr">
+              <a:buNone/>
+            </a:pPr>
+            <a:endParaRPr lang="en-US" sz="4400" i="1" dirty="0"/>
+          </a:p>
+          <a:p>
+            <a:pPr marL="0" indent="0" algn="ctr">
+              <a:buNone/>
+            </a:pPr>
+            <a:r>
+              <a:rPr lang="en-US" sz="4400" i="1" dirty="0"/>
+              <a:t>What is your solution?</a:t>
+            </a:r>
+          </a:p>
+        </p:txBody>
+      </p:sp>
+      <p:sp>
+        <p:nvSpPr>
+          <p:cNvPr id="3" name="Footer Placeholder 2">
+            <a:extLst>
+              <a:ext uri="{FF2B5EF4-FFF2-40B4-BE49-F238E27FC236}">
+                <a16:creationId xmlns:a16="http://schemas.microsoft.com/office/drawing/2014/main" id="{5AAB4D9F-0735-4CD8-7DFB-30604D638CA3}"/>
+              </a:ext>
+            </a:extLst>
+          </p:cNvPr>
+          <p:cNvSpPr>
+            <a:spLocks noGrp="1"/>
+          </p:cNvSpPr>
+          <p:nvPr>
+            <p:ph type="ftr" sz="quarter" idx="11"/>
+          </p:nvPr>
+        </p:nvSpPr>
+        <p:spPr/>
+        <p:txBody>
           <a:bodyPr/>
           <a:lstStyle/>
           <a:p>
             <a:r>
-              <a:rPr lang="en-US" dirty="0"/>
-              <a:t>Different Scops in Python</a:t>
-            </a:r>
+              <a:rPr lang="en-US"/>
+              <a:t>Fundamental Programming with Python</a:t>
+            </a:r>
+            <a:endParaRPr lang="en-US" dirty="0"/>
           </a:p>
         </p:txBody>
       </p:sp>
@@ -6461,7 +8921,7 @@
           <p:cNvPr id="4" name="Slide Number Placeholder 3">
             <a:extLst>
               <a:ext uri="{FF2B5EF4-FFF2-40B4-BE49-F238E27FC236}">
-                <a16:creationId xmlns:a16="http://schemas.microsoft.com/office/drawing/2014/main" id="{872D2B23-7846-DE1D-E096-383132454A1B}"/>
+                <a16:creationId xmlns:a16="http://schemas.microsoft.com/office/drawing/2014/main" id="{66958F9C-63BC-9BCD-B371-65E008EDD212}"/>
               </a:ext>
             </a:extLst>
           </p:cNvPr>
@@ -6485,39 +8945,10 @@
           </a:p>
         </p:txBody>
       </p:sp>
-      <p:sp>
-        <p:nvSpPr>
-          <p:cNvPr id="2" name="Footer Placeholder 1">
-            <a:extLst>
-              <a:ext uri="{FF2B5EF4-FFF2-40B4-BE49-F238E27FC236}">
-                <a16:creationId xmlns:a16="http://schemas.microsoft.com/office/drawing/2014/main" id="{88F3A02B-EBDE-A1C4-048E-E606628F0D93}"/>
-              </a:ext>
-            </a:extLst>
-          </p:cNvPr>
-          <p:cNvSpPr>
-            <a:spLocks noGrp="1"/>
-          </p:cNvSpPr>
-          <p:nvPr>
-            <p:ph type="ftr" sz="quarter" idx="11"/>
-          </p:nvPr>
-        </p:nvSpPr>
-        <p:spPr/>
-        <p:txBody>
-          <a:bodyPr/>
-          <a:lstStyle/>
-          <a:p>
-            <a:r>
-              <a:rPr lang="en-US"/>
-              <a:t>Fundamental Programming with Python</a:t>
-            </a:r>
-            <a:endParaRPr lang="en-US" dirty="0"/>
-          </a:p>
-        </p:txBody>
-      </p:sp>
     </p:spTree>
     <p:extLst>
       <p:ext uri="{BB962C8B-B14F-4D97-AF65-F5344CB8AC3E}">
-        <p14:creationId xmlns:p14="http://schemas.microsoft.com/office/powerpoint/2010/main" val="3365726649"/>
+        <p14:creationId xmlns:p14="http://schemas.microsoft.com/office/powerpoint/2010/main" val="1135545350"/>
       </p:ext>
     </p:extLst>
   </p:cSld>
@@ -6546,10 +8977,10 @@
       </p:grpSpPr>
       <p:sp>
         <p:nvSpPr>
-          <p:cNvPr id="2" name="Title 1">
+          <p:cNvPr id="5" name="Title 4">
             <a:extLst>
               <a:ext uri="{FF2B5EF4-FFF2-40B4-BE49-F238E27FC236}">
-                <a16:creationId xmlns:a16="http://schemas.microsoft.com/office/drawing/2014/main" id="{A5FE3B9D-9F64-15AD-7766-C906E2CB65EA}"/>
+                <a16:creationId xmlns:a16="http://schemas.microsoft.com/office/drawing/2014/main" id="{07F989F3-50A6-2342-8682-9C31B877FDF5}"/>
               </a:ext>
             </a:extLst>
           </p:cNvPr>
@@ -6562,24 +8993,22 @@
         </p:nvSpPr>
         <p:spPr/>
         <p:txBody>
-          <a:bodyPr>
-            <a:normAutofit/>
-          </a:bodyPr>
-          <a:lstStyle/>
-          <a:p>
-            <a:r>
-              <a:rPr lang="en-US" sz="3600" dirty="0"/>
-              <a:t>I want to run our power.py for different inputs</a:t>
-            </a:r>
-          </a:p>
-        </p:txBody>
-      </p:sp>
-      <p:sp>
-        <p:nvSpPr>
-          <p:cNvPr id="5" name="Content Placeholder 4">
+          <a:bodyPr/>
+          <a:lstStyle/>
+          <a:p>
+            <a:r>
+              <a:rPr lang="en-US" dirty="0"/>
+              <a:t>Functions</a:t>
+            </a:r>
+          </a:p>
+        </p:txBody>
+      </p:sp>
+      <p:sp>
+        <p:nvSpPr>
+          <p:cNvPr id="3" name="Footer Placeholder 2">
             <a:extLst>
               <a:ext uri="{FF2B5EF4-FFF2-40B4-BE49-F238E27FC236}">
-                <a16:creationId xmlns:a16="http://schemas.microsoft.com/office/drawing/2014/main" id="{48D4D037-F6B8-8D6A-AD1D-D5317A3EA95E}"/>
+                <a16:creationId xmlns:a16="http://schemas.microsoft.com/office/drawing/2014/main" id="{13191BCB-0D5F-4B60-0E39-9FCB9404A442}"/>
               </a:ext>
             </a:extLst>
           </p:cNvPr>
@@ -6587,45 +9016,6 @@
             <a:spLocks noGrp="1"/>
           </p:cNvSpPr>
           <p:nvPr>
-            <p:ph idx="1"/>
-          </p:nvPr>
-        </p:nvSpPr>
-        <p:spPr/>
-        <p:txBody>
-          <a:bodyPr>
-            <a:normAutofit/>
-          </a:bodyPr>
-          <a:lstStyle/>
-          <a:p>
-            <a:pPr marL="0" indent="0" algn="ctr">
-              <a:buNone/>
-            </a:pPr>
-            <a:endParaRPr lang="en-US" sz="4400" i="1" dirty="0"/>
-          </a:p>
-          <a:p>
-            <a:pPr marL="0" indent="0" algn="ctr">
-              <a:buNone/>
-            </a:pPr>
-            <a:r>
-              <a:rPr lang="en-US" sz="4400" i="1" dirty="0"/>
-              <a:t>What is your solution?</a:t>
-            </a:r>
-          </a:p>
-        </p:txBody>
-      </p:sp>
-      <p:sp>
-        <p:nvSpPr>
-          <p:cNvPr id="3" name="Footer Placeholder 2">
-            <a:extLst>
-              <a:ext uri="{FF2B5EF4-FFF2-40B4-BE49-F238E27FC236}">
-                <a16:creationId xmlns:a16="http://schemas.microsoft.com/office/drawing/2014/main" id="{5AAB4D9F-0735-4CD8-7DFB-30604D638CA3}"/>
-              </a:ext>
-            </a:extLst>
-          </p:cNvPr>
-          <p:cNvSpPr>
-            <a:spLocks noGrp="1"/>
-          </p:cNvSpPr>
-          <p:nvPr>
             <p:ph type="ftr" sz="quarter" idx="11"/>
           </p:nvPr>
         </p:nvSpPr>
@@ -6647,7 +9037,7 @@
           <p:cNvPr id="4" name="Slide Number Placeholder 3">
             <a:extLst>
               <a:ext uri="{FF2B5EF4-FFF2-40B4-BE49-F238E27FC236}">
-                <a16:creationId xmlns:a16="http://schemas.microsoft.com/office/drawing/2014/main" id="{66958F9C-63BC-9BCD-B371-65E008EDD212}"/>
+                <a16:creationId xmlns:a16="http://schemas.microsoft.com/office/drawing/2014/main" id="{170CFF21-96E5-7722-D3A9-0AA022166C5B}"/>
               </a:ext>
             </a:extLst>
           </p:cNvPr>
@@ -6671,10 +9061,293 @@
           </a:p>
         </p:txBody>
       </p:sp>
+      <mc:AlternateContent xmlns:mc="http://schemas.openxmlformats.org/markup-compatibility/2006">
+        <mc:Choice xmlns:a14="http://schemas.microsoft.com/office/drawing/2010/main" Requires="a14">
+          <p:sp>
+            <p:nvSpPr>
+              <p:cNvPr id="11" name="Content Placeholder 10">
+                <a:extLst>
+                  <a:ext uri="{FF2B5EF4-FFF2-40B4-BE49-F238E27FC236}">
+                    <a16:creationId xmlns:a16="http://schemas.microsoft.com/office/drawing/2014/main" id="{EE8AF743-CAC3-1992-AFB5-5D5C028DA64F}"/>
+                  </a:ext>
+                </a:extLst>
+              </p:cNvPr>
+              <p:cNvSpPr>
+                <a:spLocks noGrp="1"/>
+              </p:cNvSpPr>
+              <p:nvPr>
+                <p:ph idx="1"/>
+              </p:nvPr>
+            </p:nvSpPr>
+            <p:spPr>
+              <a:xfrm>
+                <a:off x="1202919" y="3088125"/>
+                <a:ext cx="9784080" cy="4206240"/>
+              </a:xfrm>
+            </p:spPr>
+            <p:txBody>
+              <a:bodyPr>
+                <a:normAutofit/>
+              </a:bodyPr>
+              <a:lstStyle/>
+              <a:p>
+                <a:pPr marL="0" indent="0">
+                  <a:buNone/>
+                </a:pPr>
+                <a14:m>
+                  <m:oMathPara xmlns:m="http://schemas.openxmlformats.org/officeDocument/2006/math">
+                    <m:oMathParaPr>
+                      <m:jc m:val="center"/>
+                    </m:oMathParaPr>
+                    <m:oMath xmlns:m="http://schemas.openxmlformats.org/officeDocument/2006/math">
+                      <m:r>
+                        <a:rPr lang="en-US" sz="8800" b="0" i="1" smtClean="0">
+                          <a:latin typeface="Cambria Math" panose="02040503050406030204" pitchFamily="18" charset="0"/>
+                        </a:rPr>
+                        <m:t>𝑦</m:t>
+                      </m:r>
+                      <m:r>
+                        <a:rPr lang="en-US" sz="8800" b="0" i="1" smtClean="0">
+                          <a:latin typeface="Cambria Math" panose="02040503050406030204" pitchFamily="18" charset="0"/>
+                        </a:rPr>
+                        <m:t>=</m:t>
+                      </m:r>
+                      <m:r>
+                        <a:rPr lang="en-US" sz="8800" b="0" i="1" smtClean="0">
+                          <a:latin typeface="Cambria Math" panose="02040503050406030204" pitchFamily="18" charset="0"/>
+                        </a:rPr>
+                        <m:t>𝐹</m:t>
+                      </m:r>
+                      <m:r>
+                        <a:rPr lang="en-US" sz="8800" b="0" i="1" smtClean="0">
+                          <a:latin typeface="Cambria Math" panose="02040503050406030204" pitchFamily="18" charset="0"/>
+                        </a:rPr>
+                        <m:t>(</m:t>
+                      </m:r>
+                      <m:r>
+                        <a:rPr lang="en-US" sz="8800" b="0" i="1" smtClean="0">
+                          <a:latin typeface="Cambria Math" panose="02040503050406030204" pitchFamily="18" charset="0"/>
+                        </a:rPr>
+                        <m:t>𝑥</m:t>
+                      </m:r>
+                      <m:r>
+                        <a:rPr lang="en-US" sz="8800" b="0" i="1" smtClean="0">
+                          <a:latin typeface="Cambria Math" panose="02040503050406030204" pitchFamily="18" charset="0"/>
+                        </a:rPr>
+                        <m:t>)</m:t>
+                      </m:r>
+                    </m:oMath>
+                  </m:oMathPara>
+                </a14:m>
+                <a:endParaRPr lang="en-US" sz="8800" dirty="0"/>
+              </a:p>
+            </p:txBody>
+          </p:sp>
+        </mc:Choice>
+        <mc:Fallback>
+          <p:sp>
+            <p:nvSpPr>
+              <p:cNvPr id="11" name="Content Placeholder 10">
+                <a:extLst>
+                  <a:ext uri="{FF2B5EF4-FFF2-40B4-BE49-F238E27FC236}">
+                    <a16:creationId xmlns:a16="http://schemas.microsoft.com/office/drawing/2014/main" id="{EE8AF743-CAC3-1992-AFB5-5D5C028DA64F}"/>
+                  </a:ext>
+                </a:extLst>
+              </p:cNvPr>
+              <p:cNvSpPr>
+                <a:spLocks noGrp="1" noRot="1" noChangeAspect="1" noMove="1" noResize="1" noEditPoints="1" noAdjustHandles="1" noChangeArrowheads="1" noChangeShapeType="1" noTextEdit="1"/>
+              </p:cNvSpPr>
+              <p:nvPr>
+                <p:ph idx="1"/>
+              </p:nvPr>
+            </p:nvSpPr>
+            <p:spPr>
+              <a:xfrm>
+                <a:off x="1202919" y="3088125"/>
+                <a:ext cx="9784080" cy="4206240"/>
+              </a:xfrm>
+              <a:blipFill>
+                <a:blip r:embed="rId2"/>
+                <a:stretch>
+                  <a:fillRect/>
+                </a:stretch>
+              </a:blipFill>
+            </p:spPr>
+            <p:txBody>
+              <a:bodyPr/>
+              <a:lstStyle/>
+              <a:p>
+                <a:r>
+                  <a:rPr lang="en-US">
+                    <a:noFill/>
+                  </a:rPr>
+                  <a:t> </a:t>
+                </a:r>
+              </a:p>
+            </p:txBody>
+          </p:sp>
+        </mc:Fallback>
+      </mc:AlternateContent>
+      <p:sp>
+        <p:nvSpPr>
+          <p:cNvPr id="12" name="Speech Bubble: Rectangle 11">
+            <a:extLst>
+              <a:ext uri="{FF2B5EF4-FFF2-40B4-BE49-F238E27FC236}">
+                <a16:creationId xmlns:a16="http://schemas.microsoft.com/office/drawing/2014/main" id="{F3C061F8-0197-1369-1315-05464231BD0D}"/>
+              </a:ext>
+            </a:extLst>
+          </p:cNvPr>
+          <p:cNvSpPr/>
+          <p:nvPr/>
+        </p:nvSpPr>
+        <p:spPr>
+          <a:xfrm>
+            <a:off x="2222340" y="4427316"/>
+            <a:ext cx="1863524" cy="763929"/>
+          </a:xfrm>
+          <a:prstGeom prst="wedgeRectCallout">
+            <a:avLst>
+              <a:gd name="adj1" fmla="val 40037"/>
+              <a:gd name="adj2" fmla="val -69318"/>
+            </a:avLst>
+          </a:prstGeom>
+        </p:spPr>
+        <p:style>
+          <a:lnRef idx="2">
+            <a:schemeClr val="accent2">
+              <a:shade val="50000"/>
+            </a:schemeClr>
+          </a:lnRef>
+          <a:fillRef idx="1">
+            <a:schemeClr val="accent2"/>
+          </a:fillRef>
+          <a:effectRef idx="0">
+            <a:schemeClr val="accent2"/>
+          </a:effectRef>
+          <a:fontRef idx="minor">
+            <a:schemeClr val="lt1"/>
+          </a:fontRef>
+        </p:style>
+        <p:txBody>
+          <a:bodyPr rtlCol="0" anchor="ctr"/>
+          <a:lstStyle/>
+          <a:p>
+            <a:pPr algn="ctr"/>
+            <a:r>
+              <a:rPr lang="en-US" sz="2000" b="1" dirty="0"/>
+              <a:t>output</a:t>
+            </a:r>
+          </a:p>
+        </p:txBody>
+      </p:sp>
+      <p:sp>
+        <p:nvSpPr>
+          <p:cNvPr id="13" name="Speech Bubble: Rectangle 12">
+            <a:extLst>
+              <a:ext uri="{FF2B5EF4-FFF2-40B4-BE49-F238E27FC236}">
+                <a16:creationId xmlns:a16="http://schemas.microsoft.com/office/drawing/2014/main" id="{B2423974-EDC0-7998-9976-774E8AE474CF}"/>
+              </a:ext>
+            </a:extLst>
+          </p:cNvPr>
+          <p:cNvSpPr/>
+          <p:nvPr/>
+        </p:nvSpPr>
+        <p:spPr>
+          <a:xfrm>
+            <a:off x="6604669" y="4505445"/>
+            <a:ext cx="1863524" cy="763929"/>
+          </a:xfrm>
+          <a:prstGeom prst="wedgeRectCallout">
+            <a:avLst>
+              <a:gd name="adj1" fmla="val -2820"/>
+              <a:gd name="adj2" fmla="val -101136"/>
+            </a:avLst>
+          </a:prstGeom>
+        </p:spPr>
+        <p:style>
+          <a:lnRef idx="2">
+            <a:schemeClr val="accent2">
+              <a:shade val="50000"/>
+            </a:schemeClr>
+          </a:lnRef>
+          <a:fillRef idx="1">
+            <a:schemeClr val="accent2"/>
+          </a:fillRef>
+          <a:effectRef idx="0">
+            <a:schemeClr val="accent2"/>
+          </a:effectRef>
+          <a:fontRef idx="minor">
+            <a:schemeClr val="lt1"/>
+          </a:fontRef>
+        </p:style>
+        <p:txBody>
+          <a:bodyPr rtlCol="0" anchor="ctr"/>
+          <a:lstStyle/>
+          <a:p>
+            <a:pPr algn="ctr"/>
+            <a:r>
+              <a:rPr lang="en-US" sz="2000" b="1" dirty="0"/>
+              <a:t>input</a:t>
+            </a:r>
+          </a:p>
+        </p:txBody>
+      </p:sp>
+      <p:sp>
+        <p:nvSpPr>
+          <p:cNvPr id="14" name="Speech Bubble: Rectangle 13">
+            <a:extLst>
+              <a:ext uri="{FF2B5EF4-FFF2-40B4-BE49-F238E27FC236}">
+                <a16:creationId xmlns:a16="http://schemas.microsoft.com/office/drawing/2014/main" id="{56D6FB7B-BB02-157A-1A18-E9A1B97785BC}"/>
+              </a:ext>
+            </a:extLst>
+          </p:cNvPr>
+          <p:cNvSpPr/>
+          <p:nvPr/>
+        </p:nvSpPr>
+        <p:spPr>
+          <a:xfrm>
+            <a:off x="6437454" y="1997501"/>
+            <a:ext cx="1863524" cy="763929"/>
+          </a:xfrm>
+          <a:prstGeom prst="wedgeRectCallout">
+            <a:avLst>
+              <a:gd name="adj1" fmla="val -46298"/>
+              <a:gd name="adj2" fmla="val 117046"/>
+            </a:avLst>
+          </a:prstGeom>
+        </p:spPr>
+        <p:style>
+          <a:lnRef idx="2">
+            <a:schemeClr val="accent2">
+              <a:shade val="50000"/>
+            </a:schemeClr>
+          </a:lnRef>
+          <a:fillRef idx="1">
+            <a:schemeClr val="accent2"/>
+          </a:fillRef>
+          <a:effectRef idx="0">
+            <a:schemeClr val="accent2"/>
+          </a:effectRef>
+          <a:fontRef idx="minor">
+            <a:schemeClr val="lt1"/>
+          </a:fontRef>
+        </p:style>
+        <p:txBody>
+          <a:bodyPr rtlCol="0" anchor="ctr"/>
+          <a:lstStyle/>
+          <a:p>
+            <a:pPr algn="ctr"/>
+            <a:r>
+              <a:rPr lang="en-US" sz="2000" b="1" dirty="0"/>
+              <a:t>Function name (process)</a:t>
+            </a:r>
+          </a:p>
+        </p:txBody>
+      </p:sp>
     </p:spTree>
     <p:extLst>
       <p:ext uri="{BB962C8B-B14F-4D97-AF65-F5344CB8AC3E}">
-        <p14:creationId xmlns:p14="http://schemas.microsoft.com/office/powerpoint/2010/main" val="1135545350"/>
+        <p14:creationId xmlns:p14="http://schemas.microsoft.com/office/powerpoint/2010/main" val="2163029145"/>
       </p:ext>
     </p:extLst>
   </p:cSld>
@@ -6703,10 +9376,10 @@
       </p:grpSpPr>
       <p:sp>
         <p:nvSpPr>
-          <p:cNvPr id="5" name="Title 4">
+          <p:cNvPr id="2" name="Title 1">
             <a:extLst>
               <a:ext uri="{FF2B5EF4-FFF2-40B4-BE49-F238E27FC236}">
-                <a16:creationId xmlns:a16="http://schemas.microsoft.com/office/drawing/2014/main" id="{07F989F3-50A6-2342-8682-9C31B877FDF5}"/>
+                <a16:creationId xmlns:a16="http://schemas.microsoft.com/office/drawing/2014/main" id="{CCDCD4C6-EFDC-9B27-4EAF-CE46591D3AF3}"/>
               </a:ext>
             </a:extLst>
           </p:cNvPr>
@@ -6729,39 +9402,43 @@
           </a:p>
         </p:txBody>
       </p:sp>
-      <p:sp>
-        <p:nvSpPr>
-          <p:cNvPr id="6" name="Content Placeholder 5">
+      <p:pic>
+        <p:nvPicPr>
+          <p:cNvPr id="7" name="Content Placeholder 6">
             <a:extLst>
               <a:ext uri="{FF2B5EF4-FFF2-40B4-BE49-F238E27FC236}">
-                <a16:creationId xmlns:a16="http://schemas.microsoft.com/office/drawing/2014/main" id="{AC12D215-E74F-096A-7D19-E30584826B62}"/>
+                <a16:creationId xmlns:a16="http://schemas.microsoft.com/office/drawing/2014/main" id="{6C1FC288-A0C3-C54F-5C95-78E96896DC08}"/>
               </a:ext>
             </a:extLst>
           </p:cNvPr>
-          <p:cNvSpPr>
-            <a:spLocks noGrp="1"/>
-          </p:cNvSpPr>
+          <p:cNvPicPr>
+            <a:picLocks noGrp="1" noChangeAspect="1"/>
+          </p:cNvPicPr>
           <p:nvPr>
             <p:ph idx="1"/>
           </p:nvPr>
-        </p:nvSpPr>
-        <p:spPr/>
-        <p:txBody>
-          <a:bodyPr>
-            <a:normAutofit/>
-          </a:bodyPr>
-          <a:lstStyle/>
-          <a:p>
-            <a:endParaRPr lang="en-US" dirty="0"/>
-          </a:p>
-        </p:txBody>
-      </p:sp>
-      <p:sp>
-        <p:nvSpPr>
-          <p:cNvPr id="3" name="Footer Placeholder 2">
+        </p:nvPicPr>
+        <p:blipFill>
+          <a:blip r:embed="rId2">
+            <a:lum bright="70000" contrast="-70000"/>
+          </a:blip>
+          <a:stretch>
+            <a:fillRect/>
+          </a:stretch>
+        </p:blipFill>
+        <p:spPr>
+          <a:xfrm>
+            <a:off x="3738623" y="2011363"/>
+            <a:ext cx="4483057" cy="4206875"/>
+          </a:xfrm>
+        </p:spPr>
+      </p:pic>
+      <p:sp>
+        <p:nvSpPr>
+          <p:cNvPr id="4" name="Footer Placeholder 3">
             <a:extLst>
               <a:ext uri="{FF2B5EF4-FFF2-40B4-BE49-F238E27FC236}">
-                <a16:creationId xmlns:a16="http://schemas.microsoft.com/office/drawing/2014/main" id="{13191BCB-0D5F-4B60-0E39-9FCB9404A442}"/>
+                <a16:creationId xmlns:a16="http://schemas.microsoft.com/office/drawing/2014/main" id="{C1C324A2-FEF7-60F5-2451-B378A6E44601}"/>
               </a:ext>
             </a:extLst>
           </p:cNvPr>
@@ -6787,10 +9464,10 @@
       </p:sp>
       <p:sp>
         <p:nvSpPr>
-          <p:cNvPr id="4" name="Slide Number Placeholder 3">
+          <p:cNvPr id="5" name="Slide Number Placeholder 4">
             <a:extLst>
               <a:ext uri="{FF2B5EF4-FFF2-40B4-BE49-F238E27FC236}">
-                <a16:creationId xmlns:a16="http://schemas.microsoft.com/office/drawing/2014/main" id="{170CFF21-96E5-7722-D3A9-0AA022166C5B}"/>
+                <a16:creationId xmlns:a16="http://schemas.microsoft.com/office/drawing/2014/main" id="{E38CEE72-9F60-99F0-0187-CA425B33F991}"/>
               </a:ext>
             </a:extLst>
           </p:cNvPr>
@@ -6817,7 +9494,7 @@
     </p:spTree>
     <p:extLst>
       <p:ext uri="{BB962C8B-B14F-4D97-AF65-F5344CB8AC3E}">
-        <p14:creationId xmlns:p14="http://schemas.microsoft.com/office/powerpoint/2010/main" val="282442073"/>
+        <p14:creationId xmlns:p14="http://schemas.microsoft.com/office/powerpoint/2010/main" val="644118076"/>
       </p:ext>
     </p:extLst>
   </p:cSld>
@@ -6867,35 +9544,8 @@
           <a:p>
             <a:r>
               <a:rPr lang="en-US" dirty="0"/>
-              <a:t>Modules</a:t>
-            </a:r>
-          </a:p>
-        </p:txBody>
-      </p:sp>
-      <p:sp>
-        <p:nvSpPr>
-          <p:cNvPr id="6" name="Content Placeholder 5">
-            <a:extLst>
-              <a:ext uri="{FF2B5EF4-FFF2-40B4-BE49-F238E27FC236}">
-                <a16:creationId xmlns:a16="http://schemas.microsoft.com/office/drawing/2014/main" id="{AC12D215-E74F-096A-7D19-E30584826B62}"/>
-              </a:ext>
-            </a:extLst>
-          </p:cNvPr>
-          <p:cNvSpPr>
-            <a:spLocks noGrp="1"/>
-          </p:cNvSpPr>
-          <p:nvPr>
-            <p:ph idx="1"/>
-          </p:nvPr>
-        </p:nvSpPr>
-        <p:spPr/>
-        <p:txBody>
-          <a:bodyPr>
-            <a:normAutofit/>
-          </a:bodyPr>
-          <a:lstStyle/>
-          <a:p>
-            <a:endParaRPr lang="en-US" dirty="0"/>
+              <a:t>Functions</a:t>
+            </a:r>
           </a:p>
         </p:txBody>
       </p:sp>
@@ -6957,10 +9607,41 @@
           </a:p>
         </p:txBody>
       </p:sp>
+      <p:pic>
+        <p:nvPicPr>
+          <p:cNvPr id="9" name="Content Placeholder 8">
+            <a:extLst>
+              <a:ext uri="{FF2B5EF4-FFF2-40B4-BE49-F238E27FC236}">
+                <a16:creationId xmlns:a16="http://schemas.microsoft.com/office/drawing/2014/main" id="{40338615-932F-7386-8D36-02BD9FE9AD9D}"/>
+              </a:ext>
+            </a:extLst>
+          </p:cNvPr>
+          <p:cNvPicPr>
+            <a:picLocks noGrp="1" noChangeAspect="1"/>
+          </p:cNvPicPr>
+          <p:nvPr>
+            <p:ph idx="1"/>
+          </p:nvPr>
+        </p:nvPicPr>
+        <p:blipFill>
+          <a:blip r:embed="rId2">
+            <a:biLevel thresh="75000"/>
+          </a:blip>
+          <a:stretch>
+            <a:fillRect/>
+          </a:stretch>
+        </p:blipFill>
+        <p:spPr>
+          <a:xfrm>
+            <a:off x="2673752" y="2011363"/>
+            <a:ext cx="6147245" cy="4411491"/>
+          </a:xfrm>
+        </p:spPr>
+      </p:pic>
     </p:spTree>
     <p:extLst>
       <p:ext uri="{BB962C8B-B14F-4D97-AF65-F5344CB8AC3E}">
-        <p14:creationId xmlns:p14="http://schemas.microsoft.com/office/powerpoint/2010/main" val="2452629358"/>
+        <p14:creationId xmlns:p14="http://schemas.microsoft.com/office/powerpoint/2010/main" val="3225929201"/>
       </p:ext>
     </p:extLst>
   </p:cSld>
@@ -7010,38 +9691,42 @@
           <a:p>
             <a:r>
               <a:rPr lang="en-US" dirty="0"/>
-              <a:t>Packages</a:t>
-            </a:r>
-          </a:p>
-        </p:txBody>
-      </p:sp>
-      <p:sp>
-        <p:nvSpPr>
-          <p:cNvPr id="6" name="Content Placeholder 5">
+              <a:t>Functions</a:t>
+            </a:r>
+          </a:p>
+        </p:txBody>
+      </p:sp>
+      <p:graphicFrame>
+        <p:nvGraphicFramePr>
+          <p:cNvPr id="2" name="Content Placeholder 1">
             <a:extLst>
               <a:ext uri="{FF2B5EF4-FFF2-40B4-BE49-F238E27FC236}">
-                <a16:creationId xmlns:a16="http://schemas.microsoft.com/office/drawing/2014/main" id="{AC12D215-E74F-096A-7D19-E30584826B62}"/>
+                <a16:creationId xmlns:a16="http://schemas.microsoft.com/office/drawing/2014/main" id="{6E5B1B23-7BC7-3834-7C77-74CB46AAB4BD}"/>
               </a:ext>
             </a:extLst>
           </p:cNvPr>
-          <p:cNvSpPr>
-            <a:spLocks noGrp="1"/>
-          </p:cNvSpPr>
+          <p:cNvGraphicFramePr>
+            <a:graphicFrameLocks noGrp="1"/>
+          </p:cNvGraphicFramePr>
           <p:nvPr>
             <p:ph idx="1"/>
-          </p:nvPr>
-        </p:nvSpPr>
-        <p:spPr/>
-        <p:txBody>
-          <a:bodyPr>
-            <a:normAutofit/>
-          </a:bodyPr>
-          <a:lstStyle/>
-          <a:p>
-            <a:endParaRPr lang="en-US" dirty="0"/>
-          </a:p>
-        </p:txBody>
-      </p:sp>
+            <p:extLst>
+              <p:ext uri="{D42A27DB-BD31-4B8C-83A1-F6EECF244321}">
+                <p14:modId xmlns:p14="http://schemas.microsoft.com/office/powerpoint/2010/main" val="1949412607"/>
+              </p:ext>
+            </p:extLst>
+          </p:nvPr>
+        </p:nvGraphicFramePr>
+        <p:xfrm>
+          <a:off x="1203325" y="2011363"/>
+          <a:ext cx="9783763" cy="4206875"/>
+        </p:xfrm>
+        <a:graphic>
+          <a:graphicData uri="http://schemas.openxmlformats.org/drawingml/2006/diagram">
+            <dgm:relIds xmlns:dgm="http://schemas.openxmlformats.org/drawingml/2006/diagram" xmlns:r="http://schemas.openxmlformats.org/officeDocument/2006/relationships" r:dm="rId2" r:lo="rId3" r:qs="rId4" r:cs="rId5"/>
+          </a:graphicData>
+        </a:graphic>
+      </p:graphicFrame>
       <p:sp>
         <p:nvSpPr>
           <p:cNvPr id="3" name="Footer Placeholder 2">
@@ -7103,13 +9788,477 @@
     </p:spTree>
     <p:extLst>
       <p:ext uri="{BB962C8B-B14F-4D97-AF65-F5344CB8AC3E}">
-        <p14:creationId xmlns:p14="http://schemas.microsoft.com/office/powerpoint/2010/main" val="1022462263"/>
+        <p14:creationId xmlns:p14="http://schemas.microsoft.com/office/powerpoint/2010/main" val="282442073"/>
       </p:ext>
     </p:extLst>
   </p:cSld>
   <p:clrMapOvr>
     <a:masterClrMapping/>
   </p:clrMapOvr>
+  <p:timing>
+    <p:tnLst>
+      <p:par>
+        <p:cTn id="1" dur="indefinite" restart="never" nodeType="tmRoot">
+          <p:childTnLst>
+            <p:seq concurrent="1" nextAc="seek">
+              <p:cTn id="2" dur="indefinite" nodeType="mainSeq">
+                <p:childTnLst>
+                  <p:par>
+                    <p:cTn id="3" fill="hold">
+                      <p:stCondLst>
+                        <p:cond delay="indefinite"/>
+                      </p:stCondLst>
+                      <p:childTnLst>
+                        <p:par>
+                          <p:cTn id="4" fill="hold">
+                            <p:stCondLst>
+                              <p:cond delay="0"/>
+                            </p:stCondLst>
+                            <p:childTnLst>
+                              <p:par>
+                                <p:cTn id="5" presetID="22" presetClass="entr" presetSubtype="1" fill="hold" grpId="0" nodeType="clickEffect">
+                                  <p:stCondLst>
+                                    <p:cond delay="0"/>
+                                  </p:stCondLst>
+                                  <p:childTnLst>
+                                    <p:set>
+                                      <p:cBhvr>
+                                        <p:cTn id="6" dur="1" fill="hold">
+                                          <p:stCondLst>
+                                            <p:cond delay="0"/>
+                                          </p:stCondLst>
+                                        </p:cTn>
+                                        <p:tgtEl>
+                                          <p:spTgt spid="2">
+                                            <p:graphicEl>
+                                              <a:dgm id="{B36299C7-DC0F-4E48-85CD-6170CCC51921}"/>
+                                            </p:graphicEl>
+                                          </p:spTgt>
+                                        </p:tgtEl>
+                                        <p:attrNameLst>
+                                          <p:attrName>style.visibility</p:attrName>
+                                        </p:attrNameLst>
+                                      </p:cBhvr>
+                                      <p:to>
+                                        <p:strVal val="visible"/>
+                                      </p:to>
+                                    </p:set>
+                                    <p:animEffect transition="in" filter="wipe(up)">
+                                      <p:cBhvr>
+                                        <p:cTn id="7" dur="500"/>
+                                        <p:tgtEl>
+                                          <p:spTgt spid="2">
+                                            <p:graphicEl>
+                                              <a:dgm id="{B36299C7-DC0F-4E48-85CD-6170CCC51921}"/>
+                                            </p:graphicEl>
+                                          </p:spTgt>
+                                        </p:tgtEl>
+                                      </p:cBhvr>
+                                    </p:animEffect>
+                                  </p:childTnLst>
+                                </p:cTn>
+                              </p:par>
+                            </p:childTnLst>
+                          </p:cTn>
+                        </p:par>
+                      </p:childTnLst>
+                    </p:cTn>
+                  </p:par>
+                  <p:par>
+                    <p:cTn id="8" fill="hold">
+                      <p:stCondLst>
+                        <p:cond delay="indefinite"/>
+                      </p:stCondLst>
+                      <p:childTnLst>
+                        <p:par>
+                          <p:cTn id="9" fill="hold">
+                            <p:stCondLst>
+                              <p:cond delay="0"/>
+                            </p:stCondLst>
+                            <p:childTnLst>
+                              <p:par>
+                                <p:cTn id="10" presetID="22" presetClass="entr" presetSubtype="1" fill="hold" grpId="0" nodeType="clickEffect">
+                                  <p:stCondLst>
+                                    <p:cond delay="0"/>
+                                  </p:stCondLst>
+                                  <p:childTnLst>
+                                    <p:set>
+                                      <p:cBhvr>
+                                        <p:cTn id="11" dur="1" fill="hold">
+                                          <p:stCondLst>
+                                            <p:cond delay="0"/>
+                                          </p:stCondLst>
+                                        </p:cTn>
+                                        <p:tgtEl>
+                                          <p:spTgt spid="2">
+                                            <p:graphicEl>
+                                              <a:dgm id="{2E39D4D1-FA56-4F54-9D30-65A494B7A427}"/>
+                                            </p:graphicEl>
+                                          </p:spTgt>
+                                        </p:tgtEl>
+                                        <p:attrNameLst>
+                                          <p:attrName>style.visibility</p:attrName>
+                                        </p:attrNameLst>
+                                      </p:cBhvr>
+                                      <p:to>
+                                        <p:strVal val="visible"/>
+                                      </p:to>
+                                    </p:set>
+                                    <p:animEffect transition="in" filter="wipe(up)">
+                                      <p:cBhvr>
+                                        <p:cTn id="12" dur="500"/>
+                                        <p:tgtEl>
+                                          <p:spTgt spid="2">
+                                            <p:graphicEl>
+                                              <a:dgm id="{2E39D4D1-FA56-4F54-9D30-65A494B7A427}"/>
+                                            </p:graphicEl>
+                                          </p:spTgt>
+                                        </p:tgtEl>
+                                      </p:cBhvr>
+                                    </p:animEffect>
+                                  </p:childTnLst>
+                                </p:cTn>
+                              </p:par>
+                            </p:childTnLst>
+                          </p:cTn>
+                        </p:par>
+                      </p:childTnLst>
+                    </p:cTn>
+                  </p:par>
+                  <p:par>
+                    <p:cTn id="13" fill="hold">
+                      <p:stCondLst>
+                        <p:cond delay="indefinite"/>
+                      </p:stCondLst>
+                      <p:childTnLst>
+                        <p:par>
+                          <p:cTn id="14" fill="hold">
+                            <p:stCondLst>
+                              <p:cond delay="0"/>
+                            </p:stCondLst>
+                            <p:childTnLst>
+                              <p:par>
+                                <p:cTn id="15" presetID="22" presetClass="entr" presetSubtype="1" fill="hold" grpId="0" nodeType="clickEffect">
+                                  <p:stCondLst>
+                                    <p:cond delay="0"/>
+                                  </p:stCondLst>
+                                  <p:childTnLst>
+                                    <p:set>
+                                      <p:cBhvr>
+                                        <p:cTn id="16" dur="1" fill="hold">
+                                          <p:stCondLst>
+                                            <p:cond delay="0"/>
+                                          </p:stCondLst>
+                                        </p:cTn>
+                                        <p:tgtEl>
+                                          <p:spTgt spid="2">
+                                            <p:graphicEl>
+                                              <a:dgm id="{5EBDF7DB-A897-455C-BBA8-FD7458D8E557}"/>
+                                            </p:graphicEl>
+                                          </p:spTgt>
+                                        </p:tgtEl>
+                                        <p:attrNameLst>
+                                          <p:attrName>style.visibility</p:attrName>
+                                        </p:attrNameLst>
+                                      </p:cBhvr>
+                                      <p:to>
+                                        <p:strVal val="visible"/>
+                                      </p:to>
+                                    </p:set>
+                                    <p:animEffect transition="in" filter="wipe(up)">
+                                      <p:cBhvr>
+                                        <p:cTn id="17" dur="500"/>
+                                        <p:tgtEl>
+                                          <p:spTgt spid="2">
+                                            <p:graphicEl>
+                                              <a:dgm id="{5EBDF7DB-A897-455C-BBA8-FD7458D8E557}"/>
+                                            </p:graphicEl>
+                                          </p:spTgt>
+                                        </p:tgtEl>
+                                      </p:cBhvr>
+                                    </p:animEffect>
+                                  </p:childTnLst>
+                                </p:cTn>
+                              </p:par>
+                            </p:childTnLst>
+                          </p:cTn>
+                        </p:par>
+                      </p:childTnLst>
+                    </p:cTn>
+                  </p:par>
+                  <p:par>
+                    <p:cTn id="18" fill="hold">
+                      <p:stCondLst>
+                        <p:cond delay="indefinite"/>
+                      </p:stCondLst>
+                      <p:childTnLst>
+                        <p:par>
+                          <p:cTn id="19" fill="hold">
+                            <p:stCondLst>
+                              <p:cond delay="0"/>
+                            </p:stCondLst>
+                            <p:childTnLst>
+                              <p:par>
+                                <p:cTn id="20" presetID="22" presetClass="entr" presetSubtype="1" fill="hold" grpId="0" nodeType="clickEffect">
+                                  <p:stCondLst>
+                                    <p:cond delay="0"/>
+                                  </p:stCondLst>
+                                  <p:childTnLst>
+                                    <p:set>
+                                      <p:cBhvr>
+                                        <p:cTn id="21" dur="1" fill="hold">
+                                          <p:stCondLst>
+                                            <p:cond delay="0"/>
+                                          </p:stCondLst>
+                                        </p:cTn>
+                                        <p:tgtEl>
+                                          <p:spTgt spid="2">
+                                            <p:graphicEl>
+                                              <a:dgm id="{65B14FC1-7511-4A9F-897A-83C62396B42B}"/>
+                                            </p:graphicEl>
+                                          </p:spTgt>
+                                        </p:tgtEl>
+                                        <p:attrNameLst>
+                                          <p:attrName>style.visibility</p:attrName>
+                                        </p:attrNameLst>
+                                      </p:cBhvr>
+                                      <p:to>
+                                        <p:strVal val="visible"/>
+                                      </p:to>
+                                    </p:set>
+                                    <p:animEffect transition="in" filter="wipe(up)">
+                                      <p:cBhvr>
+                                        <p:cTn id="22" dur="500"/>
+                                        <p:tgtEl>
+                                          <p:spTgt spid="2">
+                                            <p:graphicEl>
+                                              <a:dgm id="{65B14FC1-7511-4A9F-897A-83C62396B42B}"/>
+                                            </p:graphicEl>
+                                          </p:spTgt>
+                                        </p:tgtEl>
+                                      </p:cBhvr>
+                                    </p:animEffect>
+                                  </p:childTnLst>
+                                </p:cTn>
+                              </p:par>
+                            </p:childTnLst>
+                          </p:cTn>
+                        </p:par>
+                      </p:childTnLst>
+                    </p:cTn>
+                  </p:par>
+                  <p:par>
+                    <p:cTn id="23" fill="hold">
+                      <p:stCondLst>
+                        <p:cond delay="indefinite"/>
+                      </p:stCondLst>
+                      <p:childTnLst>
+                        <p:par>
+                          <p:cTn id="24" fill="hold">
+                            <p:stCondLst>
+                              <p:cond delay="0"/>
+                            </p:stCondLst>
+                            <p:childTnLst>
+                              <p:par>
+                                <p:cTn id="25" presetID="22" presetClass="entr" presetSubtype="1" fill="hold" grpId="0" nodeType="clickEffect">
+                                  <p:stCondLst>
+                                    <p:cond delay="0"/>
+                                  </p:stCondLst>
+                                  <p:childTnLst>
+                                    <p:set>
+                                      <p:cBhvr>
+                                        <p:cTn id="26" dur="1" fill="hold">
+                                          <p:stCondLst>
+                                            <p:cond delay="0"/>
+                                          </p:stCondLst>
+                                        </p:cTn>
+                                        <p:tgtEl>
+                                          <p:spTgt spid="2">
+                                            <p:graphicEl>
+                                              <a:dgm id="{E3645322-34B6-41D3-8CDC-C3AD388D99FA}"/>
+                                            </p:graphicEl>
+                                          </p:spTgt>
+                                        </p:tgtEl>
+                                        <p:attrNameLst>
+                                          <p:attrName>style.visibility</p:attrName>
+                                        </p:attrNameLst>
+                                      </p:cBhvr>
+                                      <p:to>
+                                        <p:strVal val="visible"/>
+                                      </p:to>
+                                    </p:set>
+                                    <p:animEffect transition="in" filter="wipe(up)">
+                                      <p:cBhvr>
+                                        <p:cTn id="27" dur="500"/>
+                                        <p:tgtEl>
+                                          <p:spTgt spid="2">
+                                            <p:graphicEl>
+                                              <a:dgm id="{E3645322-34B6-41D3-8CDC-C3AD388D99FA}"/>
+                                            </p:graphicEl>
+                                          </p:spTgt>
+                                        </p:tgtEl>
+                                      </p:cBhvr>
+                                    </p:animEffect>
+                                  </p:childTnLst>
+                                </p:cTn>
+                              </p:par>
+                            </p:childTnLst>
+                          </p:cTn>
+                        </p:par>
+                      </p:childTnLst>
+                    </p:cTn>
+                  </p:par>
+                  <p:par>
+                    <p:cTn id="28" fill="hold">
+                      <p:stCondLst>
+                        <p:cond delay="indefinite"/>
+                      </p:stCondLst>
+                      <p:childTnLst>
+                        <p:par>
+                          <p:cTn id="29" fill="hold">
+                            <p:stCondLst>
+                              <p:cond delay="0"/>
+                            </p:stCondLst>
+                            <p:childTnLst>
+                              <p:par>
+                                <p:cTn id="30" presetID="22" presetClass="entr" presetSubtype="1" fill="hold" grpId="0" nodeType="clickEffect">
+                                  <p:stCondLst>
+                                    <p:cond delay="0"/>
+                                  </p:stCondLst>
+                                  <p:childTnLst>
+                                    <p:set>
+                                      <p:cBhvr>
+                                        <p:cTn id="31" dur="1" fill="hold">
+                                          <p:stCondLst>
+                                            <p:cond delay="0"/>
+                                          </p:stCondLst>
+                                        </p:cTn>
+                                        <p:tgtEl>
+                                          <p:spTgt spid="2">
+                                            <p:graphicEl>
+                                              <a:dgm id="{1B0FF6FA-4940-44C7-A4BD-34403774B5B7}"/>
+                                            </p:graphicEl>
+                                          </p:spTgt>
+                                        </p:tgtEl>
+                                        <p:attrNameLst>
+                                          <p:attrName>style.visibility</p:attrName>
+                                        </p:attrNameLst>
+                                      </p:cBhvr>
+                                      <p:to>
+                                        <p:strVal val="visible"/>
+                                      </p:to>
+                                    </p:set>
+                                    <p:animEffect transition="in" filter="wipe(up)">
+                                      <p:cBhvr>
+                                        <p:cTn id="32" dur="500"/>
+                                        <p:tgtEl>
+                                          <p:spTgt spid="2">
+                                            <p:graphicEl>
+                                              <a:dgm id="{1B0FF6FA-4940-44C7-A4BD-34403774B5B7}"/>
+                                            </p:graphicEl>
+                                          </p:spTgt>
+                                        </p:tgtEl>
+                                      </p:cBhvr>
+                                    </p:animEffect>
+                                  </p:childTnLst>
+                                </p:cTn>
+                              </p:par>
+                            </p:childTnLst>
+                          </p:cTn>
+                        </p:par>
+                      </p:childTnLst>
+                    </p:cTn>
+                  </p:par>
+                  <p:par>
+                    <p:cTn id="33" fill="hold">
+                      <p:stCondLst>
+                        <p:cond delay="indefinite"/>
+                      </p:stCondLst>
+                      <p:childTnLst>
+                        <p:par>
+                          <p:cTn id="34" fill="hold">
+                            <p:stCondLst>
+                              <p:cond delay="0"/>
+                            </p:stCondLst>
+                            <p:childTnLst>
+                              <p:par>
+                                <p:cTn id="35" presetID="22" presetClass="entr" presetSubtype="1" fill="hold" grpId="0" nodeType="clickEffect">
+                                  <p:stCondLst>
+                                    <p:cond delay="0"/>
+                                  </p:stCondLst>
+                                  <p:childTnLst>
+                                    <p:set>
+                                      <p:cBhvr>
+                                        <p:cTn id="36" dur="1" fill="hold">
+                                          <p:stCondLst>
+                                            <p:cond delay="0"/>
+                                          </p:stCondLst>
+                                        </p:cTn>
+                                        <p:tgtEl>
+                                          <p:spTgt spid="2">
+                                            <p:graphicEl>
+                                              <a:dgm id="{6D12897A-05E3-4231-8B9E-CC0A0247676C}"/>
+                                            </p:graphicEl>
+                                          </p:spTgt>
+                                        </p:tgtEl>
+                                        <p:attrNameLst>
+                                          <p:attrName>style.visibility</p:attrName>
+                                        </p:attrNameLst>
+                                      </p:cBhvr>
+                                      <p:to>
+                                        <p:strVal val="visible"/>
+                                      </p:to>
+                                    </p:set>
+                                    <p:animEffect transition="in" filter="wipe(up)">
+                                      <p:cBhvr>
+                                        <p:cTn id="37" dur="500"/>
+                                        <p:tgtEl>
+                                          <p:spTgt spid="2">
+                                            <p:graphicEl>
+                                              <a:dgm id="{6D12897A-05E3-4231-8B9E-CC0A0247676C}"/>
+                                            </p:graphicEl>
+                                          </p:spTgt>
+                                        </p:tgtEl>
+                                      </p:cBhvr>
+                                    </p:animEffect>
+                                  </p:childTnLst>
+                                </p:cTn>
+                              </p:par>
+                            </p:childTnLst>
+                          </p:cTn>
+                        </p:par>
+                      </p:childTnLst>
+                    </p:cTn>
+                  </p:par>
+                </p:childTnLst>
+              </p:cTn>
+              <p:prevCondLst>
+                <p:cond evt="onPrev" delay="0">
+                  <p:tgtEl>
+                    <p:sldTgt/>
+                  </p:tgtEl>
+                </p:cond>
+              </p:prevCondLst>
+              <p:nextCondLst>
+                <p:cond evt="onNext" delay="0">
+                  <p:tgtEl>
+                    <p:sldTgt/>
+                  </p:tgtEl>
+                </p:cond>
+              </p:nextCondLst>
+            </p:seq>
+          </p:childTnLst>
+        </p:cTn>
+      </p:par>
+    </p:tnLst>
+    <p:bldLst>
+      <p:bldGraphic spid="2" grpId="0">
+        <p:bldSub>
+          <a:bldDgm bld="one"/>
+        </p:bldSub>
+      </p:bldGraphic>
+    </p:bldLst>
+  </p:timing>
 </p:sld>
 </file>
 
@@ -7916,10 +11065,10 @@
       </p:grpSpPr>
       <p:sp>
         <p:nvSpPr>
-          <p:cNvPr id="2" name="Title 1">
+          <p:cNvPr id="5" name="Title 4">
             <a:extLst>
               <a:ext uri="{FF2B5EF4-FFF2-40B4-BE49-F238E27FC236}">
-                <a16:creationId xmlns:a16="http://schemas.microsoft.com/office/drawing/2014/main" id="{870BB376-2065-4594-F050-BFCD8B761DBB}"/>
+                <a16:creationId xmlns:a16="http://schemas.microsoft.com/office/drawing/2014/main" id="{07F989F3-50A6-2342-8682-9C31B877FDF5}"/>
               </a:ext>
             </a:extLst>
           </p:cNvPr>
@@ -7936,19 +11085,18 @@
           <a:lstStyle/>
           <a:p>
             <a:r>
-              <a:rPr lang="en-US" dirty="0" err="1"/>
-              <a:t>SuperPackages</a:t>
-            </a:r>
-            <a:endParaRPr lang="en-US" dirty="0"/>
-          </a:p>
-        </p:txBody>
-      </p:sp>
-      <p:sp>
-        <p:nvSpPr>
-          <p:cNvPr id="3" name="Content Placeholder 2">
+              <a:rPr lang="en-US" dirty="0"/>
+              <a:t>Modules</a:t>
+            </a:r>
+          </a:p>
+        </p:txBody>
+      </p:sp>
+      <p:sp>
+        <p:nvSpPr>
+          <p:cNvPr id="6" name="Content Placeholder 5">
             <a:extLst>
               <a:ext uri="{FF2B5EF4-FFF2-40B4-BE49-F238E27FC236}">
-                <a16:creationId xmlns:a16="http://schemas.microsoft.com/office/drawing/2014/main" id="{CDF33E33-0831-8BB9-7A9A-4892B4EB0EBE}"/>
+                <a16:creationId xmlns:a16="http://schemas.microsoft.com/office/drawing/2014/main" id="{AC12D215-E74F-096A-7D19-E30584826B62}"/>
               </a:ext>
             </a:extLst>
           </p:cNvPr>
@@ -7961,19 +11109,21 @@
         </p:nvSpPr>
         <p:spPr/>
         <p:txBody>
-          <a:bodyPr/>
-          <a:lstStyle/>
-          <a:p>
-            <a:endParaRPr lang="en-US"/>
-          </a:p>
-        </p:txBody>
-      </p:sp>
-      <p:sp>
-        <p:nvSpPr>
-          <p:cNvPr id="4" name="Footer Placeholder 3">
+          <a:bodyPr>
+            <a:normAutofit/>
+          </a:bodyPr>
+          <a:lstStyle/>
+          <a:p>
+            <a:endParaRPr lang="en-US" dirty="0"/>
+          </a:p>
+        </p:txBody>
+      </p:sp>
+      <p:sp>
+        <p:nvSpPr>
+          <p:cNvPr id="3" name="Footer Placeholder 2">
             <a:extLst>
               <a:ext uri="{FF2B5EF4-FFF2-40B4-BE49-F238E27FC236}">
-                <a16:creationId xmlns:a16="http://schemas.microsoft.com/office/drawing/2014/main" id="{24B683D6-4E7A-1EF2-B7CD-C45FDC443A35}"/>
+                <a16:creationId xmlns:a16="http://schemas.microsoft.com/office/drawing/2014/main" id="{13191BCB-0D5F-4B60-0E39-9FCB9404A442}"/>
               </a:ext>
             </a:extLst>
           </p:cNvPr>
@@ -7999,10 +11149,10 @@
       </p:sp>
       <p:sp>
         <p:nvSpPr>
-          <p:cNvPr id="5" name="Slide Number Placeholder 4">
+          <p:cNvPr id="4" name="Slide Number Placeholder 3">
             <a:extLst>
               <a:ext uri="{FF2B5EF4-FFF2-40B4-BE49-F238E27FC236}">
-                <a16:creationId xmlns:a16="http://schemas.microsoft.com/office/drawing/2014/main" id="{2031CD52-0FAC-FBF7-F741-031670AFD1E6}"/>
+                <a16:creationId xmlns:a16="http://schemas.microsoft.com/office/drawing/2014/main" id="{170CFF21-96E5-7722-D3A9-0AA022166C5B}"/>
               </a:ext>
             </a:extLst>
           </p:cNvPr>
@@ -8029,7 +11179,7 @@
     </p:spTree>
     <p:extLst>
       <p:ext uri="{BB962C8B-B14F-4D97-AF65-F5344CB8AC3E}">
-        <p14:creationId xmlns:p14="http://schemas.microsoft.com/office/powerpoint/2010/main" val="3668433600"/>
+        <p14:creationId xmlns:p14="http://schemas.microsoft.com/office/powerpoint/2010/main" val="2452629358"/>
       </p:ext>
     </p:extLst>
   </p:cSld>
@@ -8061,7 +11211,7 @@
           <p:cNvPr id="5" name="Title 4">
             <a:extLst>
               <a:ext uri="{FF2B5EF4-FFF2-40B4-BE49-F238E27FC236}">
-                <a16:creationId xmlns:a16="http://schemas.microsoft.com/office/drawing/2014/main" id="{3E1FC432-A453-870C-34F6-F5AB1E824DD3}"/>
+                <a16:creationId xmlns:a16="http://schemas.microsoft.com/office/drawing/2014/main" id="{07F989F3-50A6-2342-8682-9C31B877FDF5}"/>
               </a:ext>
             </a:extLst>
           </p:cNvPr>
@@ -8079,8 +11229,64 @@
           <a:p>
             <a:r>
               <a:rPr lang="en-US" dirty="0"/>
-              <a:t>Programming with Python</a:t>
-            </a:r>
+              <a:t>Packages</a:t>
+            </a:r>
+          </a:p>
+        </p:txBody>
+      </p:sp>
+      <p:sp>
+        <p:nvSpPr>
+          <p:cNvPr id="6" name="Content Placeholder 5">
+            <a:extLst>
+              <a:ext uri="{FF2B5EF4-FFF2-40B4-BE49-F238E27FC236}">
+                <a16:creationId xmlns:a16="http://schemas.microsoft.com/office/drawing/2014/main" id="{AC12D215-E74F-096A-7D19-E30584826B62}"/>
+              </a:ext>
+            </a:extLst>
+          </p:cNvPr>
+          <p:cNvSpPr>
+            <a:spLocks noGrp="1"/>
+          </p:cNvSpPr>
+          <p:nvPr>
+            <p:ph idx="1"/>
+          </p:nvPr>
+        </p:nvSpPr>
+        <p:spPr/>
+        <p:txBody>
+          <a:bodyPr>
+            <a:normAutofit/>
+          </a:bodyPr>
+          <a:lstStyle/>
+          <a:p>
+            <a:endParaRPr lang="en-US" dirty="0"/>
+          </a:p>
+        </p:txBody>
+      </p:sp>
+      <p:sp>
+        <p:nvSpPr>
+          <p:cNvPr id="3" name="Footer Placeholder 2">
+            <a:extLst>
+              <a:ext uri="{FF2B5EF4-FFF2-40B4-BE49-F238E27FC236}">
+                <a16:creationId xmlns:a16="http://schemas.microsoft.com/office/drawing/2014/main" id="{13191BCB-0D5F-4B60-0E39-9FCB9404A442}"/>
+              </a:ext>
+            </a:extLst>
+          </p:cNvPr>
+          <p:cNvSpPr>
+            <a:spLocks noGrp="1"/>
+          </p:cNvSpPr>
+          <p:nvPr>
+            <p:ph type="ftr" sz="quarter" idx="11"/>
+          </p:nvPr>
+        </p:nvSpPr>
+        <p:spPr/>
+        <p:txBody>
+          <a:bodyPr/>
+          <a:lstStyle/>
+          <a:p>
+            <a:r>
+              <a:rPr lang="en-US"/>
+              <a:t>Fundamental Programming with Python</a:t>
+            </a:r>
+            <a:endParaRPr lang="en-US" dirty="0"/>
           </a:p>
         </p:txBody>
       </p:sp>
@@ -8089,7 +11295,7 @@
           <p:cNvPr id="4" name="Slide Number Placeholder 3">
             <a:extLst>
               <a:ext uri="{FF2B5EF4-FFF2-40B4-BE49-F238E27FC236}">
-                <a16:creationId xmlns:a16="http://schemas.microsoft.com/office/drawing/2014/main" id="{872D2B23-7846-DE1D-E096-383132454A1B}"/>
+                <a16:creationId xmlns:a16="http://schemas.microsoft.com/office/drawing/2014/main" id="{170CFF21-96E5-7722-D3A9-0AA022166C5B}"/>
               </a:ext>
             </a:extLst>
           </p:cNvPr>
@@ -8113,39 +11319,10 @@
           </a:p>
         </p:txBody>
       </p:sp>
-      <p:sp>
-        <p:nvSpPr>
-          <p:cNvPr id="2" name="Footer Placeholder 1">
-            <a:extLst>
-              <a:ext uri="{FF2B5EF4-FFF2-40B4-BE49-F238E27FC236}">
-                <a16:creationId xmlns:a16="http://schemas.microsoft.com/office/drawing/2014/main" id="{88F3A02B-EBDE-A1C4-048E-E606628F0D93}"/>
-              </a:ext>
-            </a:extLst>
-          </p:cNvPr>
-          <p:cNvSpPr>
-            <a:spLocks noGrp="1"/>
-          </p:cNvSpPr>
-          <p:nvPr>
-            <p:ph type="ftr" sz="quarter" idx="11"/>
-          </p:nvPr>
-        </p:nvSpPr>
-        <p:spPr/>
-        <p:txBody>
-          <a:bodyPr/>
-          <a:lstStyle/>
-          <a:p>
-            <a:r>
-              <a:rPr lang="en-US"/>
-              <a:t>Fundamental Programming with Python</a:t>
-            </a:r>
-            <a:endParaRPr lang="en-US" dirty="0"/>
-          </a:p>
-        </p:txBody>
-      </p:sp>
     </p:spTree>
     <p:extLst>
       <p:ext uri="{BB962C8B-B14F-4D97-AF65-F5344CB8AC3E}">
-        <p14:creationId xmlns:p14="http://schemas.microsoft.com/office/powerpoint/2010/main" val="2747561522"/>
+        <p14:creationId xmlns:p14="http://schemas.microsoft.com/office/powerpoint/2010/main" val="1022462263"/>
       </p:ext>
     </p:extLst>
   </p:cSld>
@@ -8177,6 +11354,264 @@
           <p:cNvPr id="2" name="Title 1">
             <a:extLst>
               <a:ext uri="{FF2B5EF4-FFF2-40B4-BE49-F238E27FC236}">
+                <a16:creationId xmlns:a16="http://schemas.microsoft.com/office/drawing/2014/main" id="{870BB376-2065-4594-F050-BFCD8B761DBB}"/>
+              </a:ext>
+            </a:extLst>
+          </p:cNvPr>
+          <p:cNvSpPr>
+            <a:spLocks noGrp="1"/>
+          </p:cNvSpPr>
+          <p:nvPr>
+            <p:ph type="title"/>
+          </p:nvPr>
+        </p:nvSpPr>
+        <p:spPr/>
+        <p:txBody>
+          <a:bodyPr/>
+          <a:lstStyle/>
+          <a:p>
+            <a:r>
+              <a:rPr lang="en-US" dirty="0" err="1"/>
+              <a:t>SuperPackages</a:t>
+            </a:r>
+            <a:endParaRPr lang="en-US" dirty="0"/>
+          </a:p>
+        </p:txBody>
+      </p:sp>
+      <p:sp>
+        <p:nvSpPr>
+          <p:cNvPr id="3" name="Content Placeholder 2">
+            <a:extLst>
+              <a:ext uri="{FF2B5EF4-FFF2-40B4-BE49-F238E27FC236}">
+                <a16:creationId xmlns:a16="http://schemas.microsoft.com/office/drawing/2014/main" id="{CDF33E33-0831-8BB9-7A9A-4892B4EB0EBE}"/>
+              </a:ext>
+            </a:extLst>
+          </p:cNvPr>
+          <p:cNvSpPr>
+            <a:spLocks noGrp="1"/>
+          </p:cNvSpPr>
+          <p:nvPr>
+            <p:ph idx="1"/>
+          </p:nvPr>
+        </p:nvSpPr>
+        <p:spPr/>
+        <p:txBody>
+          <a:bodyPr/>
+          <a:lstStyle/>
+          <a:p>
+            <a:endParaRPr lang="en-US"/>
+          </a:p>
+        </p:txBody>
+      </p:sp>
+      <p:sp>
+        <p:nvSpPr>
+          <p:cNvPr id="4" name="Footer Placeholder 3">
+            <a:extLst>
+              <a:ext uri="{FF2B5EF4-FFF2-40B4-BE49-F238E27FC236}">
+                <a16:creationId xmlns:a16="http://schemas.microsoft.com/office/drawing/2014/main" id="{24B683D6-4E7A-1EF2-B7CD-C45FDC443A35}"/>
+              </a:ext>
+            </a:extLst>
+          </p:cNvPr>
+          <p:cNvSpPr>
+            <a:spLocks noGrp="1"/>
+          </p:cNvSpPr>
+          <p:nvPr>
+            <p:ph type="ftr" sz="quarter" idx="11"/>
+          </p:nvPr>
+        </p:nvSpPr>
+        <p:spPr/>
+        <p:txBody>
+          <a:bodyPr/>
+          <a:lstStyle/>
+          <a:p>
+            <a:r>
+              <a:rPr lang="en-US"/>
+              <a:t>Fundamental Programming with Python</a:t>
+            </a:r>
+            <a:endParaRPr lang="en-US" dirty="0"/>
+          </a:p>
+        </p:txBody>
+      </p:sp>
+      <p:sp>
+        <p:nvSpPr>
+          <p:cNvPr id="5" name="Slide Number Placeholder 4">
+            <a:extLst>
+              <a:ext uri="{FF2B5EF4-FFF2-40B4-BE49-F238E27FC236}">
+                <a16:creationId xmlns:a16="http://schemas.microsoft.com/office/drawing/2014/main" id="{2031CD52-0FAC-FBF7-F741-031670AFD1E6}"/>
+              </a:ext>
+            </a:extLst>
+          </p:cNvPr>
+          <p:cNvSpPr>
+            <a:spLocks noGrp="1"/>
+          </p:cNvSpPr>
+          <p:nvPr>
+            <p:ph type="sldNum" sz="quarter" idx="12"/>
+          </p:nvPr>
+        </p:nvSpPr>
+        <p:spPr/>
+        <p:txBody>
+          <a:bodyPr/>
+          <a:lstStyle/>
+          <a:p>
+            <a:fld id="{0079CAC6-A72B-4EF8-B465-34FA47827E7F}" type="slidenum">
+              <a:rPr lang="en-US" smtClean="0"/>
+              <a:t>22</a:t>
+            </a:fld>
+            <a:endParaRPr lang="en-US" dirty="0"/>
+          </a:p>
+        </p:txBody>
+      </p:sp>
+    </p:spTree>
+    <p:extLst>
+      <p:ext uri="{BB962C8B-B14F-4D97-AF65-F5344CB8AC3E}">
+        <p14:creationId xmlns:p14="http://schemas.microsoft.com/office/powerpoint/2010/main" val="3668433600"/>
+      </p:ext>
+    </p:extLst>
+  </p:cSld>
+  <p:clrMapOvr>
+    <a:masterClrMapping/>
+  </p:clrMapOvr>
+</p:sld>
+</file>
+
+<file path=ppt/slides/slide23.xml><?xml version="1.0" encoding="utf-8"?>
+<p:sld xmlns:a="http://schemas.openxmlformats.org/drawingml/2006/main" xmlns:r="http://schemas.openxmlformats.org/officeDocument/2006/relationships" xmlns:p="http://schemas.openxmlformats.org/presentationml/2006/main">
+  <p:cSld>
+    <p:spTree>
+      <p:nvGrpSpPr>
+        <p:cNvPr id="1" name=""/>
+        <p:cNvGrpSpPr/>
+        <p:nvPr/>
+      </p:nvGrpSpPr>
+      <p:grpSpPr>
+        <a:xfrm>
+          <a:off x="0" y="0"/>
+          <a:ext cx="0" cy="0"/>
+          <a:chOff x="0" y="0"/>
+          <a:chExt cx="0" cy="0"/>
+        </a:xfrm>
+      </p:grpSpPr>
+      <p:sp>
+        <p:nvSpPr>
+          <p:cNvPr id="5" name="Title 4">
+            <a:extLst>
+              <a:ext uri="{FF2B5EF4-FFF2-40B4-BE49-F238E27FC236}">
+                <a16:creationId xmlns:a16="http://schemas.microsoft.com/office/drawing/2014/main" id="{3E1FC432-A453-870C-34F6-F5AB1E824DD3}"/>
+              </a:ext>
+            </a:extLst>
+          </p:cNvPr>
+          <p:cNvSpPr>
+            <a:spLocks noGrp="1"/>
+          </p:cNvSpPr>
+          <p:nvPr>
+            <p:ph type="title"/>
+          </p:nvPr>
+        </p:nvSpPr>
+        <p:spPr/>
+        <p:txBody>
+          <a:bodyPr/>
+          <a:lstStyle/>
+          <a:p>
+            <a:r>
+              <a:rPr lang="en-US" dirty="0"/>
+              <a:t>Programming with Python</a:t>
+            </a:r>
+          </a:p>
+        </p:txBody>
+      </p:sp>
+      <p:sp>
+        <p:nvSpPr>
+          <p:cNvPr id="4" name="Slide Number Placeholder 3">
+            <a:extLst>
+              <a:ext uri="{FF2B5EF4-FFF2-40B4-BE49-F238E27FC236}">
+                <a16:creationId xmlns:a16="http://schemas.microsoft.com/office/drawing/2014/main" id="{872D2B23-7846-DE1D-E096-383132454A1B}"/>
+              </a:ext>
+            </a:extLst>
+          </p:cNvPr>
+          <p:cNvSpPr>
+            <a:spLocks noGrp="1"/>
+          </p:cNvSpPr>
+          <p:nvPr>
+            <p:ph type="sldNum" sz="quarter" idx="12"/>
+          </p:nvPr>
+        </p:nvSpPr>
+        <p:spPr/>
+        <p:txBody>
+          <a:bodyPr/>
+          <a:lstStyle/>
+          <a:p>
+            <a:fld id="{0079CAC6-A72B-4EF8-B465-34FA47827E7F}" type="slidenum">
+              <a:rPr lang="en-US" smtClean="0"/>
+              <a:t>23</a:t>
+            </a:fld>
+            <a:endParaRPr lang="en-US" dirty="0"/>
+          </a:p>
+        </p:txBody>
+      </p:sp>
+      <p:sp>
+        <p:nvSpPr>
+          <p:cNvPr id="2" name="Footer Placeholder 1">
+            <a:extLst>
+              <a:ext uri="{FF2B5EF4-FFF2-40B4-BE49-F238E27FC236}">
+                <a16:creationId xmlns:a16="http://schemas.microsoft.com/office/drawing/2014/main" id="{88F3A02B-EBDE-A1C4-048E-E606628F0D93}"/>
+              </a:ext>
+            </a:extLst>
+          </p:cNvPr>
+          <p:cNvSpPr>
+            <a:spLocks noGrp="1"/>
+          </p:cNvSpPr>
+          <p:nvPr>
+            <p:ph type="ftr" sz="quarter" idx="11"/>
+          </p:nvPr>
+        </p:nvSpPr>
+        <p:spPr/>
+        <p:txBody>
+          <a:bodyPr/>
+          <a:lstStyle/>
+          <a:p>
+            <a:r>
+              <a:rPr lang="en-US"/>
+              <a:t>Fundamental Programming with Python</a:t>
+            </a:r>
+            <a:endParaRPr lang="en-US" dirty="0"/>
+          </a:p>
+        </p:txBody>
+      </p:sp>
+    </p:spTree>
+    <p:extLst>
+      <p:ext uri="{BB962C8B-B14F-4D97-AF65-F5344CB8AC3E}">
+        <p14:creationId xmlns:p14="http://schemas.microsoft.com/office/powerpoint/2010/main" val="2747561522"/>
+      </p:ext>
+    </p:extLst>
+  </p:cSld>
+  <p:clrMapOvr>
+    <a:masterClrMapping/>
+  </p:clrMapOvr>
+</p:sld>
+</file>
+
+<file path=ppt/slides/slide24.xml><?xml version="1.0" encoding="utf-8"?>
+<p:sld xmlns:a="http://schemas.openxmlformats.org/drawingml/2006/main" xmlns:r="http://schemas.openxmlformats.org/officeDocument/2006/relationships" xmlns:p="http://schemas.openxmlformats.org/presentationml/2006/main">
+  <p:cSld>
+    <p:spTree>
+      <p:nvGrpSpPr>
+        <p:cNvPr id="1" name=""/>
+        <p:cNvGrpSpPr/>
+        <p:nvPr/>
+      </p:nvGrpSpPr>
+      <p:grpSpPr>
+        <a:xfrm>
+          <a:off x="0" y="0"/>
+          <a:ext cx="0" cy="0"/>
+          <a:chOff x="0" y="0"/>
+          <a:chExt cx="0" cy="0"/>
+        </a:xfrm>
+      </p:grpSpPr>
+      <p:sp>
+        <p:nvSpPr>
+          <p:cNvPr id="2" name="Title 1">
+            <a:extLst>
+              <a:ext uri="{FF2B5EF4-FFF2-40B4-BE49-F238E27FC236}">
                 <a16:creationId xmlns:a16="http://schemas.microsoft.com/office/drawing/2014/main" id="{D3262D2A-0134-5A70-6F09-86F9623CF131}"/>
               </a:ext>
             </a:extLst>
@@ -8257,7 +11692,7 @@
           <a:p>
             <a:fld id="{0079CAC6-A72B-4EF8-B465-34FA47827E7F}" type="slidenum">
               <a:rPr lang="en-US" smtClean="0"/>
-              <a:t>22</a:t>
+              <a:t>24</a:t>
             </a:fld>
             <a:endParaRPr lang="en-US" dirty="0"/>
           </a:p>
@@ -8325,7 +11760,7 @@
 </p:sld>
 </file>
 
-<file path=ppt/slides/slide23.xml><?xml version="1.0" encoding="utf-8"?>
+<file path=ppt/slides/slide25.xml><?xml version="1.0" encoding="utf-8"?>
 <p:sld xmlns:a="http://schemas.openxmlformats.org/drawingml/2006/main" xmlns:r="http://schemas.openxmlformats.org/officeDocument/2006/relationships" xmlns:p="http://schemas.openxmlformats.org/presentationml/2006/main">
   <p:cSld>
     <p:spTree>
@@ -8476,7 +11911,7 @@
           <a:p>
             <a:fld id="{0079CAC6-A72B-4EF8-B465-34FA47827E7F}" type="slidenum">
               <a:rPr lang="en-US" smtClean="0"/>
-              <a:t>23</a:t>
+              <a:t>25</a:t>
             </a:fld>
             <a:endParaRPr lang="en-US" dirty="0"/>
           </a:p>
@@ -8785,7 +12220,7 @@
 </p:sld>
 </file>
 
-<file path=ppt/slides/slide24.xml><?xml version="1.0" encoding="utf-8"?>
+<file path=ppt/slides/slide26.xml><?xml version="1.0" encoding="utf-8"?>
 <p:sld xmlns:a="http://schemas.openxmlformats.org/drawingml/2006/main" xmlns:r="http://schemas.openxmlformats.org/officeDocument/2006/relationships" xmlns:p="http://schemas.openxmlformats.org/presentationml/2006/main">
   <p:cSld>
     <p:spTree>
@@ -8910,7 +12345,7 @@
           <a:p>
             <a:fld id="{0079CAC6-A72B-4EF8-B465-34FA47827E7F}" type="slidenum">
               <a:rPr lang="en-US" smtClean="0"/>
-              <a:t>24</a:t>
+              <a:t>26</a:t>
             </a:fld>
             <a:endParaRPr lang="en-US" dirty="0"/>
           </a:p>
@@ -8929,7 +12364,7 @@
 </p:sld>
 </file>
 
-<file path=ppt/slides/slide25.xml><?xml version="1.0" encoding="utf-8"?>
+<file path=ppt/slides/slide27.xml><?xml version="1.0" encoding="utf-8"?>
 <p:sld xmlns:a="http://schemas.openxmlformats.org/drawingml/2006/main" xmlns:r="http://schemas.openxmlformats.org/officeDocument/2006/relationships" xmlns:p="http://schemas.openxmlformats.org/presentationml/2006/main">
   <p:cSld>
     <p:spTree>
@@ -9121,7 +12556,7 @@
           <a:p>
             <a:fld id="{0079CAC6-A72B-4EF8-B465-34FA47827E7F}" type="slidenum">
               <a:rPr lang="en-US" smtClean="0"/>
-              <a:t>25</a:t>
+              <a:t>27</a:t>
             </a:fld>
             <a:endParaRPr lang="en-US" dirty="0"/>
           </a:p>
@@ -9719,7 +13154,7 @@
 </p:sld>
 </file>
 
-<file path=ppt/slides/slide26.xml><?xml version="1.0" encoding="utf-8"?>
+<file path=ppt/slides/slide28.xml><?xml version="1.0" encoding="utf-8"?>
 <p:sld xmlns:a="http://schemas.openxmlformats.org/drawingml/2006/main" xmlns:r="http://schemas.openxmlformats.org/officeDocument/2006/relationships" xmlns:p="http://schemas.openxmlformats.org/presentationml/2006/main">
   <p:cSld>
     <p:spTree>
@@ -9863,7 +13298,7 @@
           <a:p>
             <a:fld id="{0079CAC6-A72B-4EF8-B465-34FA47827E7F}" type="slidenum">
               <a:rPr lang="en-US" smtClean="0"/>
-              <a:t>26</a:t>
+              <a:t>28</a:t>
             </a:fld>
             <a:endParaRPr lang="en-US" dirty="0"/>
           </a:p>
@@ -9929,294 +13364,6 @@
 </p:sld>
 </file>
 
-<file path=ppt/slides/slide27.xml><?xml version="1.0" encoding="utf-8"?>
-<p:sld xmlns:a="http://schemas.openxmlformats.org/drawingml/2006/main" xmlns:r="http://schemas.openxmlformats.org/officeDocument/2006/relationships" xmlns:p="http://schemas.openxmlformats.org/presentationml/2006/main">
-  <p:cSld>
-    <p:spTree>
-      <p:nvGrpSpPr>
-        <p:cNvPr id="1" name=""/>
-        <p:cNvGrpSpPr/>
-        <p:nvPr/>
-      </p:nvGrpSpPr>
-      <p:grpSpPr>
-        <a:xfrm>
-          <a:off x="0" y="0"/>
-          <a:ext cx="0" cy="0"/>
-          <a:chOff x="0" y="0"/>
-          <a:chExt cx="0" cy="0"/>
-        </a:xfrm>
-      </p:grpSpPr>
-      <p:sp>
-        <p:nvSpPr>
-          <p:cNvPr id="5" name="Title 4">
-            <a:extLst>
-              <a:ext uri="{FF2B5EF4-FFF2-40B4-BE49-F238E27FC236}">
-                <a16:creationId xmlns:a16="http://schemas.microsoft.com/office/drawing/2014/main" id="{3E1FC432-A453-870C-34F6-F5AB1E824DD3}"/>
-              </a:ext>
-            </a:extLst>
-          </p:cNvPr>
-          <p:cNvSpPr>
-            <a:spLocks noGrp="1"/>
-          </p:cNvSpPr>
-          <p:nvPr>
-            <p:ph type="title"/>
-          </p:nvPr>
-        </p:nvSpPr>
-        <p:spPr/>
-        <p:txBody>
-          <a:bodyPr/>
-          <a:lstStyle/>
-          <a:p>
-            <a:r>
-              <a:rPr lang="en-US" dirty="0"/>
-              <a:t>Application of Programming in the Digital Age!</a:t>
-            </a:r>
-            <a:endParaRPr lang="fa-IR" dirty="0"/>
-          </a:p>
-        </p:txBody>
-      </p:sp>
-      <p:sp>
-        <p:nvSpPr>
-          <p:cNvPr id="4" name="Slide Number Placeholder 3">
-            <a:extLst>
-              <a:ext uri="{FF2B5EF4-FFF2-40B4-BE49-F238E27FC236}">
-                <a16:creationId xmlns:a16="http://schemas.microsoft.com/office/drawing/2014/main" id="{872D2B23-7846-DE1D-E096-383132454A1B}"/>
-              </a:ext>
-            </a:extLst>
-          </p:cNvPr>
-          <p:cNvSpPr>
-            <a:spLocks noGrp="1"/>
-          </p:cNvSpPr>
-          <p:nvPr>
-            <p:ph type="sldNum" sz="quarter" idx="12"/>
-          </p:nvPr>
-        </p:nvSpPr>
-        <p:spPr/>
-        <p:txBody>
-          <a:bodyPr/>
-          <a:lstStyle/>
-          <a:p>
-            <a:fld id="{0079CAC6-A72B-4EF8-B465-34FA47827E7F}" type="slidenum">
-              <a:rPr lang="en-US" smtClean="0"/>
-              <a:t>27</a:t>
-            </a:fld>
-            <a:endParaRPr lang="en-US" dirty="0"/>
-          </a:p>
-        </p:txBody>
-      </p:sp>
-      <p:sp>
-        <p:nvSpPr>
-          <p:cNvPr id="2" name="Footer Placeholder 1">
-            <a:extLst>
-              <a:ext uri="{FF2B5EF4-FFF2-40B4-BE49-F238E27FC236}">
-                <a16:creationId xmlns:a16="http://schemas.microsoft.com/office/drawing/2014/main" id="{88F3A02B-EBDE-A1C4-048E-E606628F0D93}"/>
-              </a:ext>
-            </a:extLst>
-          </p:cNvPr>
-          <p:cNvSpPr>
-            <a:spLocks noGrp="1"/>
-          </p:cNvSpPr>
-          <p:nvPr>
-            <p:ph type="ftr" sz="quarter" idx="11"/>
-          </p:nvPr>
-        </p:nvSpPr>
-        <p:spPr/>
-        <p:txBody>
-          <a:bodyPr/>
-          <a:lstStyle/>
-          <a:p>
-            <a:r>
-              <a:rPr lang="en-US"/>
-              <a:t>Fundamental Programming with Python</a:t>
-            </a:r>
-            <a:endParaRPr lang="en-US" dirty="0"/>
-          </a:p>
-        </p:txBody>
-      </p:sp>
-    </p:spTree>
-    <p:extLst>
-      <p:ext uri="{BB962C8B-B14F-4D97-AF65-F5344CB8AC3E}">
-        <p14:creationId xmlns:p14="http://schemas.microsoft.com/office/powerpoint/2010/main" val="2564189193"/>
-      </p:ext>
-    </p:extLst>
-  </p:cSld>
-  <p:clrMapOvr>
-    <a:masterClrMapping/>
-  </p:clrMapOvr>
-</p:sld>
-</file>
-
-<file path=ppt/slides/slide28.xml><?xml version="1.0" encoding="utf-8"?>
-<p:sld xmlns:a="http://schemas.openxmlformats.org/drawingml/2006/main" xmlns:r="http://schemas.openxmlformats.org/officeDocument/2006/relationships" xmlns:p="http://schemas.openxmlformats.org/presentationml/2006/main">
-  <p:cSld>
-    <p:spTree>
-      <p:nvGrpSpPr>
-        <p:cNvPr id="1" name=""/>
-        <p:cNvGrpSpPr/>
-        <p:nvPr/>
-      </p:nvGrpSpPr>
-      <p:grpSpPr>
-        <a:xfrm>
-          <a:off x="0" y="0"/>
-          <a:ext cx="0" cy="0"/>
-          <a:chOff x="0" y="0"/>
-          <a:chExt cx="0" cy="0"/>
-        </a:xfrm>
-      </p:grpSpPr>
-      <p:sp>
-        <p:nvSpPr>
-          <p:cNvPr id="2" name="Title 1">
-            <a:extLst>
-              <a:ext uri="{FF2B5EF4-FFF2-40B4-BE49-F238E27FC236}">
-                <a16:creationId xmlns:a16="http://schemas.microsoft.com/office/drawing/2014/main" id="{DD9C2E90-1E69-DA65-D215-2F0721C8FB89}"/>
-              </a:ext>
-            </a:extLst>
-          </p:cNvPr>
-          <p:cNvSpPr>
-            <a:spLocks noGrp="1"/>
-          </p:cNvSpPr>
-          <p:nvPr>
-            <p:ph type="title"/>
-          </p:nvPr>
-        </p:nvSpPr>
-        <p:spPr/>
-        <p:txBody>
-          <a:bodyPr/>
-          <a:lstStyle/>
-          <a:p>
-            <a:r>
-              <a:rPr lang="en-US" dirty="0"/>
-              <a:t>code.NASA.gov</a:t>
-            </a:r>
-          </a:p>
-        </p:txBody>
-      </p:sp>
-      <p:sp>
-        <p:nvSpPr>
-          <p:cNvPr id="4" name="Footer Placeholder 3">
-            <a:extLst>
-              <a:ext uri="{FF2B5EF4-FFF2-40B4-BE49-F238E27FC236}">
-                <a16:creationId xmlns:a16="http://schemas.microsoft.com/office/drawing/2014/main" id="{1FEB3F21-A1BC-7950-EEA9-24565C5A53E0}"/>
-              </a:ext>
-            </a:extLst>
-          </p:cNvPr>
-          <p:cNvSpPr>
-            <a:spLocks noGrp="1"/>
-          </p:cNvSpPr>
-          <p:nvPr>
-            <p:ph type="ftr" sz="quarter" idx="11"/>
-          </p:nvPr>
-        </p:nvSpPr>
-        <p:spPr/>
-        <p:txBody>
-          <a:bodyPr/>
-          <a:lstStyle/>
-          <a:p>
-            <a:r>
-              <a:rPr lang="en-US"/>
-              <a:t>Fundamental Programming with Python</a:t>
-            </a:r>
-            <a:endParaRPr lang="en-US" dirty="0"/>
-          </a:p>
-        </p:txBody>
-      </p:sp>
-      <p:sp>
-        <p:nvSpPr>
-          <p:cNvPr id="5" name="Slide Number Placeholder 4">
-            <a:extLst>
-              <a:ext uri="{FF2B5EF4-FFF2-40B4-BE49-F238E27FC236}">
-                <a16:creationId xmlns:a16="http://schemas.microsoft.com/office/drawing/2014/main" id="{02679F5A-3782-1174-6DED-27A5D365C898}"/>
-              </a:ext>
-            </a:extLst>
-          </p:cNvPr>
-          <p:cNvSpPr>
-            <a:spLocks noGrp="1"/>
-          </p:cNvSpPr>
-          <p:nvPr>
-            <p:ph type="sldNum" sz="quarter" idx="12"/>
-          </p:nvPr>
-        </p:nvSpPr>
-        <p:spPr/>
-        <p:txBody>
-          <a:bodyPr/>
-          <a:lstStyle/>
-          <a:p>
-            <a:fld id="{0079CAC6-A72B-4EF8-B465-34FA47827E7F}" type="slidenum">
-              <a:rPr lang="en-US" smtClean="0"/>
-              <a:t>28</a:t>
-            </a:fld>
-            <a:endParaRPr lang="en-US" dirty="0"/>
-          </a:p>
-        </p:txBody>
-      </p:sp>
-      <p:sp>
-        <p:nvSpPr>
-          <p:cNvPr id="6" name="Content Placeholder 5">
-            <a:extLst>
-              <a:ext uri="{FF2B5EF4-FFF2-40B4-BE49-F238E27FC236}">
-                <a16:creationId xmlns:a16="http://schemas.microsoft.com/office/drawing/2014/main" id="{5FA0DFAD-F6CD-852B-417C-A7EF0C43F568}"/>
-              </a:ext>
-            </a:extLst>
-          </p:cNvPr>
-          <p:cNvSpPr>
-            <a:spLocks noGrp="1"/>
-          </p:cNvSpPr>
-          <p:nvPr>
-            <p:ph idx="1"/>
-          </p:nvPr>
-        </p:nvSpPr>
-        <p:spPr/>
-        <p:txBody>
-          <a:bodyPr/>
-          <a:lstStyle/>
-          <a:p>
-            <a:endParaRPr lang="en-US"/>
-          </a:p>
-        </p:txBody>
-      </p:sp>
-      <p:pic>
-        <p:nvPicPr>
-          <p:cNvPr id="7" name="Picture 6">
-            <a:extLst>
-              <a:ext uri="{FF2B5EF4-FFF2-40B4-BE49-F238E27FC236}">
-                <a16:creationId xmlns:a16="http://schemas.microsoft.com/office/drawing/2014/main" id="{D68F58B5-5B29-E19B-CECB-28000E3F3A82}"/>
-              </a:ext>
-            </a:extLst>
-          </p:cNvPr>
-          <p:cNvPicPr>
-            <a:picLocks noChangeAspect="1"/>
-          </p:cNvPicPr>
-          <p:nvPr/>
-        </p:nvPicPr>
-        <p:blipFill>
-          <a:blip r:embed="rId2"/>
-          <a:stretch>
-            <a:fillRect/>
-          </a:stretch>
-        </p:blipFill>
-        <p:spPr>
-          <a:xfrm>
-            <a:off x="1161049" y="1901986"/>
-            <a:ext cx="10444142" cy="4798660"/>
-          </a:xfrm>
-          <a:prstGeom prst="rect">
-            <a:avLst/>
-          </a:prstGeom>
-        </p:spPr>
-      </p:pic>
-    </p:spTree>
-    <p:extLst>
-      <p:ext uri="{BB962C8B-B14F-4D97-AF65-F5344CB8AC3E}">
-        <p14:creationId xmlns:p14="http://schemas.microsoft.com/office/powerpoint/2010/main" val="3522828388"/>
-      </p:ext>
-    </p:extLst>
-  </p:cSld>
-  <p:clrMapOvr>
-    <a:masterClrMapping/>
-  </p:clrMapOvr>
-</p:sld>
-</file>
-
 <file path=ppt/slides/slide29.xml><?xml version="1.0" encoding="utf-8"?>
 <p:sld xmlns:a="http://schemas.openxmlformats.org/drawingml/2006/main" xmlns:r="http://schemas.openxmlformats.org/officeDocument/2006/relationships" xmlns:p="http://schemas.openxmlformats.org/presentationml/2006/main">
   <p:cSld>
@@ -10236,10 +13383,10 @@
       </p:grpSpPr>
       <p:sp>
         <p:nvSpPr>
-          <p:cNvPr id="2" name="Title 1">
+          <p:cNvPr id="5" name="Title 4">
             <a:extLst>
               <a:ext uri="{FF2B5EF4-FFF2-40B4-BE49-F238E27FC236}">
-                <a16:creationId xmlns:a16="http://schemas.microsoft.com/office/drawing/2014/main" id="{1E16BFFE-AD29-0619-3869-A75373F52991}"/>
+                <a16:creationId xmlns:a16="http://schemas.microsoft.com/office/drawing/2014/main" id="{3E1FC432-A453-870C-34F6-F5AB1E824DD3}"/>
               </a:ext>
             </a:extLst>
           </p:cNvPr>
@@ -10257,75 +13404,18 @@
           <a:p>
             <a:r>
               <a:rPr lang="en-US" dirty="0"/>
-              <a:t>Project 1</a:t>
-            </a:r>
-          </a:p>
-        </p:txBody>
-      </p:sp>
-      <p:pic>
-        <p:nvPicPr>
-          <p:cNvPr id="7" name="Content Placeholder 6">
+              <a:t>Application of Programming in the Digital Age!</a:t>
+            </a:r>
+            <a:endParaRPr lang="fa-IR" dirty="0"/>
+          </a:p>
+        </p:txBody>
+      </p:sp>
+      <p:sp>
+        <p:nvSpPr>
+          <p:cNvPr id="4" name="Slide Number Placeholder 3">
             <a:extLst>
               <a:ext uri="{FF2B5EF4-FFF2-40B4-BE49-F238E27FC236}">
-                <a16:creationId xmlns:a16="http://schemas.microsoft.com/office/drawing/2014/main" id="{FC671AC9-D185-6674-FC9C-2AED0E893131}"/>
-              </a:ext>
-            </a:extLst>
-          </p:cNvPr>
-          <p:cNvPicPr>
-            <a:picLocks noGrp="1" noChangeAspect="1"/>
-          </p:cNvPicPr>
-          <p:nvPr>
-            <p:ph idx="1"/>
-          </p:nvPr>
-        </p:nvPicPr>
-        <p:blipFill>
-          <a:blip r:embed="rId2"/>
-          <a:stretch>
-            <a:fillRect/>
-          </a:stretch>
-        </p:blipFill>
-        <p:spPr>
-          <a:xfrm>
-            <a:off x="1203325" y="2275484"/>
-            <a:ext cx="9783763" cy="3678632"/>
-          </a:xfrm>
-        </p:spPr>
-      </p:pic>
-      <p:sp>
-        <p:nvSpPr>
-          <p:cNvPr id="4" name="Footer Placeholder 3">
-            <a:extLst>
-              <a:ext uri="{FF2B5EF4-FFF2-40B4-BE49-F238E27FC236}">
-                <a16:creationId xmlns:a16="http://schemas.microsoft.com/office/drawing/2014/main" id="{3AE75600-EE1B-F723-1AEE-D8DB2B78C2BF}"/>
-              </a:ext>
-            </a:extLst>
-          </p:cNvPr>
-          <p:cNvSpPr>
-            <a:spLocks noGrp="1"/>
-          </p:cNvSpPr>
-          <p:nvPr>
-            <p:ph type="ftr" sz="quarter" idx="11"/>
-          </p:nvPr>
-        </p:nvSpPr>
-        <p:spPr/>
-        <p:txBody>
-          <a:bodyPr/>
-          <a:lstStyle/>
-          <a:p>
-            <a:r>
-              <a:rPr lang="en-US"/>
-              <a:t>Fundamental Programming with Python</a:t>
-            </a:r>
-            <a:endParaRPr lang="en-US" dirty="0"/>
-          </a:p>
-        </p:txBody>
-      </p:sp>
-      <p:sp>
-        <p:nvSpPr>
-          <p:cNvPr id="5" name="Slide Number Placeholder 4">
-            <a:extLst>
-              <a:ext uri="{FF2B5EF4-FFF2-40B4-BE49-F238E27FC236}">
-                <a16:creationId xmlns:a16="http://schemas.microsoft.com/office/drawing/2014/main" id="{BD95A20C-B428-6D85-D739-1C9B203B4EE3}"/>
+                <a16:creationId xmlns:a16="http://schemas.microsoft.com/office/drawing/2014/main" id="{872D2B23-7846-DE1D-E096-383132454A1B}"/>
               </a:ext>
             </a:extLst>
           </p:cNvPr>
@@ -10349,10 +13439,39 @@
           </a:p>
         </p:txBody>
       </p:sp>
+      <p:sp>
+        <p:nvSpPr>
+          <p:cNvPr id="2" name="Footer Placeholder 1">
+            <a:extLst>
+              <a:ext uri="{FF2B5EF4-FFF2-40B4-BE49-F238E27FC236}">
+                <a16:creationId xmlns:a16="http://schemas.microsoft.com/office/drawing/2014/main" id="{88F3A02B-EBDE-A1C4-048E-E606628F0D93}"/>
+              </a:ext>
+            </a:extLst>
+          </p:cNvPr>
+          <p:cNvSpPr>
+            <a:spLocks noGrp="1"/>
+          </p:cNvSpPr>
+          <p:nvPr>
+            <p:ph type="ftr" sz="quarter" idx="11"/>
+          </p:nvPr>
+        </p:nvSpPr>
+        <p:spPr/>
+        <p:txBody>
+          <a:bodyPr/>
+          <a:lstStyle/>
+          <a:p>
+            <a:r>
+              <a:rPr lang="en-US"/>
+              <a:t>Fundamental Programming with Python</a:t>
+            </a:r>
+            <a:endParaRPr lang="en-US" dirty="0"/>
+          </a:p>
+        </p:txBody>
+      </p:sp>
     </p:spTree>
     <p:extLst>
       <p:ext uri="{BB962C8B-B14F-4D97-AF65-F5344CB8AC3E}">
-        <p14:creationId xmlns:p14="http://schemas.microsoft.com/office/powerpoint/2010/main" val="428632859"/>
+        <p14:creationId xmlns:p14="http://schemas.microsoft.com/office/powerpoint/2010/main" val="2564189193"/>
       </p:ext>
     </p:extLst>
   </p:cSld>
@@ -11168,6 +14287,322 @@
           <p:cNvPr id="2" name="Title 1">
             <a:extLst>
               <a:ext uri="{FF2B5EF4-FFF2-40B4-BE49-F238E27FC236}">
+                <a16:creationId xmlns:a16="http://schemas.microsoft.com/office/drawing/2014/main" id="{DD9C2E90-1E69-DA65-D215-2F0721C8FB89}"/>
+              </a:ext>
+            </a:extLst>
+          </p:cNvPr>
+          <p:cNvSpPr>
+            <a:spLocks noGrp="1"/>
+          </p:cNvSpPr>
+          <p:nvPr>
+            <p:ph type="title"/>
+          </p:nvPr>
+        </p:nvSpPr>
+        <p:spPr/>
+        <p:txBody>
+          <a:bodyPr/>
+          <a:lstStyle/>
+          <a:p>
+            <a:r>
+              <a:rPr lang="en-US" dirty="0"/>
+              <a:t>code.NASA.gov</a:t>
+            </a:r>
+          </a:p>
+        </p:txBody>
+      </p:sp>
+      <p:sp>
+        <p:nvSpPr>
+          <p:cNvPr id="4" name="Footer Placeholder 3">
+            <a:extLst>
+              <a:ext uri="{FF2B5EF4-FFF2-40B4-BE49-F238E27FC236}">
+                <a16:creationId xmlns:a16="http://schemas.microsoft.com/office/drawing/2014/main" id="{1FEB3F21-A1BC-7950-EEA9-24565C5A53E0}"/>
+              </a:ext>
+            </a:extLst>
+          </p:cNvPr>
+          <p:cNvSpPr>
+            <a:spLocks noGrp="1"/>
+          </p:cNvSpPr>
+          <p:nvPr>
+            <p:ph type="ftr" sz="quarter" idx="11"/>
+          </p:nvPr>
+        </p:nvSpPr>
+        <p:spPr/>
+        <p:txBody>
+          <a:bodyPr/>
+          <a:lstStyle/>
+          <a:p>
+            <a:r>
+              <a:rPr lang="en-US"/>
+              <a:t>Fundamental Programming with Python</a:t>
+            </a:r>
+            <a:endParaRPr lang="en-US" dirty="0"/>
+          </a:p>
+        </p:txBody>
+      </p:sp>
+      <p:sp>
+        <p:nvSpPr>
+          <p:cNvPr id="5" name="Slide Number Placeholder 4">
+            <a:extLst>
+              <a:ext uri="{FF2B5EF4-FFF2-40B4-BE49-F238E27FC236}">
+                <a16:creationId xmlns:a16="http://schemas.microsoft.com/office/drawing/2014/main" id="{02679F5A-3782-1174-6DED-27A5D365C898}"/>
+              </a:ext>
+            </a:extLst>
+          </p:cNvPr>
+          <p:cNvSpPr>
+            <a:spLocks noGrp="1"/>
+          </p:cNvSpPr>
+          <p:nvPr>
+            <p:ph type="sldNum" sz="quarter" idx="12"/>
+          </p:nvPr>
+        </p:nvSpPr>
+        <p:spPr/>
+        <p:txBody>
+          <a:bodyPr/>
+          <a:lstStyle/>
+          <a:p>
+            <a:fld id="{0079CAC6-A72B-4EF8-B465-34FA47827E7F}" type="slidenum">
+              <a:rPr lang="en-US" smtClean="0"/>
+              <a:t>30</a:t>
+            </a:fld>
+            <a:endParaRPr lang="en-US" dirty="0"/>
+          </a:p>
+        </p:txBody>
+      </p:sp>
+      <p:sp>
+        <p:nvSpPr>
+          <p:cNvPr id="6" name="Content Placeholder 5">
+            <a:extLst>
+              <a:ext uri="{FF2B5EF4-FFF2-40B4-BE49-F238E27FC236}">
+                <a16:creationId xmlns:a16="http://schemas.microsoft.com/office/drawing/2014/main" id="{5FA0DFAD-F6CD-852B-417C-A7EF0C43F568}"/>
+              </a:ext>
+            </a:extLst>
+          </p:cNvPr>
+          <p:cNvSpPr>
+            <a:spLocks noGrp="1"/>
+          </p:cNvSpPr>
+          <p:nvPr>
+            <p:ph idx="1"/>
+          </p:nvPr>
+        </p:nvSpPr>
+        <p:spPr/>
+        <p:txBody>
+          <a:bodyPr/>
+          <a:lstStyle/>
+          <a:p>
+            <a:endParaRPr lang="en-US"/>
+          </a:p>
+        </p:txBody>
+      </p:sp>
+      <p:pic>
+        <p:nvPicPr>
+          <p:cNvPr id="7" name="Picture 6">
+            <a:extLst>
+              <a:ext uri="{FF2B5EF4-FFF2-40B4-BE49-F238E27FC236}">
+                <a16:creationId xmlns:a16="http://schemas.microsoft.com/office/drawing/2014/main" id="{D68F58B5-5B29-E19B-CECB-28000E3F3A82}"/>
+              </a:ext>
+            </a:extLst>
+          </p:cNvPr>
+          <p:cNvPicPr>
+            <a:picLocks noChangeAspect="1"/>
+          </p:cNvPicPr>
+          <p:nvPr/>
+        </p:nvPicPr>
+        <p:blipFill>
+          <a:blip r:embed="rId2"/>
+          <a:stretch>
+            <a:fillRect/>
+          </a:stretch>
+        </p:blipFill>
+        <p:spPr>
+          <a:xfrm>
+            <a:off x="1161049" y="1901986"/>
+            <a:ext cx="10444142" cy="4798660"/>
+          </a:xfrm>
+          <a:prstGeom prst="rect">
+            <a:avLst/>
+          </a:prstGeom>
+        </p:spPr>
+      </p:pic>
+    </p:spTree>
+    <p:extLst>
+      <p:ext uri="{BB962C8B-B14F-4D97-AF65-F5344CB8AC3E}">
+        <p14:creationId xmlns:p14="http://schemas.microsoft.com/office/powerpoint/2010/main" val="3522828388"/>
+      </p:ext>
+    </p:extLst>
+  </p:cSld>
+  <p:clrMapOvr>
+    <a:masterClrMapping/>
+  </p:clrMapOvr>
+</p:sld>
+</file>
+
+<file path=ppt/slides/slide31.xml><?xml version="1.0" encoding="utf-8"?>
+<p:sld xmlns:a="http://schemas.openxmlformats.org/drawingml/2006/main" xmlns:r="http://schemas.openxmlformats.org/officeDocument/2006/relationships" xmlns:p="http://schemas.openxmlformats.org/presentationml/2006/main">
+  <p:cSld>
+    <p:spTree>
+      <p:nvGrpSpPr>
+        <p:cNvPr id="1" name=""/>
+        <p:cNvGrpSpPr/>
+        <p:nvPr/>
+      </p:nvGrpSpPr>
+      <p:grpSpPr>
+        <a:xfrm>
+          <a:off x="0" y="0"/>
+          <a:ext cx="0" cy="0"/>
+          <a:chOff x="0" y="0"/>
+          <a:chExt cx="0" cy="0"/>
+        </a:xfrm>
+      </p:grpSpPr>
+      <p:sp>
+        <p:nvSpPr>
+          <p:cNvPr id="2" name="Title 1">
+            <a:extLst>
+              <a:ext uri="{FF2B5EF4-FFF2-40B4-BE49-F238E27FC236}">
+                <a16:creationId xmlns:a16="http://schemas.microsoft.com/office/drawing/2014/main" id="{1E16BFFE-AD29-0619-3869-A75373F52991}"/>
+              </a:ext>
+            </a:extLst>
+          </p:cNvPr>
+          <p:cNvSpPr>
+            <a:spLocks noGrp="1"/>
+          </p:cNvSpPr>
+          <p:nvPr>
+            <p:ph type="title"/>
+          </p:nvPr>
+        </p:nvSpPr>
+        <p:spPr/>
+        <p:txBody>
+          <a:bodyPr/>
+          <a:lstStyle/>
+          <a:p>
+            <a:r>
+              <a:rPr lang="en-US" dirty="0"/>
+              <a:t>Project 1</a:t>
+            </a:r>
+          </a:p>
+        </p:txBody>
+      </p:sp>
+      <p:pic>
+        <p:nvPicPr>
+          <p:cNvPr id="7" name="Content Placeholder 6">
+            <a:extLst>
+              <a:ext uri="{FF2B5EF4-FFF2-40B4-BE49-F238E27FC236}">
+                <a16:creationId xmlns:a16="http://schemas.microsoft.com/office/drawing/2014/main" id="{FC671AC9-D185-6674-FC9C-2AED0E893131}"/>
+              </a:ext>
+            </a:extLst>
+          </p:cNvPr>
+          <p:cNvPicPr>
+            <a:picLocks noGrp="1" noChangeAspect="1"/>
+          </p:cNvPicPr>
+          <p:nvPr>
+            <p:ph idx="1"/>
+          </p:nvPr>
+        </p:nvPicPr>
+        <p:blipFill>
+          <a:blip r:embed="rId2"/>
+          <a:stretch>
+            <a:fillRect/>
+          </a:stretch>
+        </p:blipFill>
+        <p:spPr>
+          <a:xfrm>
+            <a:off x="1203325" y="2275484"/>
+            <a:ext cx="9783763" cy="3678632"/>
+          </a:xfrm>
+        </p:spPr>
+      </p:pic>
+      <p:sp>
+        <p:nvSpPr>
+          <p:cNvPr id="4" name="Footer Placeholder 3">
+            <a:extLst>
+              <a:ext uri="{FF2B5EF4-FFF2-40B4-BE49-F238E27FC236}">
+                <a16:creationId xmlns:a16="http://schemas.microsoft.com/office/drawing/2014/main" id="{3AE75600-EE1B-F723-1AEE-D8DB2B78C2BF}"/>
+              </a:ext>
+            </a:extLst>
+          </p:cNvPr>
+          <p:cNvSpPr>
+            <a:spLocks noGrp="1"/>
+          </p:cNvSpPr>
+          <p:nvPr>
+            <p:ph type="ftr" sz="quarter" idx="11"/>
+          </p:nvPr>
+        </p:nvSpPr>
+        <p:spPr/>
+        <p:txBody>
+          <a:bodyPr/>
+          <a:lstStyle/>
+          <a:p>
+            <a:r>
+              <a:rPr lang="en-US"/>
+              <a:t>Fundamental Programming with Python</a:t>
+            </a:r>
+            <a:endParaRPr lang="en-US" dirty="0"/>
+          </a:p>
+        </p:txBody>
+      </p:sp>
+      <p:sp>
+        <p:nvSpPr>
+          <p:cNvPr id="5" name="Slide Number Placeholder 4">
+            <a:extLst>
+              <a:ext uri="{FF2B5EF4-FFF2-40B4-BE49-F238E27FC236}">
+                <a16:creationId xmlns:a16="http://schemas.microsoft.com/office/drawing/2014/main" id="{BD95A20C-B428-6D85-D739-1C9B203B4EE3}"/>
+              </a:ext>
+            </a:extLst>
+          </p:cNvPr>
+          <p:cNvSpPr>
+            <a:spLocks noGrp="1"/>
+          </p:cNvSpPr>
+          <p:nvPr>
+            <p:ph type="sldNum" sz="quarter" idx="12"/>
+          </p:nvPr>
+        </p:nvSpPr>
+        <p:spPr/>
+        <p:txBody>
+          <a:bodyPr/>
+          <a:lstStyle/>
+          <a:p>
+            <a:fld id="{0079CAC6-A72B-4EF8-B465-34FA47827E7F}" type="slidenum">
+              <a:rPr lang="en-US" smtClean="0"/>
+              <a:t>31</a:t>
+            </a:fld>
+            <a:endParaRPr lang="en-US" dirty="0"/>
+          </a:p>
+        </p:txBody>
+      </p:sp>
+    </p:spTree>
+    <p:extLst>
+      <p:ext uri="{BB962C8B-B14F-4D97-AF65-F5344CB8AC3E}">
+        <p14:creationId xmlns:p14="http://schemas.microsoft.com/office/powerpoint/2010/main" val="428632859"/>
+      </p:ext>
+    </p:extLst>
+  </p:cSld>
+  <p:clrMapOvr>
+    <a:masterClrMapping/>
+  </p:clrMapOvr>
+</p:sld>
+</file>
+
+<file path=ppt/slides/slide32.xml><?xml version="1.0" encoding="utf-8"?>
+<p:sld xmlns:a="http://schemas.openxmlformats.org/drawingml/2006/main" xmlns:r="http://schemas.openxmlformats.org/officeDocument/2006/relationships" xmlns:p="http://schemas.openxmlformats.org/presentationml/2006/main">
+  <p:cSld>
+    <p:spTree>
+      <p:nvGrpSpPr>
+        <p:cNvPr id="1" name=""/>
+        <p:cNvGrpSpPr/>
+        <p:nvPr/>
+      </p:nvGrpSpPr>
+      <p:grpSpPr>
+        <a:xfrm>
+          <a:off x="0" y="0"/>
+          <a:ext cx="0" cy="0"/>
+          <a:chOff x="0" y="0"/>
+          <a:chExt cx="0" cy="0"/>
+        </a:xfrm>
+      </p:grpSpPr>
+      <p:sp>
+        <p:nvSpPr>
+          <p:cNvPr id="2" name="Title 1">
+            <a:extLst>
+              <a:ext uri="{FF2B5EF4-FFF2-40B4-BE49-F238E27FC236}">
                 <a16:creationId xmlns:a16="http://schemas.microsoft.com/office/drawing/2014/main" id="{54DEDAD5-19A4-D160-6F64-55CC75306D32}"/>
               </a:ext>
             </a:extLst>
@@ -11268,7 +14703,7 @@
           <a:p>
             <a:fld id="{0079CAC6-A72B-4EF8-B465-34FA47827E7F}" type="slidenum">
               <a:rPr lang="en-US" smtClean="0"/>
-              <a:t>30</a:t>
+              <a:t>32</a:t>
             </a:fld>
             <a:endParaRPr lang="en-US" dirty="0"/>
           </a:p>
@@ -11317,7 +14752,7 @@
 </p:sld>
 </file>
 
-<file path=ppt/slides/slide31.xml><?xml version="1.0" encoding="utf-8"?>
+<file path=ppt/slides/slide33.xml><?xml version="1.0" encoding="utf-8"?>
 <p:sld xmlns:a="http://schemas.openxmlformats.org/drawingml/2006/main" xmlns:r="http://schemas.openxmlformats.org/officeDocument/2006/relationships" xmlns:p="http://schemas.openxmlformats.org/presentationml/2006/main">
   <p:cSld>
     <p:spTree>
@@ -11413,7 +14848,7 @@
           <a:p>
             <a:fld id="{0079CAC6-A72B-4EF8-B465-34FA47827E7F}" type="slidenum">
               <a:rPr lang="en-US" smtClean="0"/>
-              <a:t>31</a:t>
+              <a:t>33</a:t>
             </a:fld>
             <a:endParaRPr lang="en-US" dirty="0"/>
           </a:p>
@@ -12424,10 +15859,10 @@
       </p:grpSpPr>
       <p:sp>
         <p:nvSpPr>
-          <p:cNvPr id="2" name="Title 1">
+          <p:cNvPr id="5" name="Title 4">
             <a:extLst>
               <a:ext uri="{FF2B5EF4-FFF2-40B4-BE49-F238E27FC236}">
-                <a16:creationId xmlns:a16="http://schemas.microsoft.com/office/drawing/2014/main" id="{1AD8AAB7-1E1C-BFCA-AEE5-09525A61A4AB}"/>
+                <a16:creationId xmlns:a16="http://schemas.microsoft.com/office/drawing/2014/main" id="{3E1FC432-A453-870C-34F6-F5AB1E824DD3}"/>
               </a:ext>
             </a:extLst>
           </p:cNvPr>
@@ -12438,104 +15873,24 @@
             <p:ph type="title"/>
           </p:nvPr>
         </p:nvSpPr>
-        <p:spPr>
-          <a:xfrm>
-            <a:off x="1202918" y="284176"/>
-            <a:ext cx="9955077" cy="1508760"/>
-          </a:xfrm>
-        </p:spPr>
+        <p:spPr/>
         <p:txBody>
           <a:bodyPr/>
           <a:lstStyle/>
           <a:p>
             <a:r>
               <a:rPr lang="en-US" dirty="0"/>
-              <a:t>How can computer detect which locations in memory are instruction or value or …?</a:t>
-            </a:r>
-          </a:p>
-        </p:txBody>
-      </p:sp>
-      <p:sp>
-        <p:nvSpPr>
-          <p:cNvPr id="3" name="Content Placeholder 2">
+              <a:t>Review the Last Lecture</a:t>
+            </a:r>
+          </a:p>
+        </p:txBody>
+      </p:sp>
+      <p:sp>
+        <p:nvSpPr>
+          <p:cNvPr id="4" name="Slide Number Placeholder 3">
             <a:extLst>
               <a:ext uri="{FF2B5EF4-FFF2-40B4-BE49-F238E27FC236}">
-                <a16:creationId xmlns:a16="http://schemas.microsoft.com/office/drawing/2014/main" id="{88AF3C35-98C4-E023-89D3-CC3AF6D4F261}"/>
-              </a:ext>
-            </a:extLst>
-          </p:cNvPr>
-          <p:cNvSpPr>
-            <a:spLocks noGrp="1"/>
-          </p:cNvSpPr>
-          <p:nvPr>
-            <p:ph idx="1"/>
-          </p:nvPr>
-        </p:nvSpPr>
-        <p:spPr/>
-        <p:txBody>
-          <a:bodyPr/>
-          <a:lstStyle/>
-          <a:p>
-            <a:pPr marL="0" indent="0" algn="ctr">
-              <a:buNone/>
-            </a:pPr>
-            <a:endParaRPr lang="en-US" sz="3200" dirty="0"/>
-          </a:p>
-          <a:p>
-            <a:pPr marL="0" indent="0" algn="ctr">
-              <a:buNone/>
-            </a:pPr>
-            <a:endParaRPr lang="en-US" sz="3200" dirty="0"/>
-          </a:p>
-          <a:p>
-            <a:pPr marL="0" indent="0" algn="ctr">
-              <a:buNone/>
-            </a:pPr>
-            <a:r>
-              <a:rPr lang="en-US" sz="3200" dirty="0"/>
-              <a:t>Who is volunteer for the short presentation?</a:t>
-            </a:r>
-          </a:p>
-          <a:p>
-            <a:endParaRPr lang="en-US" dirty="0"/>
-          </a:p>
-        </p:txBody>
-      </p:sp>
-      <p:sp>
-        <p:nvSpPr>
-          <p:cNvPr id="4" name="Footer Placeholder 3">
-            <a:extLst>
-              <a:ext uri="{FF2B5EF4-FFF2-40B4-BE49-F238E27FC236}">
-                <a16:creationId xmlns:a16="http://schemas.microsoft.com/office/drawing/2014/main" id="{36EA00AD-9B6C-1161-9468-730DBF9E8588}"/>
-              </a:ext>
-            </a:extLst>
-          </p:cNvPr>
-          <p:cNvSpPr>
-            <a:spLocks noGrp="1"/>
-          </p:cNvSpPr>
-          <p:nvPr>
-            <p:ph type="ftr" sz="quarter" idx="11"/>
-          </p:nvPr>
-        </p:nvSpPr>
-        <p:spPr/>
-        <p:txBody>
-          <a:bodyPr/>
-          <a:lstStyle/>
-          <a:p>
-            <a:r>
-              <a:rPr lang="en-US"/>
-              <a:t>Fundamental Programming with Python</a:t>
-            </a:r>
-            <a:endParaRPr lang="en-US" dirty="0"/>
-          </a:p>
-        </p:txBody>
-      </p:sp>
-      <p:sp>
-        <p:nvSpPr>
-          <p:cNvPr id="5" name="Slide Number Placeholder 4">
-            <a:extLst>
-              <a:ext uri="{FF2B5EF4-FFF2-40B4-BE49-F238E27FC236}">
-                <a16:creationId xmlns:a16="http://schemas.microsoft.com/office/drawing/2014/main" id="{3067836D-A414-5ADD-3BFB-9EF8CF816774}"/>
+                <a16:creationId xmlns:a16="http://schemas.microsoft.com/office/drawing/2014/main" id="{872D2B23-7846-DE1D-E096-383132454A1B}"/>
               </a:ext>
             </a:extLst>
           </p:cNvPr>
@@ -12561,57 +15916,37 @@
       </p:sp>
       <p:sp>
         <p:nvSpPr>
-          <p:cNvPr id="6" name="Rectangle: Rounded Corners 5">
+          <p:cNvPr id="2" name="Footer Placeholder 1">
             <a:extLst>
               <a:ext uri="{FF2B5EF4-FFF2-40B4-BE49-F238E27FC236}">
-                <a16:creationId xmlns:a16="http://schemas.microsoft.com/office/drawing/2014/main" id="{BBB2B468-48EF-4D7B-CA3F-A18EC4D3D60C}"/>
+                <a16:creationId xmlns:a16="http://schemas.microsoft.com/office/drawing/2014/main" id="{88F3A02B-EBDE-A1C4-048E-E606628F0D93}"/>
               </a:ext>
             </a:extLst>
           </p:cNvPr>
-          <p:cNvSpPr/>
-          <p:nvPr/>
-        </p:nvSpPr>
-        <p:spPr>
-          <a:xfrm>
-            <a:off x="8924080" y="4058067"/>
-            <a:ext cx="3267919" cy="972273"/>
-          </a:xfrm>
-          <a:prstGeom prst="roundRect">
-            <a:avLst/>
-          </a:prstGeom>
-        </p:spPr>
-        <p:style>
-          <a:lnRef idx="1">
-            <a:schemeClr val="accent6"/>
-          </a:lnRef>
-          <a:fillRef idx="3">
-            <a:schemeClr val="accent6"/>
-          </a:fillRef>
-          <a:effectRef idx="2">
-            <a:schemeClr val="accent6"/>
-          </a:effectRef>
-          <a:fontRef idx="minor">
-            <a:schemeClr val="lt1"/>
-          </a:fontRef>
-        </p:style>
-        <p:txBody>
-          <a:bodyPr rtlCol="0" anchor="ctr"/>
-          <a:lstStyle/>
-          <a:p>
-            <a:pPr algn="ctr"/>
-            <a:r>
-              <a:rPr lang="en-US" sz="2400" b="1" dirty="0">
-                <a:latin typeface="Fredoka One" panose="02000000000000000000" pitchFamily="2" charset="0"/>
-              </a:rPr>
-              <a:t>Short Presentation</a:t>
-            </a:r>
+          <p:cNvSpPr>
+            <a:spLocks noGrp="1"/>
+          </p:cNvSpPr>
+          <p:nvPr>
+            <p:ph type="ftr" sz="quarter" idx="11"/>
+          </p:nvPr>
+        </p:nvSpPr>
+        <p:spPr/>
+        <p:txBody>
+          <a:bodyPr/>
+          <a:lstStyle/>
+          <a:p>
+            <a:r>
+              <a:rPr lang="en-US"/>
+              <a:t>Fundamental Programming with Python</a:t>
+            </a:r>
+            <a:endParaRPr lang="en-US" dirty="0"/>
           </a:p>
         </p:txBody>
       </p:sp>
     </p:spTree>
     <p:extLst>
       <p:ext uri="{BB962C8B-B14F-4D97-AF65-F5344CB8AC3E}">
-        <p14:creationId xmlns:p14="http://schemas.microsoft.com/office/powerpoint/2010/main" val="522810794"/>
+        <p14:creationId xmlns:p14="http://schemas.microsoft.com/office/powerpoint/2010/main" val="3962216168"/>
       </p:ext>
     </p:extLst>
   </p:cSld>
@@ -12640,10 +15975,10 @@
       </p:grpSpPr>
       <p:sp>
         <p:nvSpPr>
-          <p:cNvPr id="5" name="Title 4">
+          <p:cNvPr id="2" name="Title 1">
             <a:extLst>
               <a:ext uri="{FF2B5EF4-FFF2-40B4-BE49-F238E27FC236}">
-                <a16:creationId xmlns:a16="http://schemas.microsoft.com/office/drawing/2014/main" id="{3E1FC432-A453-870C-34F6-F5AB1E824DD3}"/>
+                <a16:creationId xmlns:a16="http://schemas.microsoft.com/office/drawing/2014/main" id="{B3DC2EDE-24AC-E898-BFE7-2BA534AE08CD}"/>
               </a:ext>
             </a:extLst>
           </p:cNvPr>
@@ -12661,17 +15996,141 @@
           <a:p>
             <a:r>
               <a:rPr lang="en-US" dirty="0"/>
-              <a:t>Review the Last Lecture</a:t>
-            </a:r>
-          </a:p>
-        </p:txBody>
-      </p:sp>
-      <p:sp>
-        <p:nvSpPr>
-          <p:cNvPr id="4" name="Slide Number Placeholder 3">
+              <a:t>From question to algorithm!</a:t>
+            </a:r>
+          </a:p>
+        </p:txBody>
+      </p:sp>
+      <p:sp>
+        <p:nvSpPr>
+          <p:cNvPr id="3" name="Content Placeholder 2">
             <a:extLst>
               <a:ext uri="{FF2B5EF4-FFF2-40B4-BE49-F238E27FC236}">
-                <a16:creationId xmlns:a16="http://schemas.microsoft.com/office/drawing/2014/main" id="{872D2B23-7846-DE1D-E096-383132454A1B}"/>
+                <a16:creationId xmlns:a16="http://schemas.microsoft.com/office/drawing/2014/main" id="{F9696FCA-211D-9862-CE07-ECC8C82F206A}"/>
+              </a:ext>
+            </a:extLst>
+          </p:cNvPr>
+          <p:cNvSpPr>
+            <a:spLocks noGrp="1"/>
+          </p:cNvSpPr>
+          <p:nvPr>
+            <p:ph idx="1"/>
+          </p:nvPr>
+        </p:nvSpPr>
+        <p:spPr/>
+        <p:txBody>
+          <a:bodyPr>
+            <a:normAutofit fontScale="77500" lnSpcReduction="20000"/>
+          </a:bodyPr>
+          <a:lstStyle/>
+          <a:p>
+            <a:r>
+              <a:rPr lang="en-US" dirty="0"/>
+              <a:t>Understand your needs or questions! </a:t>
+            </a:r>
+          </a:p>
+          <a:p>
+            <a:pPr lvl="1"/>
+            <a:r>
+              <a:rPr lang="en-US" dirty="0"/>
+              <a:t>explain easily for someone else</a:t>
+            </a:r>
+          </a:p>
+          <a:p>
+            <a:r>
+              <a:rPr lang="en-US" dirty="0"/>
+              <a:t>Decompose your problem (make some steps)!</a:t>
+            </a:r>
+          </a:p>
+          <a:p>
+            <a:r>
+              <a:rPr lang="en-US" dirty="0"/>
+              <a:t>Make a flowchart for the decomposed version of your problem</a:t>
+            </a:r>
+          </a:p>
+          <a:p>
+            <a:r>
+              <a:rPr lang="en-US" dirty="0"/>
+              <a:t>Explain each steps in one or two  sentences (paper-based or paperless)</a:t>
+            </a:r>
+          </a:p>
+          <a:p>
+            <a:pPr lvl="1"/>
+            <a:r>
+              <a:rPr lang="en-US" dirty="0"/>
+              <a:t>input, output, process</a:t>
+            </a:r>
+          </a:p>
+          <a:p>
+            <a:r>
+              <a:rPr lang="en-US" dirty="0"/>
+              <a:t>Explain each steps mathematically…</a:t>
+            </a:r>
+          </a:p>
+          <a:p>
+            <a:r>
+              <a:rPr lang="en-US" dirty="0"/>
+              <a:t>Develop your algorithms for each steps</a:t>
+            </a:r>
+          </a:p>
+          <a:p>
+            <a:r>
+              <a:rPr lang="en-US" dirty="0"/>
+              <a:t>Check your process flow from the first step to the last one!</a:t>
+            </a:r>
+          </a:p>
+          <a:p>
+            <a:endParaRPr lang="en-US" dirty="0"/>
+          </a:p>
+          <a:p>
+            <a:endParaRPr lang="en-US" dirty="0"/>
+          </a:p>
+          <a:p>
+            <a:endParaRPr lang="en-US" dirty="0"/>
+          </a:p>
+          <a:p>
+            <a:endParaRPr lang="en-US" dirty="0"/>
+          </a:p>
+          <a:p>
+            <a:endParaRPr lang="en-US" dirty="0"/>
+          </a:p>
+        </p:txBody>
+      </p:sp>
+      <p:sp>
+        <p:nvSpPr>
+          <p:cNvPr id="4" name="Footer Placeholder 3">
+            <a:extLst>
+              <a:ext uri="{FF2B5EF4-FFF2-40B4-BE49-F238E27FC236}">
+                <a16:creationId xmlns:a16="http://schemas.microsoft.com/office/drawing/2014/main" id="{1303E7C7-DB16-9FCA-42CF-70F04616C8D8}"/>
+              </a:ext>
+            </a:extLst>
+          </p:cNvPr>
+          <p:cNvSpPr>
+            <a:spLocks noGrp="1"/>
+          </p:cNvSpPr>
+          <p:nvPr>
+            <p:ph type="ftr" sz="quarter" idx="11"/>
+          </p:nvPr>
+        </p:nvSpPr>
+        <p:spPr/>
+        <p:txBody>
+          <a:bodyPr/>
+          <a:lstStyle/>
+          <a:p>
+            <a:r>
+              <a:rPr lang="en-US"/>
+              <a:t>Fundamental Programming with Python</a:t>
+            </a:r>
+            <a:endParaRPr lang="en-US" dirty="0"/>
+          </a:p>
+        </p:txBody>
+      </p:sp>
+      <p:sp>
+        <p:nvSpPr>
+          <p:cNvPr id="5" name="Slide Number Placeholder 4">
+            <a:extLst>
+              <a:ext uri="{FF2B5EF4-FFF2-40B4-BE49-F238E27FC236}">
+                <a16:creationId xmlns:a16="http://schemas.microsoft.com/office/drawing/2014/main" id="{BC3EA3A6-B626-2A9B-98E4-1161214E332C}"/>
               </a:ext>
             </a:extLst>
           </p:cNvPr>
@@ -12695,45 +16154,595 @@
           </a:p>
         </p:txBody>
       </p:sp>
-      <p:sp>
-        <p:nvSpPr>
-          <p:cNvPr id="2" name="Footer Placeholder 1">
-            <a:extLst>
-              <a:ext uri="{FF2B5EF4-FFF2-40B4-BE49-F238E27FC236}">
-                <a16:creationId xmlns:a16="http://schemas.microsoft.com/office/drawing/2014/main" id="{88F3A02B-EBDE-A1C4-048E-E606628F0D93}"/>
-              </a:ext>
-            </a:extLst>
-          </p:cNvPr>
-          <p:cNvSpPr>
-            <a:spLocks noGrp="1"/>
-          </p:cNvSpPr>
-          <p:nvPr>
-            <p:ph type="ftr" sz="quarter" idx="11"/>
-          </p:nvPr>
-        </p:nvSpPr>
-        <p:spPr/>
-        <p:txBody>
-          <a:bodyPr/>
-          <a:lstStyle/>
-          <a:p>
-            <a:r>
-              <a:rPr lang="en-US"/>
-              <a:t>Fundamental Programming with Python</a:t>
-            </a:r>
-            <a:endParaRPr lang="en-US" dirty="0"/>
-          </a:p>
-        </p:txBody>
-      </p:sp>
     </p:spTree>
     <p:extLst>
       <p:ext uri="{BB962C8B-B14F-4D97-AF65-F5344CB8AC3E}">
-        <p14:creationId xmlns:p14="http://schemas.microsoft.com/office/powerpoint/2010/main" val="3962216168"/>
+        <p14:creationId xmlns:p14="http://schemas.microsoft.com/office/powerpoint/2010/main" val="1796748508"/>
       </p:ext>
     </p:extLst>
   </p:cSld>
   <p:clrMapOvr>
     <a:masterClrMapping/>
   </p:clrMapOvr>
+  <p:timing>
+    <p:tnLst>
+      <p:par>
+        <p:cTn id="1" dur="indefinite" restart="never" nodeType="tmRoot">
+          <p:childTnLst>
+            <p:seq concurrent="1" nextAc="seek">
+              <p:cTn id="2" dur="indefinite" nodeType="mainSeq">
+                <p:childTnLst>
+                  <p:par>
+                    <p:cTn id="3" fill="hold">
+                      <p:stCondLst>
+                        <p:cond delay="indefinite"/>
+                      </p:stCondLst>
+                      <p:childTnLst>
+                        <p:par>
+                          <p:cTn id="4" fill="hold">
+                            <p:stCondLst>
+                              <p:cond delay="0"/>
+                            </p:stCondLst>
+                            <p:childTnLst>
+                              <p:par>
+                                <p:cTn id="5" presetID="22" presetClass="entr" presetSubtype="4" fill="hold" nodeType="clickEffect">
+                                  <p:stCondLst>
+                                    <p:cond delay="0"/>
+                                  </p:stCondLst>
+                                  <p:childTnLst>
+                                    <p:set>
+                                      <p:cBhvr>
+                                        <p:cTn id="6" dur="1" fill="hold">
+                                          <p:stCondLst>
+                                            <p:cond delay="0"/>
+                                          </p:stCondLst>
+                                        </p:cTn>
+                                        <p:tgtEl>
+                                          <p:spTgt spid="3">
+                                            <p:txEl>
+                                              <p:pRg st="0" end="0"/>
+                                            </p:txEl>
+                                          </p:spTgt>
+                                        </p:tgtEl>
+                                        <p:attrNameLst>
+                                          <p:attrName>style.visibility</p:attrName>
+                                        </p:attrNameLst>
+                                      </p:cBhvr>
+                                      <p:to>
+                                        <p:strVal val="visible"/>
+                                      </p:to>
+                                    </p:set>
+                                    <p:animEffect transition="in" filter="wipe(down)">
+                                      <p:cBhvr>
+                                        <p:cTn id="7" dur="500"/>
+                                        <p:tgtEl>
+                                          <p:spTgt spid="3">
+                                            <p:txEl>
+                                              <p:pRg st="0" end="0"/>
+                                            </p:txEl>
+                                          </p:spTgt>
+                                        </p:tgtEl>
+                                      </p:cBhvr>
+                                    </p:animEffect>
+                                  </p:childTnLst>
+                                </p:cTn>
+                              </p:par>
+                            </p:childTnLst>
+                          </p:cTn>
+                        </p:par>
+                      </p:childTnLst>
+                    </p:cTn>
+                  </p:par>
+                  <p:par>
+                    <p:cTn id="8" fill="hold">
+                      <p:stCondLst>
+                        <p:cond delay="indefinite"/>
+                      </p:stCondLst>
+                      <p:childTnLst>
+                        <p:par>
+                          <p:cTn id="9" fill="hold">
+                            <p:stCondLst>
+                              <p:cond delay="0"/>
+                            </p:stCondLst>
+                            <p:childTnLst>
+                              <p:par>
+                                <p:cTn id="10" presetID="22" presetClass="entr" presetSubtype="4" fill="hold" nodeType="clickEffect">
+                                  <p:stCondLst>
+                                    <p:cond delay="0"/>
+                                  </p:stCondLst>
+                                  <p:childTnLst>
+                                    <p:set>
+                                      <p:cBhvr>
+                                        <p:cTn id="11" dur="1" fill="hold">
+                                          <p:stCondLst>
+                                            <p:cond delay="0"/>
+                                          </p:stCondLst>
+                                        </p:cTn>
+                                        <p:tgtEl>
+                                          <p:spTgt spid="3">
+                                            <p:txEl>
+                                              <p:pRg st="1" end="1"/>
+                                            </p:txEl>
+                                          </p:spTgt>
+                                        </p:tgtEl>
+                                        <p:attrNameLst>
+                                          <p:attrName>style.visibility</p:attrName>
+                                        </p:attrNameLst>
+                                      </p:cBhvr>
+                                      <p:to>
+                                        <p:strVal val="visible"/>
+                                      </p:to>
+                                    </p:set>
+                                    <p:animEffect transition="in" filter="wipe(down)">
+                                      <p:cBhvr>
+                                        <p:cTn id="12" dur="500"/>
+                                        <p:tgtEl>
+                                          <p:spTgt spid="3">
+                                            <p:txEl>
+                                              <p:pRg st="1" end="1"/>
+                                            </p:txEl>
+                                          </p:spTgt>
+                                        </p:tgtEl>
+                                      </p:cBhvr>
+                                    </p:animEffect>
+                                  </p:childTnLst>
+                                </p:cTn>
+                              </p:par>
+                            </p:childTnLst>
+                          </p:cTn>
+                        </p:par>
+                      </p:childTnLst>
+                    </p:cTn>
+                  </p:par>
+                  <p:par>
+                    <p:cTn id="13" fill="hold">
+                      <p:stCondLst>
+                        <p:cond delay="indefinite"/>
+                      </p:stCondLst>
+                      <p:childTnLst>
+                        <p:par>
+                          <p:cTn id="14" fill="hold">
+                            <p:stCondLst>
+                              <p:cond delay="0"/>
+                            </p:stCondLst>
+                            <p:childTnLst>
+                              <p:par>
+                                <p:cTn id="15" presetID="22" presetClass="entr" presetSubtype="4" fill="hold" nodeType="clickEffect">
+                                  <p:stCondLst>
+                                    <p:cond delay="0"/>
+                                  </p:stCondLst>
+                                  <p:childTnLst>
+                                    <p:set>
+                                      <p:cBhvr>
+                                        <p:cTn id="16" dur="1" fill="hold">
+                                          <p:stCondLst>
+                                            <p:cond delay="0"/>
+                                          </p:stCondLst>
+                                        </p:cTn>
+                                        <p:tgtEl>
+                                          <p:spTgt spid="3">
+                                            <p:txEl>
+                                              <p:pRg st="2" end="2"/>
+                                            </p:txEl>
+                                          </p:spTgt>
+                                        </p:tgtEl>
+                                        <p:attrNameLst>
+                                          <p:attrName>style.visibility</p:attrName>
+                                        </p:attrNameLst>
+                                      </p:cBhvr>
+                                      <p:to>
+                                        <p:strVal val="visible"/>
+                                      </p:to>
+                                    </p:set>
+                                    <p:animEffect transition="in" filter="wipe(down)">
+                                      <p:cBhvr>
+                                        <p:cTn id="17" dur="500"/>
+                                        <p:tgtEl>
+                                          <p:spTgt spid="3">
+                                            <p:txEl>
+                                              <p:pRg st="2" end="2"/>
+                                            </p:txEl>
+                                          </p:spTgt>
+                                        </p:tgtEl>
+                                      </p:cBhvr>
+                                    </p:animEffect>
+                                  </p:childTnLst>
+                                </p:cTn>
+                              </p:par>
+                            </p:childTnLst>
+                          </p:cTn>
+                        </p:par>
+                      </p:childTnLst>
+                    </p:cTn>
+                  </p:par>
+                  <p:par>
+                    <p:cTn id="18" fill="hold">
+                      <p:stCondLst>
+                        <p:cond delay="indefinite"/>
+                      </p:stCondLst>
+                      <p:childTnLst>
+                        <p:par>
+                          <p:cTn id="19" fill="hold">
+                            <p:stCondLst>
+                              <p:cond delay="0"/>
+                            </p:stCondLst>
+                            <p:childTnLst>
+                              <p:par>
+                                <p:cTn id="20" presetID="22" presetClass="entr" presetSubtype="4" fill="hold" nodeType="clickEffect">
+                                  <p:stCondLst>
+                                    <p:cond delay="0"/>
+                                  </p:stCondLst>
+                                  <p:childTnLst>
+                                    <p:set>
+                                      <p:cBhvr>
+                                        <p:cTn id="21" dur="1" fill="hold">
+                                          <p:stCondLst>
+                                            <p:cond delay="0"/>
+                                          </p:stCondLst>
+                                        </p:cTn>
+                                        <p:tgtEl>
+                                          <p:spTgt spid="3">
+                                            <p:txEl>
+                                              <p:pRg st="3" end="3"/>
+                                            </p:txEl>
+                                          </p:spTgt>
+                                        </p:tgtEl>
+                                        <p:attrNameLst>
+                                          <p:attrName>style.visibility</p:attrName>
+                                        </p:attrNameLst>
+                                      </p:cBhvr>
+                                      <p:to>
+                                        <p:strVal val="visible"/>
+                                      </p:to>
+                                    </p:set>
+                                    <p:animEffect transition="in" filter="wipe(down)">
+                                      <p:cBhvr>
+                                        <p:cTn id="22" dur="500"/>
+                                        <p:tgtEl>
+                                          <p:spTgt spid="3">
+                                            <p:txEl>
+                                              <p:pRg st="3" end="3"/>
+                                            </p:txEl>
+                                          </p:spTgt>
+                                        </p:tgtEl>
+                                      </p:cBhvr>
+                                    </p:animEffect>
+                                  </p:childTnLst>
+                                </p:cTn>
+                              </p:par>
+                            </p:childTnLst>
+                          </p:cTn>
+                        </p:par>
+                      </p:childTnLst>
+                    </p:cTn>
+                  </p:par>
+                  <p:par>
+                    <p:cTn id="23" fill="hold">
+                      <p:stCondLst>
+                        <p:cond delay="indefinite"/>
+                      </p:stCondLst>
+                      <p:childTnLst>
+                        <p:par>
+                          <p:cTn id="24" fill="hold">
+                            <p:stCondLst>
+                              <p:cond delay="0"/>
+                            </p:stCondLst>
+                            <p:childTnLst>
+                              <p:par>
+                                <p:cTn id="25" presetID="22" presetClass="entr" presetSubtype="4" fill="hold" nodeType="clickEffect">
+                                  <p:stCondLst>
+                                    <p:cond delay="0"/>
+                                  </p:stCondLst>
+                                  <p:childTnLst>
+                                    <p:set>
+                                      <p:cBhvr>
+                                        <p:cTn id="26" dur="1" fill="hold">
+                                          <p:stCondLst>
+                                            <p:cond delay="0"/>
+                                          </p:stCondLst>
+                                        </p:cTn>
+                                        <p:tgtEl>
+                                          <p:spTgt spid="3">
+                                            <p:txEl>
+                                              <p:pRg st="4" end="4"/>
+                                            </p:txEl>
+                                          </p:spTgt>
+                                        </p:tgtEl>
+                                        <p:attrNameLst>
+                                          <p:attrName>style.visibility</p:attrName>
+                                        </p:attrNameLst>
+                                      </p:cBhvr>
+                                      <p:to>
+                                        <p:strVal val="visible"/>
+                                      </p:to>
+                                    </p:set>
+                                    <p:animEffect transition="in" filter="wipe(down)">
+                                      <p:cBhvr>
+                                        <p:cTn id="27" dur="500"/>
+                                        <p:tgtEl>
+                                          <p:spTgt spid="3">
+                                            <p:txEl>
+                                              <p:pRg st="4" end="4"/>
+                                            </p:txEl>
+                                          </p:spTgt>
+                                        </p:tgtEl>
+                                      </p:cBhvr>
+                                    </p:animEffect>
+                                  </p:childTnLst>
+                                </p:cTn>
+                              </p:par>
+                            </p:childTnLst>
+                          </p:cTn>
+                        </p:par>
+                      </p:childTnLst>
+                    </p:cTn>
+                  </p:par>
+                  <p:par>
+                    <p:cTn id="28" fill="hold">
+                      <p:stCondLst>
+                        <p:cond delay="indefinite"/>
+                      </p:stCondLst>
+                      <p:childTnLst>
+                        <p:par>
+                          <p:cTn id="29" fill="hold">
+                            <p:stCondLst>
+                              <p:cond delay="0"/>
+                            </p:stCondLst>
+                            <p:childTnLst>
+                              <p:par>
+                                <p:cTn id="30" presetID="22" presetClass="entr" presetSubtype="4" fill="hold" nodeType="clickEffect">
+                                  <p:stCondLst>
+                                    <p:cond delay="0"/>
+                                  </p:stCondLst>
+                                  <p:childTnLst>
+                                    <p:set>
+                                      <p:cBhvr>
+                                        <p:cTn id="31" dur="1" fill="hold">
+                                          <p:stCondLst>
+                                            <p:cond delay="0"/>
+                                          </p:stCondLst>
+                                        </p:cTn>
+                                        <p:tgtEl>
+                                          <p:spTgt spid="3">
+                                            <p:txEl>
+                                              <p:pRg st="5" end="5"/>
+                                            </p:txEl>
+                                          </p:spTgt>
+                                        </p:tgtEl>
+                                        <p:attrNameLst>
+                                          <p:attrName>style.visibility</p:attrName>
+                                        </p:attrNameLst>
+                                      </p:cBhvr>
+                                      <p:to>
+                                        <p:strVal val="visible"/>
+                                      </p:to>
+                                    </p:set>
+                                    <p:animEffect transition="in" filter="wipe(down)">
+                                      <p:cBhvr>
+                                        <p:cTn id="32" dur="500"/>
+                                        <p:tgtEl>
+                                          <p:spTgt spid="3">
+                                            <p:txEl>
+                                              <p:pRg st="5" end="5"/>
+                                            </p:txEl>
+                                          </p:spTgt>
+                                        </p:tgtEl>
+                                      </p:cBhvr>
+                                    </p:animEffect>
+                                  </p:childTnLst>
+                                </p:cTn>
+                              </p:par>
+                            </p:childTnLst>
+                          </p:cTn>
+                        </p:par>
+                      </p:childTnLst>
+                    </p:cTn>
+                  </p:par>
+                  <p:par>
+                    <p:cTn id="33" fill="hold">
+                      <p:stCondLst>
+                        <p:cond delay="indefinite"/>
+                      </p:stCondLst>
+                      <p:childTnLst>
+                        <p:par>
+                          <p:cTn id="34" fill="hold">
+                            <p:stCondLst>
+                              <p:cond delay="0"/>
+                            </p:stCondLst>
+                            <p:childTnLst>
+                              <p:par>
+                                <p:cTn id="35" presetID="22" presetClass="entr" presetSubtype="4" fill="hold" nodeType="clickEffect">
+                                  <p:stCondLst>
+                                    <p:cond delay="0"/>
+                                  </p:stCondLst>
+                                  <p:childTnLst>
+                                    <p:set>
+                                      <p:cBhvr>
+                                        <p:cTn id="36" dur="1" fill="hold">
+                                          <p:stCondLst>
+                                            <p:cond delay="0"/>
+                                          </p:stCondLst>
+                                        </p:cTn>
+                                        <p:tgtEl>
+                                          <p:spTgt spid="3">
+                                            <p:txEl>
+                                              <p:pRg st="6" end="6"/>
+                                            </p:txEl>
+                                          </p:spTgt>
+                                        </p:tgtEl>
+                                        <p:attrNameLst>
+                                          <p:attrName>style.visibility</p:attrName>
+                                        </p:attrNameLst>
+                                      </p:cBhvr>
+                                      <p:to>
+                                        <p:strVal val="visible"/>
+                                      </p:to>
+                                    </p:set>
+                                    <p:animEffect transition="in" filter="wipe(down)">
+                                      <p:cBhvr>
+                                        <p:cTn id="37" dur="500"/>
+                                        <p:tgtEl>
+                                          <p:spTgt spid="3">
+                                            <p:txEl>
+                                              <p:pRg st="6" end="6"/>
+                                            </p:txEl>
+                                          </p:spTgt>
+                                        </p:tgtEl>
+                                      </p:cBhvr>
+                                    </p:animEffect>
+                                  </p:childTnLst>
+                                </p:cTn>
+                              </p:par>
+                            </p:childTnLst>
+                          </p:cTn>
+                        </p:par>
+                      </p:childTnLst>
+                    </p:cTn>
+                  </p:par>
+                  <p:par>
+                    <p:cTn id="38" fill="hold">
+                      <p:stCondLst>
+                        <p:cond delay="indefinite"/>
+                      </p:stCondLst>
+                      <p:childTnLst>
+                        <p:par>
+                          <p:cTn id="39" fill="hold">
+                            <p:stCondLst>
+                              <p:cond delay="0"/>
+                            </p:stCondLst>
+                            <p:childTnLst>
+                              <p:par>
+                                <p:cTn id="40" presetID="22" presetClass="entr" presetSubtype="4" fill="hold" nodeType="clickEffect">
+                                  <p:stCondLst>
+                                    <p:cond delay="0"/>
+                                  </p:stCondLst>
+                                  <p:childTnLst>
+                                    <p:set>
+                                      <p:cBhvr>
+                                        <p:cTn id="41" dur="1" fill="hold">
+                                          <p:stCondLst>
+                                            <p:cond delay="0"/>
+                                          </p:stCondLst>
+                                        </p:cTn>
+                                        <p:tgtEl>
+                                          <p:spTgt spid="3">
+                                            <p:txEl>
+                                              <p:pRg st="7" end="7"/>
+                                            </p:txEl>
+                                          </p:spTgt>
+                                        </p:tgtEl>
+                                        <p:attrNameLst>
+                                          <p:attrName>style.visibility</p:attrName>
+                                        </p:attrNameLst>
+                                      </p:cBhvr>
+                                      <p:to>
+                                        <p:strVal val="visible"/>
+                                      </p:to>
+                                    </p:set>
+                                    <p:animEffect transition="in" filter="wipe(down)">
+                                      <p:cBhvr>
+                                        <p:cTn id="42" dur="500"/>
+                                        <p:tgtEl>
+                                          <p:spTgt spid="3">
+                                            <p:txEl>
+                                              <p:pRg st="7" end="7"/>
+                                            </p:txEl>
+                                          </p:spTgt>
+                                        </p:tgtEl>
+                                      </p:cBhvr>
+                                    </p:animEffect>
+                                  </p:childTnLst>
+                                </p:cTn>
+                              </p:par>
+                            </p:childTnLst>
+                          </p:cTn>
+                        </p:par>
+                      </p:childTnLst>
+                    </p:cTn>
+                  </p:par>
+                  <p:par>
+                    <p:cTn id="43" fill="hold">
+                      <p:stCondLst>
+                        <p:cond delay="indefinite"/>
+                      </p:stCondLst>
+                      <p:childTnLst>
+                        <p:par>
+                          <p:cTn id="44" fill="hold">
+                            <p:stCondLst>
+                              <p:cond delay="0"/>
+                            </p:stCondLst>
+                            <p:childTnLst>
+                              <p:par>
+                                <p:cTn id="45" presetID="22" presetClass="entr" presetSubtype="4" fill="hold" nodeType="clickEffect">
+                                  <p:stCondLst>
+                                    <p:cond delay="0"/>
+                                  </p:stCondLst>
+                                  <p:childTnLst>
+                                    <p:set>
+                                      <p:cBhvr>
+                                        <p:cTn id="46" dur="1" fill="hold">
+                                          <p:stCondLst>
+                                            <p:cond delay="0"/>
+                                          </p:stCondLst>
+                                        </p:cTn>
+                                        <p:tgtEl>
+                                          <p:spTgt spid="3">
+                                            <p:txEl>
+                                              <p:pRg st="8" end="8"/>
+                                            </p:txEl>
+                                          </p:spTgt>
+                                        </p:tgtEl>
+                                        <p:attrNameLst>
+                                          <p:attrName>style.visibility</p:attrName>
+                                        </p:attrNameLst>
+                                      </p:cBhvr>
+                                      <p:to>
+                                        <p:strVal val="visible"/>
+                                      </p:to>
+                                    </p:set>
+                                    <p:animEffect transition="in" filter="wipe(down)">
+                                      <p:cBhvr>
+                                        <p:cTn id="47" dur="500"/>
+                                        <p:tgtEl>
+                                          <p:spTgt spid="3">
+                                            <p:txEl>
+                                              <p:pRg st="8" end="8"/>
+                                            </p:txEl>
+                                          </p:spTgt>
+                                        </p:tgtEl>
+                                      </p:cBhvr>
+                                    </p:animEffect>
+                                  </p:childTnLst>
+                                </p:cTn>
+                              </p:par>
+                            </p:childTnLst>
+                          </p:cTn>
+                        </p:par>
+                      </p:childTnLst>
+                    </p:cTn>
+                  </p:par>
+                </p:childTnLst>
+              </p:cTn>
+              <p:prevCondLst>
+                <p:cond evt="onPrev" delay="0">
+                  <p:tgtEl>
+                    <p:sldTgt/>
+                  </p:tgtEl>
+                </p:cond>
+              </p:prevCondLst>
+              <p:nextCondLst>
+                <p:cond evt="onNext" delay="0">
+                  <p:tgtEl>
+                    <p:sldTgt/>
+                  </p:tgtEl>
+                </p:cond>
+              </p:nextCondLst>
+            </p:seq>
+          </p:childTnLst>
+        </p:cTn>
+      </p:par>
+    </p:tnLst>
+  </p:timing>
 </p:sld>
 </file>
 
